--- a/development/AdvancedDNASeq/slides/Part6_Annotation.pptx
+++ b/development/AdvancedDNASeq/slides/Part6_Annotation.pptx
@@ -5,18 +5,41 @@
     <p:sldMasterId id="2147484112" r:id="rId1"/>
   </p:sldMasterIdLst>
   <p:handoutMasterIdLst>
-    <p:handoutMasterId r:id="rId11"/>
+    <p:handoutMasterId r:id="rId34"/>
   </p:handoutMasterIdLst>
   <p:sldIdLst>
     <p:sldId id="390" r:id="rId2"/>
     <p:sldId id="408" r:id="rId3"/>
-    <p:sldId id="409" r:id="rId4"/>
-    <p:sldId id="410" r:id="rId5"/>
-    <p:sldId id="411" r:id="rId6"/>
-    <p:sldId id="412" r:id="rId7"/>
-    <p:sldId id="413" r:id="rId8"/>
-    <p:sldId id="414" r:id="rId9"/>
-    <p:sldId id="415" r:id="rId10"/>
+    <p:sldId id="416" r:id="rId4"/>
+    <p:sldId id="417" r:id="rId5"/>
+    <p:sldId id="418" r:id="rId6"/>
+    <p:sldId id="419" r:id="rId7"/>
+    <p:sldId id="437" r:id="rId8"/>
+    <p:sldId id="431" r:id="rId9"/>
+    <p:sldId id="432" r:id="rId10"/>
+    <p:sldId id="433" r:id="rId11"/>
+    <p:sldId id="434" r:id="rId12"/>
+    <p:sldId id="409" r:id="rId13"/>
+    <p:sldId id="438" r:id="rId14"/>
+    <p:sldId id="410" r:id="rId15"/>
+    <p:sldId id="411" r:id="rId16"/>
+    <p:sldId id="412" r:id="rId17"/>
+    <p:sldId id="435" r:id="rId18"/>
+    <p:sldId id="413" r:id="rId19"/>
+    <p:sldId id="439" r:id="rId20"/>
+    <p:sldId id="414" r:id="rId21"/>
+    <p:sldId id="415" r:id="rId22"/>
+    <p:sldId id="420" r:id="rId23"/>
+    <p:sldId id="421" r:id="rId24"/>
+    <p:sldId id="422" r:id="rId25"/>
+    <p:sldId id="423" r:id="rId26"/>
+    <p:sldId id="424" r:id="rId27"/>
+    <p:sldId id="425" r:id="rId28"/>
+    <p:sldId id="426" r:id="rId29"/>
+    <p:sldId id="427" r:id="rId30"/>
+    <p:sldId id="428" r:id="rId31"/>
+    <p:sldId id="429" r:id="rId32"/>
+    <p:sldId id="430" r:id="rId33"/>
   </p:sldIdLst>
   <p:sldSz cx="9144000" cy="6858000" type="screen4x3"/>
   <p:notesSz cx="6858000" cy="9144000"/>
@@ -115,6 +138,22 @@
       </a:defRPr>
     </a:lvl9pPr>
   </p:defaultTextStyle>
+  <p:extLst>
+    <p:ext uri="{EFAFB233-063F-42B5-8137-9DF3F51BA10A}">
+      <p15:sldGuideLst xmlns:p15="http://schemas.microsoft.com/office/powerpoint/2012/main">
+        <p15:guide id="1" orient="horz" pos="2160">
+          <p15:clr>
+            <a:srgbClr val="A4A3A4"/>
+          </p15:clr>
+        </p15:guide>
+        <p15:guide id="2" pos="2880">
+          <p15:clr>
+            <a:srgbClr val="A4A3A4"/>
+          </p15:clr>
+        </p15:guide>
+      </p15:sldGuideLst>
+    </p:ext>
+  </p:extLst>
 </p:presentation>
 </file>
 
@@ -200,7 +239,7 @@
           <a:p>
             <a:fld id="{07AFF704-C85E-D24C-A7E3-0F9EBEED715E}" type="datetimeFigureOut">
               <a:rPr lang="en-US" smtClean="0"/>
-              <a:t>5/22/17</a:t>
+              <a:t>5/25/17</a:t>
             </a:fld>
             <a:endParaRPr lang="en-US"/>
           </a:p>
@@ -574,7 +613,7 @@
           <a:p>
             <a:fld id="{C8A432C8-69A7-458B-9684-2BFA64B31948}" type="datetime2">
               <a:rPr lang="en-US" smtClean="0"/>
-              <a:t>Monday, May 22, 17</a:t>
+              <a:t>Thursday, May 25, 2017</a:t>
             </a:fld>
             <a:endParaRPr lang="en-US"/>
           </a:p>
@@ -767,7 +806,7 @@
           <a:p>
             <a:fld id="{8CC057FC-95B6-4D89-AFDA-ABA33EE921E5}" type="datetime2">
               <a:rPr lang="en-US" smtClean="0"/>
-              <a:t>Monday, May 22, 17</a:t>
+              <a:t>Thursday, May 25, 2017</a:t>
             </a:fld>
             <a:endParaRPr lang="en-US"/>
           </a:p>
@@ -954,7 +993,7 @@
           <a:p>
             <a:fld id="{EC4549AC-EB31-477F-92A9-B1988E232878}" type="datetime2">
               <a:rPr lang="en-US" smtClean="0"/>
-              <a:t>Monday, May 22, 17</a:t>
+              <a:t>Thursday, May 25, 2017</a:t>
             </a:fld>
             <a:endParaRPr lang="en-US"/>
           </a:p>
@@ -1219,7 +1258,7 @@
           <a:p>
             <a:fld id="{6396A3A3-94A6-4E5B-AF39-173ACA3E61CC}" type="datetime2">
               <a:rPr lang="en-US" smtClean="0"/>
-              <a:t>Monday, May 22, 17</a:t>
+              <a:t>Thursday, May 25, 2017</a:t>
             </a:fld>
             <a:endParaRPr lang="en-US"/>
           </a:p>
@@ -1637,7 +1676,7 @@
           <a:p>
             <a:fld id="{9933D019-A32C-4EAD-B8E6-DBDA699692FD}" type="datetime2">
               <a:rPr lang="en-US" smtClean="0"/>
-              <a:t>Monday, May 22, 17</a:t>
+              <a:t>Thursday, May 25, 2017</a:t>
             </a:fld>
             <a:endParaRPr lang="en-US"/>
           </a:p>
@@ -1881,7 +1920,7 @@
           <a:p>
             <a:fld id="{CCEBA98F-560C-4997-81C4-81D4D9187EAB}" type="datetime2">
               <a:rPr lang="en-US" smtClean="0"/>
-              <a:t>Monday, May 22, 17</a:t>
+              <a:t>Thursday, May 25, 2017</a:t>
             </a:fld>
             <a:endParaRPr lang="en-US"/>
           </a:p>
@@ -2119,7 +2158,7 @@
           <a:p>
             <a:fld id="{150972B2-CA5C-437D-87D0-8081271A9E4B}" type="datetime2">
               <a:rPr lang="en-US" smtClean="0"/>
-              <a:t>Monday, May 22, 17</a:t>
+              <a:t>Thursday, May 25, 2017</a:t>
             </a:fld>
             <a:endParaRPr lang="en-US"/>
           </a:p>
@@ -2316,7 +2355,7 @@
           <a:p>
             <a:fld id="{79CD4847-11EF-4466-A8AD-85CDB7B49118}" type="datetime2">
               <a:rPr lang="en-US" smtClean="0"/>
-              <a:t>Monday, May 22, 17</a:t>
+              <a:t>Thursday, May 25, 2017</a:t>
             </a:fld>
             <a:endParaRPr lang="en-US"/>
           </a:p>
@@ -2416,7 +2455,7 @@
           <a:p>
             <a:fld id="{F168457A-3AB9-4880-8A0C-9F8524491207}" type="datetime2">
               <a:rPr lang="en-US" smtClean="0"/>
-              <a:t>Monday, May 22, 17</a:t>
+              <a:t>Thursday, May 25, 2017</a:t>
             </a:fld>
             <a:endParaRPr lang="en-US"/>
           </a:p>
@@ -2554,7 +2593,7 @@
           <a:p>
             <a:fld id="{3FE976D3-5B7F-4300-ABED-C91F1B2AE209}" type="datetime2">
               <a:rPr lang="en-US" smtClean="0"/>
-              <a:t>Monday, May 22, 17</a:t>
+              <a:t>Thursday, May 25, 2017</a:t>
             </a:fld>
             <a:endParaRPr lang="en-US"/>
           </a:p>
@@ -3074,7 +3113,7 @@
           <a:p>
             <a:fld id="{EBDC1E59-17DD-41CE-97CA-624A472382D4}" type="datetime2">
               <a:rPr lang="en-US" smtClean="0"/>
-              <a:t>Monday, May 22, 17</a:t>
+              <a:t>Thursday, May 25, 2017</a:t>
             </a:fld>
             <a:endParaRPr lang="en-US"/>
           </a:p>
@@ -3337,7 +3376,7 @@
           <a:p>
             <a:fld id="{A80CB818-7379-467D-8E76-EF9D9074A26C}" type="datetime2">
               <a:rPr lang="en-US" smtClean="0"/>
-              <a:t>Monday, May 22, 17</a:t>
+              <a:t>Thursday, May 25, 2017</a:t>
             </a:fld>
             <a:endParaRPr lang="en-US" dirty="0"/>
           </a:p>
@@ -3940,6 +3979,2877 @@
 </p:sld>
 </file>
 
+<file path=ppt/slides/slide10.xml><?xml version="1.0" encoding="utf-8"?>
+<p:sld xmlns:a="http://schemas.openxmlformats.org/drawingml/2006/main" xmlns:r="http://schemas.openxmlformats.org/officeDocument/2006/relationships" xmlns:p="http://schemas.openxmlformats.org/presentationml/2006/main">
+  <p:cSld>
+    <p:spTree>
+      <p:nvGrpSpPr>
+        <p:cNvPr id="1" name=""/>
+        <p:cNvGrpSpPr/>
+        <p:nvPr/>
+      </p:nvGrpSpPr>
+      <p:grpSpPr>
+        <a:xfrm>
+          <a:off x="0" y="0"/>
+          <a:ext cx="0" cy="0"/>
+          <a:chOff x="0" y="0"/>
+          <a:chExt cx="0" cy="0"/>
+        </a:xfrm>
+      </p:grpSpPr>
+      <p:sp>
+        <p:nvSpPr>
+          <p:cNvPr id="2" name="Title 1"/>
+          <p:cNvSpPr>
+            <a:spLocks noGrp="1"/>
+          </p:cNvSpPr>
+          <p:nvPr>
+            <p:ph type="title"/>
+          </p:nvPr>
+        </p:nvSpPr>
+        <p:spPr/>
+        <p:txBody>
+          <a:bodyPr>
+            <a:normAutofit/>
+          </a:bodyPr>
+          <a:lstStyle/>
+          <a:p>
+            <a:pPr algn="ctr"/>
+            <a:r>
+              <a:rPr lang="en-US" dirty="0" smtClean="0"/>
+              <a:t>ANNOTATION</a:t>
+            </a:r>
+            <a:endParaRPr lang="en-US" dirty="0"/>
+          </a:p>
+        </p:txBody>
+      </p:sp>
+      <p:sp>
+        <p:nvSpPr>
+          <p:cNvPr id="3" name="Content Placeholder 2"/>
+          <p:cNvSpPr>
+            <a:spLocks noGrp="1"/>
+          </p:cNvSpPr>
+          <p:nvPr>
+            <p:ph sz="quarter" idx="1"/>
+          </p:nvPr>
+        </p:nvSpPr>
+        <p:spPr>
+          <a:xfrm>
+            <a:off x="152400" y="1574800"/>
+            <a:ext cx="8864600" cy="5156200"/>
+          </a:xfrm>
+        </p:spPr>
+        <p:txBody>
+          <a:bodyPr>
+            <a:normAutofit/>
+          </a:bodyPr>
+          <a:lstStyle/>
+          <a:p>
+            <a:pPr marL="0" indent="0" algn="ctr">
+              <a:buNone/>
+            </a:pPr>
+            <a:r>
+              <a:rPr lang="en-US" u="sng" dirty="0" smtClean="0"/>
+              <a:t>Other Common File Formats: BED</a:t>
+            </a:r>
+            <a:endParaRPr lang="en-US" u="sng" dirty="0" smtClean="0"/>
+          </a:p>
+          <a:p>
+            <a:r>
+              <a:rPr lang="en-US" dirty="0" smtClean="0"/>
+              <a:t>3 columns, whitespace-delimited</a:t>
+            </a:r>
+          </a:p>
+          <a:p>
+            <a:pPr lvl="1"/>
+            <a:r>
+              <a:rPr lang="en-US" dirty="0" smtClean="0"/>
+              <a:t>Chromosome</a:t>
+            </a:r>
+          </a:p>
+          <a:p>
+            <a:pPr lvl="1"/>
+            <a:r>
+              <a:rPr lang="en-US" dirty="0" smtClean="0"/>
+              <a:t>Start (0-index)</a:t>
+            </a:r>
+          </a:p>
+          <a:p>
+            <a:pPr lvl="1"/>
+            <a:r>
+              <a:rPr lang="en-US" dirty="0" smtClean="0"/>
+              <a:t>End (non-inclusive)</a:t>
+            </a:r>
+          </a:p>
+          <a:p>
+            <a:r>
+              <a:rPr lang="en-US" dirty="0" smtClean="0"/>
+              <a:t>6 column; add</a:t>
+            </a:r>
+          </a:p>
+          <a:p>
+            <a:pPr lvl="1"/>
+            <a:r>
+              <a:rPr lang="en-US" dirty="0" smtClean="0"/>
+              <a:t>Name</a:t>
+            </a:r>
+          </a:p>
+          <a:p>
+            <a:pPr lvl="1"/>
+            <a:r>
+              <a:rPr lang="en-US" dirty="0" smtClean="0"/>
+              <a:t>Score (0-1000)</a:t>
+            </a:r>
+          </a:p>
+          <a:p>
+            <a:pPr lvl="1"/>
+            <a:r>
+              <a:rPr lang="en-US" dirty="0" smtClean="0"/>
+              <a:t>Strand </a:t>
+            </a:r>
+            <a:r>
+              <a:rPr lang="en-US" dirty="0"/>
+              <a:t>(+ or -)</a:t>
+            </a:r>
+            <a:endParaRPr lang="en-US" dirty="0" smtClean="0"/>
+          </a:p>
+        </p:txBody>
+      </p:sp>
+      <p:pic>
+        <p:nvPicPr>
+          <p:cNvPr id="4" name="Picture 3"/>
+          <p:cNvPicPr>
+            <a:picLocks noChangeAspect="1"/>
+          </p:cNvPicPr>
+          <p:nvPr/>
+        </p:nvPicPr>
+        <p:blipFill>
+          <a:blip r:embed="rId2"/>
+          <a:stretch>
+            <a:fillRect/>
+          </a:stretch>
+        </p:blipFill>
+        <p:spPr>
+          <a:xfrm>
+            <a:off x="4445000" y="3886200"/>
+            <a:ext cx="3708400" cy="533400"/>
+          </a:xfrm>
+          <a:prstGeom prst="rect">
+            <a:avLst/>
+          </a:prstGeom>
+        </p:spPr>
+      </p:pic>
+    </p:spTree>
+    <p:extLst>
+      <p:ext uri="{BB962C8B-B14F-4D97-AF65-F5344CB8AC3E}">
+        <p14:creationId xmlns:p14="http://schemas.microsoft.com/office/powerpoint/2010/main" val="952331458"/>
+      </p:ext>
+    </p:extLst>
+  </p:cSld>
+  <p:clrMapOvr>
+    <a:masterClrMapping/>
+  </p:clrMapOvr>
+  <mc:AlternateContent xmlns:mc="http://schemas.openxmlformats.org/markup-compatibility/2006" xmlns:p14="http://schemas.microsoft.com/office/powerpoint/2010/main">
+    <mc:Choice Requires="p14">
+      <p:transition spd="slow" p14:dur="2000"/>
+    </mc:Choice>
+    <mc:Fallback xmlns="">
+      <p:transition xmlns:p14="http://schemas.microsoft.com/office/powerpoint/2010/main" spd="slow"/>
+    </mc:Fallback>
+  </mc:AlternateContent>
+</p:sld>
+</file>
+
+<file path=ppt/slides/slide11.xml><?xml version="1.0" encoding="utf-8"?>
+<p:sld xmlns:a="http://schemas.openxmlformats.org/drawingml/2006/main" xmlns:r="http://schemas.openxmlformats.org/officeDocument/2006/relationships" xmlns:p="http://schemas.openxmlformats.org/presentationml/2006/main">
+  <p:cSld>
+    <p:spTree>
+      <p:nvGrpSpPr>
+        <p:cNvPr id="1" name=""/>
+        <p:cNvGrpSpPr/>
+        <p:nvPr/>
+      </p:nvGrpSpPr>
+      <p:grpSpPr>
+        <a:xfrm>
+          <a:off x="0" y="0"/>
+          <a:ext cx="0" cy="0"/>
+          <a:chOff x="0" y="0"/>
+          <a:chExt cx="0" cy="0"/>
+        </a:xfrm>
+      </p:grpSpPr>
+      <p:sp>
+        <p:nvSpPr>
+          <p:cNvPr id="2" name="Title 1"/>
+          <p:cNvSpPr>
+            <a:spLocks noGrp="1"/>
+          </p:cNvSpPr>
+          <p:nvPr>
+            <p:ph type="title"/>
+          </p:nvPr>
+        </p:nvSpPr>
+        <p:spPr/>
+        <p:txBody>
+          <a:bodyPr>
+            <a:normAutofit/>
+          </a:bodyPr>
+          <a:lstStyle/>
+          <a:p>
+            <a:pPr algn="ctr"/>
+            <a:r>
+              <a:rPr lang="en-US" dirty="0" smtClean="0"/>
+              <a:t>ANNOTATION</a:t>
+            </a:r>
+            <a:endParaRPr lang="en-US" dirty="0"/>
+          </a:p>
+        </p:txBody>
+      </p:sp>
+      <p:sp>
+        <p:nvSpPr>
+          <p:cNvPr id="3" name="Content Placeholder 2"/>
+          <p:cNvSpPr>
+            <a:spLocks noGrp="1"/>
+          </p:cNvSpPr>
+          <p:nvPr>
+            <p:ph sz="quarter" idx="1"/>
+          </p:nvPr>
+        </p:nvSpPr>
+        <p:spPr>
+          <a:xfrm>
+            <a:off x="152400" y="1574800"/>
+            <a:ext cx="8864600" cy="4386608"/>
+          </a:xfrm>
+        </p:spPr>
+        <p:txBody>
+          <a:bodyPr>
+            <a:normAutofit fontScale="77500" lnSpcReduction="20000"/>
+          </a:bodyPr>
+          <a:lstStyle/>
+          <a:p>
+            <a:pPr marL="0" indent="0" algn="ctr">
+              <a:buNone/>
+            </a:pPr>
+            <a:r>
+              <a:rPr lang="en-US" u="sng" dirty="0" smtClean="0"/>
+              <a:t>Other Common File Formats: GTF/GFF</a:t>
+            </a:r>
+            <a:endParaRPr lang="en-US" u="sng" dirty="0" smtClean="0"/>
+          </a:p>
+          <a:p>
+            <a:r>
+              <a:rPr lang="en-US" dirty="0" smtClean="0"/>
+              <a:t>General format for annotation databases</a:t>
+            </a:r>
+          </a:p>
+          <a:p>
+            <a:r>
+              <a:rPr lang="en-US" dirty="0"/>
+              <a:t>9 </a:t>
+            </a:r>
+            <a:r>
+              <a:rPr lang="en-US" dirty="0" smtClean="0"/>
+              <a:t>columns, tab-delimited</a:t>
+            </a:r>
+            <a:endParaRPr lang="en-US" dirty="0"/>
+          </a:p>
+          <a:p>
+            <a:pPr lvl="1"/>
+            <a:r>
+              <a:rPr lang="en-US" dirty="0" smtClean="0"/>
+              <a:t>Sequence (chromosome)</a:t>
+            </a:r>
+          </a:p>
+          <a:p>
+            <a:pPr lvl="1"/>
+            <a:r>
+              <a:rPr lang="en-US" dirty="0" smtClean="0"/>
+              <a:t>Source (database name)</a:t>
+            </a:r>
+          </a:p>
+          <a:p>
+            <a:pPr lvl="1"/>
+            <a:r>
+              <a:rPr lang="en-US" dirty="0" smtClean="0"/>
+              <a:t>Feature type (</a:t>
+            </a:r>
+            <a:r>
+              <a:rPr lang="en-US" i="1" dirty="0" smtClean="0"/>
+              <a:t>e.g. </a:t>
+            </a:r>
+            <a:r>
+              <a:rPr lang="en-US" dirty="0" smtClean="0"/>
+              <a:t>exon, </a:t>
+            </a:r>
+            <a:r>
+              <a:rPr lang="en-US" dirty="0" err="1" smtClean="0"/>
+              <a:t>lncRNA</a:t>
+            </a:r>
+            <a:r>
+              <a:rPr lang="en-US" dirty="0" smtClean="0"/>
+              <a:t>)</a:t>
+            </a:r>
+          </a:p>
+          <a:p>
+            <a:pPr lvl="1"/>
+            <a:r>
+              <a:rPr lang="en-US" dirty="0" smtClean="0"/>
+              <a:t>Start (1-indexed)</a:t>
+            </a:r>
+          </a:p>
+          <a:p>
+            <a:pPr lvl="1"/>
+            <a:r>
+              <a:rPr lang="en-US" dirty="0" smtClean="0"/>
+              <a:t>End (inclusive)</a:t>
+            </a:r>
+          </a:p>
+          <a:p>
+            <a:pPr lvl="1"/>
+            <a:r>
+              <a:rPr lang="en-US" dirty="0" smtClean="0"/>
+              <a:t>Score (0-1000)</a:t>
+            </a:r>
+          </a:p>
+          <a:p>
+            <a:pPr lvl="1"/>
+            <a:r>
+              <a:rPr lang="en-US" dirty="0" smtClean="0"/>
+              <a:t>Strand (+ or -)</a:t>
+            </a:r>
+          </a:p>
+          <a:p>
+            <a:pPr lvl="1"/>
+            <a:r>
+              <a:rPr lang="en-US" dirty="0" smtClean="0"/>
+              <a:t>Frame (0-2 or .)</a:t>
+            </a:r>
+          </a:p>
+          <a:p>
+            <a:pPr lvl="1"/>
+            <a:r>
+              <a:rPr lang="en-US" dirty="0" smtClean="0"/>
+              <a:t>Attributes</a:t>
+            </a:r>
+          </a:p>
+        </p:txBody>
+      </p:sp>
+      <p:pic>
+        <p:nvPicPr>
+          <p:cNvPr id="5" name="Picture 4"/>
+          <p:cNvPicPr>
+            <a:picLocks noChangeAspect="1"/>
+          </p:cNvPicPr>
+          <p:nvPr/>
+        </p:nvPicPr>
+        <p:blipFill>
+          <a:blip r:embed="rId2"/>
+          <a:stretch>
+            <a:fillRect/>
+          </a:stretch>
+        </p:blipFill>
+        <p:spPr>
+          <a:xfrm>
+            <a:off x="906034" y="5941116"/>
+            <a:ext cx="7566628" cy="706091"/>
+          </a:xfrm>
+          <a:prstGeom prst="rect">
+            <a:avLst/>
+          </a:prstGeom>
+        </p:spPr>
+      </p:pic>
+      <p:sp>
+        <p:nvSpPr>
+          <p:cNvPr id="6" name="TextBox 5"/>
+          <p:cNvSpPr txBox="1"/>
+          <p:nvPr/>
+        </p:nvSpPr>
+        <p:spPr>
+          <a:xfrm>
+            <a:off x="4676648" y="3935191"/>
+            <a:ext cx="4076700" cy="1754326"/>
+          </a:xfrm>
+          <a:prstGeom prst="rect">
+            <a:avLst/>
+          </a:prstGeom>
+          <a:noFill/>
+          <a:ln>
+            <a:solidFill>
+              <a:schemeClr val="accent1"/>
+            </a:solidFill>
+          </a:ln>
+        </p:spPr>
+        <p:txBody>
+          <a:bodyPr wrap="square" rtlCol="0">
+            <a:spAutoFit/>
+          </a:bodyPr>
+          <a:lstStyle/>
+          <a:p>
+            <a:pPr marL="0" lvl="1"/>
+            <a:r>
+              <a:rPr lang="en-US" dirty="0" smtClean="0"/>
+              <a:t>GTF Attributes: </a:t>
+            </a:r>
+            <a:r>
+              <a:rPr lang="en-US" dirty="0"/>
+              <a:t>in GFF2, this is only allowed to be a group ID; in GFF3, it is a semicolon-delimited set of tag-value pairs. Some tags are pre-defined (</a:t>
+            </a:r>
+            <a:r>
+              <a:rPr lang="en-US" dirty="0">
+                <a:hlinkClick r:id="rId3"/>
+              </a:rPr>
+              <a:t>http://gmod.org/wiki/GFF3#GFF3_Format)</a:t>
+            </a:r>
+            <a:r>
+              <a:rPr lang="en-US" dirty="0"/>
+              <a:t> but arbitrary tags are allowed</a:t>
+            </a:r>
+            <a:r>
+              <a:rPr lang="en-US" dirty="0" smtClean="0"/>
+              <a:t>.</a:t>
+            </a:r>
+            <a:endParaRPr lang="en-US" dirty="0"/>
+          </a:p>
+        </p:txBody>
+      </p:sp>
+    </p:spTree>
+    <p:extLst>
+      <p:ext uri="{BB962C8B-B14F-4D97-AF65-F5344CB8AC3E}">
+        <p14:creationId xmlns:p14="http://schemas.microsoft.com/office/powerpoint/2010/main" val="84330277"/>
+      </p:ext>
+    </p:extLst>
+  </p:cSld>
+  <p:clrMapOvr>
+    <a:masterClrMapping/>
+  </p:clrMapOvr>
+  <mc:AlternateContent xmlns:mc="http://schemas.openxmlformats.org/markup-compatibility/2006" xmlns:p14="http://schemas.microsoft.com/office/powerpoint/2010/main">
+    <mc:Choice Requires="p14">
+      <p:transition spd="slow" p14:dur="2000"/>
+    </mc:Choice>
+    <mc:Fallback xmlns="">
+      <p:transition xmlns:p14="http://schemas.microsoft.com/office/powerpoint/2010/main" spd="slow"/>
+    </mc:Fallback>
+  </mc:AlternateContent>
+</p:sld>
+</file>
+
+<file path=ppt/slides/slide12.xml><?xml version="1.0" encoding="utf-8"?>
+<p:sld xmlns:a="http://schemas.openxmlformats.org/drawingml/2006/main" xmlns:r="http://schemas.openxmlformats.org/officeDocument/2006/relationships" xmlns:p="http://schemas.openxmlformats.org/presentationml/2006/main">
+  <p:cSld>
+    <p:spTree>
+      <p:nvGrpSpPr>
+        <p:cNvPr id="1" name=""/>
+        <p:cNvGrpSpPr/>
+        <p:nvPr/>
+      </p:nvGrpSpPr>
+      <p:grpSpPr>
+        <a:xfrm>
+          <a:off x="0" y="0"/>
+          <a:ext cx="0" cy="0"/>
+          <a:chOff x="0" y="0"/>
+          <a:chExt cx="0" cy="0"/>
+        </a:xfrm>
+      </p:grpSpPr>
+      <p:sp>
+        <p:nvSpPr>
+          <p:cNvPr id="2" name="Title 1"/>
+          <p:cNvSpPr>
+            <a:spLocks noGrp="1"/>
+          </p:cNvSpPr>
+          <p:nvPr>
+            <p:ph type="title"/>
+          </p:nvPr>
+        </p:nvSpPr>
+        <p:spPr/>
+        <p:txBody>
+          <a:bodyPr>
+            <a:normAutofit/>
+          </a:bodyPr>
+          <a:lstStyle/>
+          <a:p>
+            <a:pPr algn="ctr"/>
+            <a:r>
+              <a:rPr lang="en-US" dirty="0" smtClean="0"/>
+              <a:t>ANNOTATION</a:t>
+            </a:r>
+            <a:endParaRPr lang="en-US" dirty="0"/>
+          </a:p>
+        </p:txBody>
+      </p:sp>
+      <p:sp>
+        <p:nvSpPr>
+          <p:cNvPr id="3" name="Content Placeholder 2"/>
+          <p:cNvSpPr>
+            <a:spLocks noGrp="1"/>
+          </p:cNvSpPr>
+          <p:nvPr>
+            <p:ph sz="quarter" idx="1"/>
+          </p:nvPr>
+        </p:nvSpPr>
+        <p:spPr>
+          <a:xfrm>
+            <a:off x="152400" y="1574800"/>
+            <a:ext cx="8864600" cy="5156200"/>
+          </a:xfrm>
+        </p:spPr>
+        <p:txBody>
+          <a:bodyPr>
+            <a:normAutofit/>
+          </a:bodyPr>
+          <a:lstStyle/>
+          <a:p>
+            <a:pPr marL="0" indent="0" algn="ctr">
+              <a:buNone/>
+            </a:pPr>
+            <a:r>
+              <a:rPr lang="en-US" u="sng" dirty="0" err="1" smtClean="0"/>
+              <a:t>BCFTools</a:t>
+            </a:r>
+            <a:endParaRPr lang="en-US" u="sng" dirty="0" smtClean="0"/>
+          </a:p>
+          <a:p>
+            <a:r>
+              <a:rPr lang="en-US" dirty="0" smtClean="0"/>
+              <a:t>Another library of generally useful tools for working with VCF files</a:t>
+            </a:r>
+          </a:p>
+          <a:p>
+            <a:r>
+              <a:rPr lang="en-US" dirty="0" smtClean="0"/>
+              <a:t>Included with </a:t>
+            </a:r>
+            <a:r>
+              <a:rPr lang="en-US" dirty="0" err="1" smtClean="0"/>
+              <a:t>samtools</a:t>
+            </a:r>
+            <a:endParaRPr lang="en-US" dirty="0" smtClean="0"/>
+          </a:p>
+          <a:p>
+            <a:pPr lvl="1"/>
+            <a:r>
+              <a:rPr lang="en-US" dirty="0" smtClean="0"/>
+              <a:t>In fact, you can combine </a:t>
+            </a:r>
+            <a:r>
+              <a:rPr lang="en-US" sz="2000" dirty="0" err="1" smtClean="0">
+                <a:latin typeface="Courier"/>
+                <a:cs typeface="Courier"/>
+              </a:rPr>
+              <a:t>samtools</a:t>
+            </a:r>
+            <a:r>
+              <a:rPr lang="en-US" sz="2000" dirty="0" smtClean="0">
+                <a:latin typeface="Courier"/>
+                <a:cs typeface="Courier"/>
+              </a:rPr>
+              <a:t>, </a:t>
+            </a:r>
+            <a:r>
+              <a:rPr lang="en-US" sz="2000" dirty="0" err="1" smtClean="0">
+                <a:latin typeface="Courier"/>
+                <a:cs typeface="Courier"/>
+              </a:rPr>
+              <a:t>mpileup</a:t>
+            </a:r>
+            <a:r>
+              <a:rPr lang="en-US" sz="2000" dirty="0" smtClean="0">
+                <a:latin typeface="Courier"/>
+                <a:cs typeface="Courier"/>
+              </a:rPr>
+              <a:t>, </a:t>
+            </a:r>
+            <a:r>
+              <a:rPr lang="en-US" dirty="0" smtClean="0"/>
+              <a:t>and </a:t>
+            </a:r>
+            <a:r>
+              <a:rPr lang="en-US" sz="2000" dirty="0" err="1" smtClean="0">
+                <a:latin typeface="Courier"/>
+                <a:cs typeface="Courier"/>
+              </a:rPr>
+              <a:t>bcftools</a:t>
+            </a:r>
+            <a:r>
+              <a:rPr lang="en-US" sz="2000" dirty="0" smtClean="0">
+                <a:latin typeface="Courier"/>
+                <a:cs typeface="Courier"/>
+              </a:rPr>
+              <a:t> call</a:t>
+            </a:r>
+            <a:r>
+              <a:rPr lang="en-US" dirty="0" smtClean="0"/>
+              <a:t> for an alternate variant calling pipeline</a:t>
+            </a:r>
+          </a:p>
+          <a:p>
+            <a:pPr marL="0" indent="0" algn="ctr">
+              <a:buNone/>
+            </a:pPr>
+            <a:endParaRPr lang="en-US" dirty="0" smtClean="0">
+              <a:hlinkClick r:id="rId2"/>
+            </a:endParaRPr>
+          </a:p>
+          <a:p>
+            <a:pPr marL="0" indent="0" algn="ctr">
+              <a:buNone/>
+            </a:pPr>
+            <a:r>
+              <a:rPr lang="en-US" dirty="0" smtClean="0">
+                <a:hlinkClick r:id="rId2"/>
+              </a:rPr>
+              <a:t>https</a:t>
+            </a:r>
+            <a:r>
+              <a:rPr lang="en-US" dirty="0">
+                <a:hlinkClick r:id="rId2"/>
+              </a:rPr>
+              <a:t>://samtools.github.io/bcftools/</a:t>
+            </a:r>
+            <a:r>
+              <a:rPr lang="en-US" dirty="0" smtClean="0">
+                <a:hlinkClick r:id="rId2"/>
+              </a:rPr>
+              <a:t>bcftools.html</a:t>
+            </a:r>
+            <a:endParaRPr lang="en-US" dirty="0" smtClean="0"/>
+          </a:p>
+          <a:p>
+            <a:pPr marL="0" indent="0">
+              <a:buNone/>
+            </a:pPr>
+            <a:endParaRPr lang="en-US" dirty="0" smtClean="0"/>
+          </a:p>
+          <a:p>
+            <a:endParaRPr lang="en-US" dirty="0" smtClean="0"/>
+          </a:p>
+        </p:txBody>
+      </p:sp>
+    </p:spTree>
+    <p:extLst>
+      <p:ext uri="{BB962C8B-B14F-4D97-AF65-F5344CB8AC3E}">
+        <p14:creationId xmlns:p14="http://schemas.microsoft.com/office/powerpoint/2010/main" val="3100309747"/>
+      </p:ext>
+    </p:extLst>
+  </p:cSld>
+  <p:clrMapOvr>
+    <a:masterClrMapping/>
+  </p:clrMapOvr>
+  <mc:AlternateContent xmlns:mc="http://schemas.openxmlformats.org/markup-compatibility/2006" xmlns:p14="http://schemas.microsoft.com/office/powerpoint/2010/main">
+    <mc:Choice Requires="p14">
+      <p:transition spd="slow" p14:dur="2000"/>
+    </mc:Choice>
+    <mc:Fallback xmlns="">
+      <p:transition xmlns:p14="http://schemas.microsoft.com/office/powerpoint/2010/main" spd="slow"/>
+    </mc:Fallback>
+  </mc:AlternateContent>
+</p:sld>
+</file>
+
+<file path=ppt/slides/slide13.xml><?xml version="1.0" encoding="utf-8"?>
+<p:sld xmlns:a="http://schemas.openxmlformats.org/drawingml/2006/main" xmlns:r="http://schemas.openxmlformats.org/officeDocument/2006/relationships" xmlns:p="http://schemas.openxmlformats.org/presentationml/2006/main">
+  <p:cSld>
+    <p:spTree>
+      <p:nvGrpSpPr>
+        <p:cNvPr id="1" name=""/>
+        <p:cNvGrpSpPr/>
+        <p:nvPr/>
+      </p:nvGrpSpPr>
+      <p:grpSpPr>
+        <a:xfrm>
+          <a:off x="0" y="0"/>
+          <a:ext cx="0" cy="0"/>
+          <a:chOff x="0" y="0"/>
+          <a:chExt cx="0" cy="0"/>
+        </a:xfrm>
+      </p:grpSpPr>
+      <p:sp>
+        <p:nvSpPr>
+          <p:cNvPr id="2" name="Title 1"/>
+          <p:cNvSpPr>
+            <a:spLocks noGrp="1"/>
+          </p:cNvSpPr>
+          <p:nvPr>
+            <p:ph type="title"/>
+          </p:nvPr>
+        </p:nvSpPr>
+        <p:spPr/>
+        <p:txBody>
+          <a:bodyPr>
+            <a:normAutofit/>
+          </a:bodyPr>
+          <a:lstStyle/>
+          <a:p>
+            <a:pPr algn="ctr"/>
+            <a:r>
+              <a:rPr lang="en-US" dirty="0" smtClean="0"/>
+              <a:t>ANNOTATION</a:t>
+            </a:r>
+            <a:endParaRPr lang="en-US" dirty="0"/>
+          </a:p>
+        </p:txBody>
+      </p:sp>
+      <p:sp>
+        <p:nvSpPr>
+          <p:cNvPr id="3" name="Content Placeholder 2"/>
+          <p:cNvSpPr>
+            <a:spLocks noGrp="1"/>
+          </p:cNvSpPr>
+          <p:nvPr>
+            <p:ph sz="quarter" idx="1"/>
+          </p:nvPr>
+        </p:nvSpPr>
+        <p:spPr>
+          <a:xfrm>
+            <a:off x="152400" y="1574800"/>
+            <a:ext cx="8864600" cy="5156200"/>
+          </a:xfrm>
+        </p:spPr>
+        <p:txBody>
+          <a:bodyPr>
+            <a:normAutofit fontScale="85000" lnSpcReduction="20000"/>
+          </a:bodyPr>
+          <a:lstStyle/>
+          <a:p>
+            <a:pPr marL="0" indent="0" algn="ctr">
+              <a:buNone/>
+            </a:pPr>
+            <a:r>
+              <a:rPr lang="en-US" u="sng" dirty="0" smtClean="0"/>
+              <a:t>Exercise: </a:t>
+            </a:r>
+            <a:r>
+              <a:rPr lang="en-US" u="sng" dirty="0" smtClean="0"/>
+              <a:t>Query Annotations with </a:t>
+            </a:r>
+            <a:r>
+              <a:rPr lang="en-US" u="sng" dirty="0" err="1" smtClean="0"/>
+              <a:t>BCFTools</a:t>
+            </a:r>
+            <a:endParaRPr lang="en-US" dirty="0" smtClean="0">
+              <a:latin typeface="Courier"/>
+              <a:cs typeface="Courier"/>
+            </a:endParaRPr>
+          </a:p>
+          <a:p>
+            <a:pPr marL="0" indent="0">
+              <a:buNone/>
+            </a:pPr>
+            <a:r>
+              <a:rPr lang="en-US" sz="2400" dirty="0" smtClean="0">
+                <a:latin typeface="Courier"/>
+                <a:cs typeface="Courier"/>
+              </a:rPr>
+              <a:t># The query command creates an annotation file</a:t>
+            </a:r>
+          </a:p>
+          <a:p>
+            <a:pPr marL="0" indent="0">
+              <a:buNone/>
+            </a:pPr>
+            <a:r>
+              <a:rPr lang="en-US" sz="2400" dirty="0" smtClean="0">
+                <a:latin typeface="Courier"/>
+                <a:cs typeface="Courier"/>
+              </a:rPr>
+              <a:t># in a user-defined format using a simple</a:t>
+            </a:r>
+          </a:p>
+          <a:p>
+            <a:pPr marL="0" indent="0">
+              <a:buNone/>
+            </a:pPr>
+            <a:r>
+              <a:rPr lang="en-US" sz="2400" dirty="0" smtClean="0">
+                <a:latin typeface="Courier"/>
+                <a:cs typeface="Courier"/>
+              </a:rPr>
+              <a:t># query language. Select any combination of columns and</a:t>
+            </a:r>
+          </a:p>
+          <a:p>
+            <a:pPr marL="0" indent="0">
+              <a:buNone/>
+            </a:pPr>
+            <a:r>
+              <a:rPr lang="en-US" sz="2400" dirty="0" smtClean="0">
+                <a:latin typeface="Courier"/>
+                <a:cs typeface="Courier"/>
+              </a:rPr>
+              <a:t># </a:t>
+            </a:r>
+            <a:r>
+              <a:rPr lang="en-US" sz="2400" dirty="0" smtClean="0">
+                <a:latin typeface="Courier"/>
+                <a:cs typeface="Courier"/>
+              </a:rPr>
+              <a:t>INFO fields.</a:t>
+            </a:r>
+          </a:p>
+          <a:p>
+            <a:pPr marL="0" indent="0">
+              <a:buNone/>
+            </a:pPr>
+            <a:r>
+              <a:rPr lang="en-US" sz="2400" dirty="0" smtClean="0">
+                <a:latin typeface="Courier"/>
+                <a:cs typeface="Courier"/>
+              </a:rPr>
+              <a:t>$ </a:t>
+            </a:r>
+            <a:r>
+              <a:rPr lang="en-US" sz="2400" dirty="0" err="1" smtClean="0">
+                <a:latin typeface="Courier"/>
+                <a:cs typeface="Courier"/>
+              </a:rPr>
+              <a:t>bcftools</a:t>
+            </a:r>
+            <a:r>
+              <a:rPr lang="en-US" sz="2400" dirty="0" smtClean="0">
+                <a:latin typeface="Courier"/>
+                <a:cs typeface="Courier"/>
+              </a:rPr>
+              <a:t> query \</a:t>
+            </a:r>
+          </a:p>
+          <a:p>
+            <a:pPr marL="0" indent="0">
+              <a:buNone/>
+            </a:pPr>
+            <a:r>
+              <a:rPr lang="en-US" sz="2400" dirty="0" smtClean="0">
+                <a:latin typeface="Courier"/>
+                <a:cs typeface="Courier"/>
+              </a:rPr>
+              <a:t>-f '%</a:t>
+            </a:r>
+            <a:r>
+              <a:rPr lang="en-US" sz="2400" dirty="0">
+                <a:latin typeface="Courier"/>
+                <a:cs typeface="Courier"/>
+              </a:rPr>
+              <a:t>CHROM  %POS  %REF  %ALT{0</a:t>
+            </a:r>
+            <a:r>
+              <a:rPr lang="en-US" sz="2400" dirty="0" smtClean="0">
+                <a:latin typeface="Courier"/>
+                <a:cs typeface="Courier"/>
+              </a:rPr>
+              <a:t>}  %AF\n' \</a:t>
+            </a:r>
+          </a:p>
+          <a:p>
+            <a:pPr marL="0" indent="0">
+              <a:buNone/>
+            </a:pPr>
+            <a:r>
+              <a:rPr lang="en-US" sz="2400" dirty="0" smtClean="0">
+                <a:latin typeface="Courier"/>
+                <a:cs typeface="Courier"/>
+              </a:rPr>
+              <a:t>input/</a:t>
+            </a:r>
+            <a:r>
+              <a:rPr lang="en-US" sz="2400" dirty="0" err="1" smtClean="0">
+                <a:latin typeface="Courier"/>
+                <a:cs typeface="Courier"/>
+              </a:rPr>
+              <a:t>vcfs</a:t>
+            </a:r>
+            <a:r>
+              <a:rPr lang="en-US" sz="2400" dirty="0" smtClean="0">
+                <a:latin typeface="Courier"/>
+                <a:cs typeface="Courier"/>
+              </a:rPr>
+              <a:t>/NA12878.VQSR.filtered.vcf &gt; \</a:t>
+            </a:r>
+          </a:p>
+          <a:p>
+            <a:pPr marL="0" indent="0">
+              <a:buNone/>
+            </a:pPr>
+            <a:r>
+              <a:rPr lang="en-US" sz="2400" dirty="0" smtClean="0">
+                <a:latin typeface="Courier"/>
+                <a:cs typeface="Courier"/>
+              </a:rPr>
+              <a:t>output/NA12878.result.txt</a:t>
+            </a:r>
+            <a:endParaRPr lang="en-US" sz="2400" dirty="0" smtClean="0">
+              <a:latin typeface="Courier"/>
+              <a:cs typeface="Courier"/>
+            </a:endParaRPr>
+          </a:p>
+          <a:p>
+            <a:pPr marL="0" indent="0">
+              <a:buNone/>
+            </a:pPr>
+            <a:endParaRPr lang="en-US" sz="2400" dirty="0" smtClean="0">
+              <a:latin typeface="Courier"/>
+              <a:cs typeface="Courier"/>
+            </a:endParaRPr>
+          </a:p>
+          <a:p>
+            <a:pPr marL="0" indent="0">
+              <a:buNone/>
+            </a:pPr>
+            <a:r>
+              <a:rPr lang="en-US" sz="2400" dirty="0">
+                <a:latin typeface="Courier"/>
+                <a:cs typeface="Courier"/>
+              </a:rPr>
+              <a:t># We can also select genotypes using [].</a:t>
+            </a:r>
+          </a:p>
+          <a:p>
+            <a:pPr marL="0" indent="0">
+              <a:buNone/>
+            </a:pPr>
+            <a:r>
+              <a:rPr lang="en-US" sz="2400" dirty="0">
+                <a:latin typeface="Courier"/>
+                <a:cs typeface="Courier"/>
+              </a:rPr>
+              <a:t>$ </a:t>
+            </a:r>
+            <a:r>
+              <a:rPr lang="en-US" sz="2400" dirty="0" err="1">
+                <a:latin typeface="Courier"/>
+                <a:cs typeface="Courier"/>
+              </a:rPr>
+              <a:t>bcftools</a:t>
+            </a:r>
+            <a:r>
+              <a:rPr lang="en-US" sz="2400" dirty="0">
+                <a:latin typeface="Courier"/>
+                <a:cs typeface="Courier"/>
+              </a:rPr>
+              <a:t> query \</a:t>
+            </a:r>
+          </a:p>
+          <a:p>
+            <a:pPr marL="0" indent="0">
+              <a:buNone/>
+            </a:pPr>
+            <a:r>
+              <a:rPr lang="en-US" sz="2400" dirty="0">
+                <a:latin typeface="Courier"/>
+                <a:cs typeface="Courier"/>
+              </a:rPr>
+              <a:t>-f '%CHROM:%POS [%SAMPLE %GT %GQ ]\n' \</a:t>
+            </a:r>
+          </a:p>
+          <a:p>
+            <a:pPr marL="0" indent="0">
+              <a:buNone/>
+            </a:pPr>
+            <a:r>
+              <a:rPr lang="en-US" sz="2400" dirty="0">
+                <a:latin typeface="Courier"/>
+                <a:cs typeface="Courier"/>
+              </a:rPr>
+              <a:t>input/</a:t>
+            </a:r>
+            <a:r>
+              <a:rPr lang="en-US" sz="2400" dirty="0" err="1">
+                <a:latin typeface="Courier"/>
+                <a:cs typeface="Courier"/>
+              </a:rPr>
+              <a:t>vcfs</a:t>
+            </a:r>
+            <a:r>
+              <a:rPr lang="en-US" sz="2400" dirty="0">
+                <a:latin typeface="Courier"/>
+                <a:cs typeface="Courier"/>
+              </a:rPr>
+              <a:t>/NA12878.VQSR.filtered.vcf &gt; \</a:t>
+            </a:r>
+          </a:p>
+          <a:p>
+            <a:pPr marL="0" indent="0">
+              <a:buNone/>
+            </a:pPr>
+            <a:r>
+              <a:rPr lang="en-US" sz="2400" dirty="0">
+                <a:latin typeface="Courier"/>
+                <a:cs typeface="Courier"/>
+              </a:rPr>
+              <a:t>output/NA12878.result2.txt</a:t>
+            </a:r>
+          </a:p>
+          <a:p>
+            <a:pPr marL="0" indent="0">
+              <a:buNone/>
+            </a:pPr>
+            <a:endParaRPr lang="en-US" sz="2400" dirty="0" smtClean="0">
+              <a:latin typeface="Courier"/>
+              <a:cs typeface="Courier"/>
+            </a:endParaRPr>
+          </a:p>
+        </p:txBody>
+      </p:sp>
+    </p:spTree>
+    <p:extLst>
+      <p:ext uri="{BB962C8B-B14F-4D97-AF65-F5344CB8AC3E}">
+        <p14:creationId xmlns:p14="http://schemas.microsoft.com/office/powerpoint/2010/main" val="105932978"/>
+      </p:ext>
+    </p:extLst>
+  </p:cSld>
+  <p:clrMapOvr>
+    <a:masterClrMapping/>
+  </p:clrMapOvr>
+  <mc:AlternateContent xmlns:mc="http://schemas.openxmlformats.org/markup-compatibility/2006" xmlns:p14="http://schemas.microsoft.com/office/powerpoint/2010/main">
+    <mc:Choice Requires="p14">
+      <p:transition spd="slow" p14:dur="2000"/>
+    </mc:Choice>
+    <mc:Fallback xmlns="">
+      <p:transition xmlns:p14="http://schemas.microsoft.com/office/powerpoint/2010/main" spd="slow"/>
+    </mc:Fallback>
+  </mc:AlternateContent>
+</p:sld>
+</file>
+
+<file path=ppt/slides/slide14.xml><?xml version="1.0" encoding="utf-8"?>
+<p:sld xmlns:a="http://schemas.openxmlformats.org/drawingml/2006/main" xmlns:r="http://schemas.openxmlformats.org/officeDocument/2006/relationships" xmlns:p="http://schemas.openxmlformats.org/presentationml/2006/main">
+  <p:cSld>
+    <p:spTree>
+      <p:nvGrpSpPr>
+        <p:cNvPr id="1" name=""/>
+        <p:cNvGrpSpPr/>
+        <p:nvPr/>
+      </p:nvGrpSpPr>
+      <p:grpSpPr>
+        <a:xfrm>
+          <a:off x="0" y="0"/>
+          <a:ext cx="0" cy="0"/>
+          <a:chOff x="0" y="0"/>
+          <a:chExt cx="0" cy="0"/>
+        </a:xfrm>
+      </p:grpSpPr>
+      <p:sp>
+        <p:nvSpPr>
+          <p:cNvPr id="2" name="Title 1"/>
+          <p:cNvSpPr>
+            <a:spLocks noGrp="1"/>
+          </p:cNvSpPr>
+          <p:nvPr>
+            <p:ph type="title"/>
+          </p:nvPr>
+        </p:nvSpPr>
+        <p:spPr/>
+        <p:txBody>
+          <a:bodyPr>
+            <a:normAutofit/>
+          </a:bodyPr>
+          <a:lstStyle/>
+          <a:p>
+            <a:pPr algn="ctr"/>
+            <a:r>
+              <a:rPr lang="en-US" dirty="0" smtClean="0"/>
+              <a:t>ANNOTATION</a:t>
+            </a:r>
+            <a:endParaRPr lang="en-US" dirty="0"/>
+          </a:p>
+        </p:txBody>
+      </p:sp>
+      <p:sp>
+        <p:nvSpPr>
+          <p:cNvPr id="3" name="Content Placeholder 2"/>
+          <p:cNvSpPr>
+            <a:spLocks noGrp="1"/>
+          </p:cNvSpPr>
+          <p:nvPr>
+            <p:ph sz="quarter" idx="1"/>
+          </p:nvPr>
+        </p:nvSpPr>
+        <p:spPr>
+          <a:xfrm>
+            <a:off x="152400" y="1574800"/>
+            <a:ext cx="8864600" cy="5156200"/>
+          </a:xfrm>
+        </p:spPr>
+        <p:txBody>
+          <a:bodyPr>
+            <a:normAutofit fontScale="85000" lnSpcReduction="20000"/>
+          </a:bodyPr>
+          <a:lstStyle/>
+          <a:p>
+            <a:pPr marL="0" indent="0" algn="ctr">
+              <a:buNone/>
+            </a:pPr>
+            <a:r>
+              <a:rPr lang="en-US" u="sng" dirty="0" smtClean="0"/>
+              <a:t>Exercise: Add SNP Annotations with </a:t>
+            </a:r>
+            <a:r>
+              <a:rPr lang="en-US" u="sng" dirty="0" err="1" smtClean="0"/>
+              <a:t>BCFTools</a:t>
+            </a:r>
+            <a:endParaRPr lang="en-US" dirty="0" smtClean="0">
+              <a:latin typeface="Courier"/>
+              <a:cs typeface="Courier"/>
+            </a:endParaRPr>
+          </a:p>
+          <a:p>
+            <a:pPr marL="0" indent="0">
+              <a:buNone/>
+            </a:pPr>
+            <a:r>
+              <a:rPr lang="en-US" sz="2400" dirty="0" smtClean="0">
+                <a:latin typeface="Courier"/>
+                <a:cs typeface="Courier"/>
+              </a:rPr>
+              <a:t># </a:t>
+            </a:r>
+            <a:r>
+              <a:rPr lang="en-US" sz="2400" dirty="0" err="1">
+                <a:latin typeface="Courier"/>
+                <a:cs typeface="Courier"/>
+              </a:rPr>
+              <a:t>BCFTools</a:t>
+            </a:r>
+            <a:r>
+              <a:rPr lang="en-US" sz="2400" dirty="0">
+                <a:latin typeface="Courier"/>
+                <a:cs typeface="Courier"/>
+              </a:rPr>
+              <a:t> </a:t>
+            </a:r>
+            <a:r>
+              <a:rPr lang="en-US" sz="2400" dirty="0" smtClean="0">
+                <a:latin typeface="Courier"/>
+                <a:cs typeface="Courier"/>
+              </a:rPr>
+              <a:t>annotate requires </a:t>
+            </a:r>
+            <a:r>
+              <a:rPr lang="en-US" sz="2400" dirty="0">
+                <a:latin typeface="Courier"/>
+                <a:cs typeface="Courier"/>
+              </a:rPr>
+              <a:t>a compressed, indexed VCF</a:t>
+            </a:r>
+          </a:p>
+          <a:p>
+            <a:pPr marL="0" indent="0">
+              <a:buNone/>
+            </a:pPr>
+            <a:r>
+              <a:rPr lang="en-US" sz="2400" dirty="0">
+                <a:latin typeface="Courier"/>
+                <a:cs typeface="Courier"/>
+              </a:rPr>
+              <a:t># like we have been making. You can use</a:t>
+            </a:r>
+          </a:p>
+          <a:p>
+            <a:pPr marL="0" indent="0">
+              <a:buNone/>
+            </a:pPr>
+            <a:r>
+              <a:rPr lang="en-US" sz="2400" dirty="0">
+                <a:latin typeface="Courier"/>
+                <a:cs typeface="Courier"/>
+              </a:rPr>
+              <a:t># </a:t>
+            </a:r>
+            <a:r>
+              <a:rPr lang="en-US" sz="2400" dirty="0" err="1">
+                <a:latin typeface="Courier"/>
+                <a:cs typeface="Courier"/>
+              </a:rPr>
+              <a:t>BCFTools</a:t>
+            </a:r>
+            <a:r>
+              <a:rPr lang="en-US" sz="2400" dirty="0">
+                <a:latin typeface="Courier"/>
+                <a:cs typeface="Courier"/>
+              </a:rPr>
+              <a:t> rather than </a:t>
+            </a:r>
+            <a:r>
+              <a:rPr lang="en-US" sz="2400" dirty="0" err="1">
+                <a:latin typeface="Courier"/>
+                <a:cs typeface="Courier"/>
+              </a:rPr>
+              <a:t>tabix</a:t>
+            </a:r>
+            <a:r>
+              <a:rPr lang="en-US" sz="2400" dirty="0">
+                <a:latin typeface="Courier"/>
+                <a:cs typeface="Courier"/>
+              </a:rPr>
+              <a:t> to make the index</a:t>
+            </a:r>
+          </a:p>
+          <a:p>
+            <a:pPr marL="0" indent="0">
+              <a:buNone/>
+            </a:pPr>
+            <a:r>
+              <a:rPr lang="en-US" sz="2400" dirty="0" smtClean="0">
+                <a:latin typeface="Courier"/>
+                <a:cs typeface="Courier"/>
+              </a:rPr>
+              <a:t>$ </a:t>
+            </a:r>
+            <a:r>
+              <a:rPr lang="en-US" sz="2400" dirty="0" err="1" smtClean="0">
+                <a:latin typeface="Courier"/>
+                <a:cs typeface="Courier"/>
+              </a:rPr>
+              <a:t>bgzip</a:t>
+            </a:r>
+            <a:r>
+              <a:rPr lang="en-US" sz="2400" dirty="0" smtClean="0">
+                <a:latin typeface="Courier"/>
+                <a:cs typeface="Courier"/>
+              </a:rPr>
+              <a:t> input/</a:t>
+            </a:r>
+            <a:r>
+              <a:rPr lang="en-US" sz="2400" dirty="0" err="1">
+                <a:latin typeface="Courier"/>
+                <a:cs typeface="Courier"/>
+              </a:rPr>
+              <a:t>variant_calls.vcf</a:t>
+            </a:r>
+            <a:endParaRPr lang="en-US" sz="2400" dirty="0" smtClean="0">
+              <a:latin typeface="Courier"/>
+              <a:cs typeface="Courier"/>
+            </a:endParaRPr>
+          </a:p>
+          <a:p>
+            <a:pPr marL="0" indent="0">
+              <a:buNone/>
+            </a:pPr>
+            <a:r>
+              <a:rPr lang="en-US" sz="2400" dirty="0" smtClean="0">
+                <a:latin typeface="Courier"/>
+                <a:cs typeface="Courier"/>
+              </a:rPr>
+              <a:t>$ </a:t>
+            </a:r>
+            <a:r>
+              <a:rPr lang="en-US" sz="2400" dirty="0" err="1">
+                <a:latin typeface="Courier"/>
+                <a:cs typeface="Courier"/>
+              </a:rPr>
+              <a:t>bcftools</a:t>
+            </a:r>
+            <a:r>
+              <a:rPr lang="en-US" sz="2400" dirty="0">
+                <a:latin typeface="Courier"/>
+                <a:cs typeface="Courier"/>
+              </a:rPr>
+              <a:t> index </a:t>
+            </a:r>
+            <a:r>
+              <a:rPr lang="en-US" sz="2400" dirty="0" smtClean="0">
+                <a:latin typeface="Courier"/>
+                <a:cs typeface="Courier"/>
+              </a:rPr>
+              <a:t>input/</a:t>
+            </a:r>
+            <a:r>
+              <a:rPr lang="en-US" sz="2400" dirty="0" err="1" smtClean="0">
+                <a:latin typeface="Courier"/>
+                <a:cs typeface="Courier"/>
+              </a:rPr>
+              <a:t>variant_calls.vcf.gz</a:t>
+            </a:r>
+            <a:endParaRPr lang="en-US" sz="2400" dirty="0">
+              <a:latin typeface="Courier"/>
+              <a:cs typeface="Courier"/>
+            </a:endParaRPr>
+          </a:p>
+          <a:p>
+            <a:pPr marL="0" indent="0">
+              <a:buNone/>
+            </a:pPr>
+            <a:endParaRPr lang="en-US" sz="2400" dirty="0" smtClean="0">
+              <a:latin typeface="Courier"/>
+              <a:cs typeface="Courier"/>
+            </a:endParaRPr>
+          </a:p>
+          <a:p>
+            <a:pPr marL="0" indent="0">
+              <a:buNone/>
+            </a:pPr>
+            <a:r>
+              <a:rPr lang="en-US" sz="2400" dirty="0" smtClean="0">
+                <a:latin typeface="Courier"/>
+                <a:cs typeface="Courier"/>
+              </a:rPr>
+              <a:t># </a:t>
+            </a:r>
+            <a:r>
+              <a:rPr lang="en-US" sz="2400" dirty="0" smtClean="0">
+                <a:latin typeface="Courier"/>
+                <a:cs typeface="Courier"/>
+              </a:rPr>
+              <a:t>Add any missing SNP IDs from </a:t>
+            </a:r>
+            <a:r>
+              <a:rPr lang="en-US" sz="2400" dirty="0" err="1" smtClean="0">
+                <a:latin typeface="Courier"/>
+                <a:cs typeface="Courier"/>
+              </a:rPr>
+              <a:t>dbSNP</a:t>
+            </a:r>
+            <a:r>
+              <a:rPr lang="en-US" sz="2400" dirty="0" smtClean="0">
+                <a:latin typeface="Courier"/>
+                <a:cs typeface="Courier"/>
+              </a:rPr>
+              <a:t> (</a:t>
+            </a:r>
+            <a:r>
+              <a:rPr lang="en-US" sz="2400" dirty="0" err="1" smtClean="0">
+                <a:latin typeface="Courier"/>
+                <a:cs typeface="Courier"/>
+              </a:rPr>
+              <a:t>rs</a:t>
+            </a:r>
+            <a:r>
+              <a:rPr lang="en-US" sz="2400" dirty="0" smtClean="0">
+                <a:latin typeface="Courier"/>
+                <a:cs typeface="Courier"/>
+              </a:rPr>
+              <a:t> IDs)</a:t>
+            </a:r>
+          </a:p>
+          <a:p>
+            <a:pPr marL="0" indent="0">
+              <a:buNone/>
+            </a:pPr>
+            <a:r>
+              <a:rPr lang="en-US" sz="2400" dirty="0" smtClean="0">
+                <a:latin typeface="Courier"/>
+                <a:cs typeface="Courier"/>
+              </a:rPr>
+              <a:t>$ </a:t>
+            </a:r>
+            <a:r>
+              <a:rPr lang="en-US" sz="2400" dirty="0" err="1" smtClean="0">
+                <a:latin typeface="Courier"/>
+                <a:cs typeface="Courier"/>
+              </a:rPr>
+              <a:t>bcftools</a:t>
+            </a:r>
+            <a:r>
+              <a:rPr lang="en-US" sz="2400" dirty="0" smtClean="0">
+                <a:latin typeface="Courier"/>
+                <a:cs typeface="Courier"/>
+              </a:rPr>
+              <a:t> annotate -c ID -Oz \</a:t>
+            </a:r>
+          </a:p>
+          <a:p>
+            <a:pPr marL="0" indent="0">
+              <a:buNone/>
+            </a:pPr>
+            <a:r>
+              <a:rPr lang="en-US" sz="2400" dirty="0" smtClean="0">
+                <a:latin typeface="Courier"/>
+                <a:cs typeface="Courier"/>
+              </a:rPr>
+              <a:t>-a resources/</a:t>
+            </a:r>
+            <a:r>
+              <a:rPr lang="en-US" sz="2400" dirty="0" err="1" smtClean="0">
+                <a:latin typeface="Courier"/>
+                <a:cs typeface="Courier"/>
+              </a:rPr>
+              <a:t>annotations.vcf.gz</a:t>
+            </a:r>
+            <a:r>
+              <a:rPr lang="en-US" sz="2400" dirty="0" smtClean="0">
+                <a:latin typeface="Courier"/>
+                <a:cs typeface="Courier"/>
+              </a:rPr>
+              <a:t> \</a:t>
+            </a:r>
+          </a:p>
+          <a:p>
+            <a:pPr marL="0" indent="0">
+              <a:buNone/>
+            </a:pPr>
+            <a:r>
+              <a:rPr lang="en-US" sz="2400" dirty="0" smtClean="0">
+                <a:latin typeface="Courier"/>
+                <a:cs typeface="Courier"/>
+              </a:rPr>
+              <a:t>input/</a:t>
+            </a:r>
+            <a:r>
+              <a:rPr lang="en-US" sz="2400" dirty="0" err="1" smtClean="0">
+                <a:latin typeface="Courier"/>
+                <a:cs typeface="Courier"/>
+              </a:rPr>
+              <a:t>variant_calls.vcf.gz</a:t>
+            </a:r>
+            <a:r>
+              <a:rPr lang="en-US" sz="2400" dirty="0" smtClean="0">
+                <a:latin typeface="Courier"/>
+                <a:cs typeface="Courier"/>
+              </a:rPr>
+              <a:t> </a:t>
+            </a:r>
+            <a:r>
+              <a:rPr lang="en-US" sz="2400" dirty="0" smtClean="0">
+                <a:latin typeface="Courier"/>
+                <a:cs typeface="Courier"/>
+              </a:rPr>
+              <a:t>&gt; output/</a:t>
+            </a:r>
+            <a:r>
+              <a:rPr lang="en-US" sz="2400" dirty="0" err="1" smtClean="0">
+                <a:latin typeface="Courier"/>
+                <a:cs typeface="Courier"/>
+              </a:rPr>
+              <a:t>annot.vcf.gz</a:t>
+            </a:r>
+            <a:endParaRPr lang="en-US" sz="2400" dirty="0" smtClean="0">
+              <a:latin typeface="Courier"/>
+              <a:cs typeface="Courier"/>
+            </a:endParaRPr>
+          </a:p>
+          <a:p>
+            <a:pPr marL="0" indent="0">
+              <a:buNone/>
+            </a:pPr>
+            <a:endParaRPr lang="en-US" sz="2400" dirty="0" smtClean="0">
+              <a:latin typeface="Courier"/>
+              <a:cs typeface="Courier"/>
+            </a:endParaRPr>
+          </a:p>
+          <a:p>
+            <a:pPr marL="0" indent="0">
+              <a:buNone/>
+            </a:pPr>
+            <a:r>
+              <a:rPr lang="en-US" sz="2400" dirty="0" smtClean="0">
+                <a:latin typeface="Courier"/>
+                <a:cs typeface="Courier"/>
+              </a:rPr>
+              <a:t># </a:t>
+            </a:r>
+            <a:r>
+              <a:rPr lang="en-US" sz="2400" dirty="0" smtClean="0">
+                <a:latin typeface="Courier"/>
+                <a:cs typeface="Courier"/>
+              </a:rPr>
+              <a:t>Compare the annotated and unannotated VCFs</a:t>
+            </a:r>
+          </a:p>
+          <a:p>
+            <a:pPr marL="0" indent="0">
+              <a:buNone/>
+            </a:pPr>
+            <a:r>
+              <a:rPr lang="en-US" sz="2400" dirty="0" smtClean="0">
+                <a:latin typeface="Courier"/>
+                <a:cs typeface="Courier"/>
+              </a:rPr>
+              <a:t>$ </a:t>
+            </a:r>
+            <a:r>
+              <a:rPr lang="en-US" sz="2400" dirty="0" err="1" smtClean="0">
+                <a:latin typeface="Courier"/>
+                <a:cs typeface="Courier"/>
+              </a:rPr>
+              <a:t>zcat</a:t>
+            </a:r>
+            <a:r>
+              <a:rPr lang="en-US" sz="2400" dirty="0" smtClean="0">
+                <a:latin typeface="Courier"/>
+                <a:cs typeface="Courier"/>
+              </a:rPr>
+              <a:t> </a:t>
+            </a:r>
+            <a:r>
+              <a:rPr lang="en-US" sz="2400" dirty="0">
+                <a:latin typeface="Courier"/>
+                <a:cs typeface="Courier"/>
+              </a:rPr>
+              <a:t>output/</a:t>
+            </a:r>
+            <a:r>
+              <a:rPr lang="en-US" sz="2400" dirty="0" err="1">
+                <a:latin typeface="Courier"/>
+                <a:cs typeface="Courier"/>
+              </a:rPr>
+              <a:t>variant_calls.vcf.gz</a:t>
+            </a:r>
+            <a:r>
+              <a:rPr lang="en-US" sz="2400" dirty="0">
+                <a:latin typeface="Courier"/>
+                <a:cs typeface="Courier"/>
+              </a:rPr>
+              <a:t> </a:t>
+            </a:r>
+            <a:r>
+              <a:rPr lang="en-US" sz="2400" dirty="0" smtClean="0">
+                <a:latin typeface="Courier"/>
+                <a:cs typeface="Courier"/>
+              </a:rPr>
+              <a:t>|</a:t>
+            </a:r>
+            <a:r>
+              <a:rPr lang="en-US" sz="2400" dirty="0" err="1" smtClean="0">
+                <a:latin typeface="Courier"/>
+                <a:cs typeface="Courier"/>
+              </a:rPr>
+              <a:t>grep</a:t>
+            </a:r>
+            <a:r>
+              <a:rPr lang="en-US" sz="2400" dirty="0" smtClean="0">
+                <a:latin typeface="Courier"/>
+                <a:cs typeface="Courier"/>
+              </a:rPr>
+              <a:t> -P '</a:t>
+            </a:r>
+            <a:r>
+              <a:rPr lang="en-US" sz="2400" dirty="0" err="1" smtClean="0">
+                <a:latin typeface="Courier"/>
+                <a:cs typeface="Courier"/>
+              </a:rPr>
+              <a:t>rs</a:t>
+            </a:r>
+            <a:r>
+              <a:rPr lang="en-US" sz="2400" dirty="0" smtClean="0">
+                <a:latin typeface="Courier"/>
+                <a:cs typeface="Courier"/>
+              </a:rPr>
+              <a:t>\d+'</a:t>
+            </a:r>
+          </a:p>
+          <a:p>
+            <a:pPr marL="0" indent="0">
+              <a:buNone/>
+            </a:pPr>
+            <a:r>
+              <a:rPr lang="en-US" sz="2400" dirty="0" smtClean="0">
+                <a:latin typeface="Courier"/>
+                <a:cs typeface="Courier"/>
+              </a:rPr>
+              <a:t>$ </a:t>
+            </a:r>
+            <a:r>
+              <a:rPr lang="en-US" sz="2400" dirty="0" err="1" smtClean="0">
+                <a:latin typeface="Courier"/>
+                <a:cs typeface="Courier"/>
+              </a:rPr>
+              <a:t>zcat</a:t>
+            </a:r>
+            <a:r>
+              <a:rPr lang="en-US" sz="2400" dirty="0" smtClean="0">
+                <a:latin typeface="Courier"/>
+                <a:cs typeface="Courier"/>
+              </a:rPr>
+              <a:t> </a:t>
+            </a:r>
+            <a:r>
+              <a:rPr lang="en-US" sz="2400" dirty="0">
+                <a:latin typeface="Courier"/>
+                <a:cs typeface="Courier"/>
+              </a:rPr>
+              <a:t>output/</a:t>
+            </a:r>
+            <a:r>
+              <a:rPr lang="en-US" sz="2400" dirty="0" err="1" smtClean="0">
+                <a:latin typeface="Courier"/>
+                <a:cs typeface="Courier"/>
+              </a:rPr>
+              <a:t>annot.vcf.gz</a:t>
+            </a:r>
+            <a:r>
+              <a:rPr lang="en-US" sz="2400" dirty="0" smtClean="0">
+                <a:latin typeface="Courier"/>
+                <a:cs typeface="Courier"/>
+              </a:rPr>
+              <a:t> | </a:t>
+            </a:r>
+            <a:r>
+              <a:rPr lang="en-US" sz="2400" dirty="0" err="1" smtClean="0">
+                <a:latin typeface="Courier"/>
+                <a:cs typeface="Courier"/>
+              </a:rPr>
+              <a:t>grep</a:t>
+            </a:r>
+            <a:r>
+              <a:rPr lang="en-US" sz="2400" dirty="0" smtClean="0">
+                <a:latin typeface="Courier"/>
+                <a:cs typeface="Courier"/>
+              </a:rPr>
+              <a:t> -P '</a:t>
+            </a:r>
+            <a:r>
+              <a:rPr lang="en-US" sz="2400" dirty="0" err="1" smtClean="0">
+                <a:latin typeface="Courier"/>
+                <a:cs typeface="Courier"/>
+              </a:rPr>
+              <a:t>rs</a:t>
+            </a:r>
+            <a:r>
+              <a:rPr lang="en-US" sz="2400" dirty="0" smtClean="0">
+                <a:latin typeface="Courier"/>
+                <a:cs typeface="Courier"/>
+              </a:rPr>
+              <a:t>\d+'</a:t>
+            </a:r>
+            <a:endParaRPr lang="en-US" sz="2400" dirty="0">
+              <a:latin typeface="Courier"/>
+              <a:cs typeface="Courier"/>
+            </a:endParaRPr>
+          </a:p>
+        </p:txBody>
+      </p:sp>
+    </p:spTree>
+    <p:extLst>
+      <p:ext uri="{BB962C8B-B14F-4D97-AF65-F5344CB8AC3E}">
+        <p14:creationId xmlns:p14="http://schemas.microsoft.com/office/powerpoint/2010/main" val="2865951318"/>
+      </p:ext>
+    </p:extLst>
+  </p:cSld>
+  <p:clrMapOvr>
+    <a:masterClrMapping/>
+  </p:clrMapOvr>
+  <mc:AlternateContent xmlns:mc="http://schemas.openxmlformats.org/markup-compatibility/2006" xmlns:p14="http://schemas.microsoft.com/office/powerpoint/2010/main">
+    <mc:Choice Requires="p14">
+      <p:transition spd="slow" p14:dur="2000"/>
+    </mc:Choice>
+    <mc:Fallback xmlns="">
+      <p:transition xmlns:p14="http://schemas.microsoft.com/office/powerpoint/2010/main" spd="slow"/>
+    </mc:Fallback>
+  </mc:AlternateContent>
+</p:sld>
+</file>
+
+<file path=ppt/slides/slide15.xml><?xml version="1.0" encoding="utf-8"?>
+<p:sld xmlns:a="http://schemas.openxmlformats.org/drawingml/2006/main" xmlns:r="http://schemas.openxmlformats.org/officeDocument/2006/relationships" xmlns:p="http://schemas.openxmlformats.org/presentationml/2006/main">
+  <p:cSld>
+    <p:spTree>
+      <p:nvGrpSpPr>
+        <p:cNvPr id="1" name=""/>
+        <p:cNvGrpSpPr/>
+        <p:nvPr/>
+      </p:nvGrpSpPr>
+      <p:grpSpPr>
+        <a:xfrm>
+          <a:off x="0" y="0"/>
+          <a:ext cx="0" cy="0"/>
+          <a:chOff x="0" y="0"/>
+          <a:chExt cx="0" cy="0"/>
+        </a:xfrm>
+      </p:grpSpPr>
+      <p:sp>
+        <p:nvSpPr>
+          <p:cNvPr id="2" name="Title 1"/>
+          <p:cNvSpPr>
+            <a:spLocks noGrp="1"/>
+          </p:cNvSpPr>
+          <p:nvPr>
+            <p:ph type="title"/>
+          </p:nvPr>
+        </p:nvSpPr>
+        <p:spPr/>
+        <p:txBody>
+          <a:bodyPr>
+            <a:normAutofit/>
+          </a:bodyPr>
+          <a:lstStyle/>
+          <a:p>
+            <a:pPr algn="ctr"/>
+            <a:r>
+              <a:rPr lang="en-US" dirty="0" smtClean="0"/>
+              <a:t>ANNOTATION</a:t>
+            </a:r>
+            <a:endParaRPr lang="en-US" dirty="0"/>
+          </a:p>
+        </p:txBody>
+      </p:sp>
+      <p:sp>
+        <p:nvSpPr>
+          <p:cNvPr id="3" name="Content Placeholder 2"/>
+          <p:cNvSpPr>
+            <a:spLocks noGrp="1"/>
+          </p:cNvSpPr>
+          <p:nvPr>
+            <p:ph sz="quarter" idx="1"/>
+          </p:nvPr>
+        </p:nvSpPr>
+        <p:spPr>
+          <a:xfrm>
+            <a:off x="152400" y="1574800"/>
+            <a:ext cx="8864600" cy="5156200"/>
+          </a:xfrm>
+        </p:spPr>
+        <p:txBody>
+          <a:bodyPr>
+            <a:normAutofit/>
+          </a:bodyPr>
+          <a:lstStyle/>
+          <a:p>
+            <a:pPr marL="0" indent="0" algn="ctr">
+              <a:buNone/>
+            </a:pPr>
+            <a:r>
+              <a:rPr lang="en-US" u="sng" dirty="0" err="1" smtClean="0"/>
+              <a:t>BEDTools</a:t>
+            </a:r>
+            <a:endParaRPr lang="en-US" u="sng" dirty="0" smtClean="0"/>
+          </a:p>
+          <a:p>
+            <a:r>
+              <a:rPr lang="en-US" dirty="0" smtClean="0"/>
+              <a:t>Library of tools for working with BED files</a:t>
+            </a:r>
+          </a:p>
+          <a:p>
+            <a:r>
+              <a:rPr lang="en-US" dirty="0" smtClean="0">
+                <a:cs typeface="Courier"/>
+              </a:rPr>
+              <a:t>Also reads GFF and VCF files</a:t>
+            </a:r>
+          </a:p>
+          <a:p>
+            <a:r>
+              <a:rPr lang="en-US" dirty="0" err="1" smtClean="0">
+                <a:cs typeface="Courier"/>
+              </a:rPr>
+              <a:t>BEDTools</a:t>
+            </a:r>
+            <a:r>
+              <a:rPr lang="en-US" dirty="0" smtClean="0">
+                <a:cs typeface="Courier"/>
+              </a:rPr>
+              <a:t> </a:t>
+            </a:r>
+            <a:r>
+              <a:rPr lang="en-US" dirty="0" smtClean="0">
+                <a:cs typeface="Courier"/>
+              </a:rPr>
+              <a:t>automatically converts between coordinate </a:t>
+            </a:r>
+            <a:r>
+              <a:rPr lang="en-US" dirty="0" smtClean="0">
+                <a:cs typeface="Courier"/>
+              </a:rPr>
+              <a:t>systems (0-based vs 1-based)</a:t>
+            </a:r>
+            <a:endParaRPr lang="en-US" dirty="0" smtClean="0">
+              <a:cs typeface="Courier"/>
+            </a:endParaRPr>
+          </a:p>
+        </p:txBody>
+      </p:sp>
+    </p:spTree>
+    <p:extLst>
+      <p:ext uri="{BB962C8B-B14F-4D97-AF65-F5344CB8AC3E}">
+        <p14:creationId xmlns:p14="http://schemas.microsoft.com/office/powerpoint/2010/main" val="1338980531"/>
+      </p:ext>
+    </p:extLst>
+  </p:cSld>
+  <p:clrMapOvr>
+    <a:masterClrMapping/>
+  </p:clrMapOvr>
+  <mc:AlternateContent xmlns:mc="http://schemas.openxmlformats.org/markup-compatibility/2006" xmlns:p14="http://schemas.microsoft.com/office/powerpoint/2010/main">
+    <mc:Choice Requires="p14">
+      <p:transition spd="slow" p14:dur="2000"/>
+    </mc:Choice>
+    <mc:Fallback xmlns="">
+      <p:transition xmlns:p14="http://schemas.microsoft.com/office/powerpoint/2010/main" spd="slow"/>
+    </mc:Fallback>
+  </mc:AlternateContent>
+</p:sld>
+</file>
+
+<file path=ppt/slides/slide16.xml><?xml version="1.0" encoding="utf-8"?>
+<p:sld xmlns:a="http://schemas.openxmlformats.org/drawingml/2006/main" xmlns:r="http://schemas.openxmlformats.org/officeDocument/2006/relationships" xmlns:p="http://schemas.openxmlformats.org/presentationml/2006/main">
+  <p:cSld>
+    <p:spTree>
+      <p:nvGrpSpPr>
+        <p:cNvPr id="1" name=""/>
+        <p:cNvGrpSpPr/>
+        <p:nvPr/>
+      </p:nvGrpSpPr>
+      <p:grpSpPr>
+        <a:xfrm>
+          <a:off x="0" y="0"/>
+          <a:ext cx="0" cy="0"/>
+          <a:chOff x="0" y="0"/>
+          <a:chExt cx="0" cy="0"/>
+        </a:xfrm>
+      </p:grpSpPr>
+      <p:sp>
+        <p:nvSpPr>
+          <p:cNvPr id="2" name="Title 1"/>
+          <p:cNvSpPr>
+            <a:spLocks noGrp="1"/>
+          </p:cNvSpPr>
+          <p:nvPr>
+            <p:ph type="title"/>
+          </p:nvPr>
+        </p:nvSpPr>
+        <p:spPr/>
+        <p:txBody>
+          <a:bodyPr>
+            <a:normAutofit/>
+          </a:bodyPr>
+          <a:lstStyle/>
+          <a:p>
+            <a:pPr algn="ctr"/>
+            <a:r>
+              <a:rPr lang="en-US" dirty="0" smtClean="0"/>
+              <a:t>ANNOTATION</a:t>
+            </a:r>
+            <a:endParaRPr lang="en-US" dirty="0"/>
+          </a:p>
+        </p:txBody>
+      </p:sp>
+      <p:sp>
+        <p:nvSpPr>
+          <p:cNvPr id="3" name="Content Placeholder 2"/>
+          <p:cNvSpPr>
+            <a:spLocks noGrp="1"/>
+          </p:cNvSpPr>
+          <p:nvPr>
+            <p:ph sz="quarter" idx="1"/>
+          </p:nvPr>
+        </p:nvSpPr>
+        <p:spPr>
+          <a:xfrm>
+            <a:off x="152400" y="1574800"/>
+            <a:ext cx="8864600" cy="5156200"/>
+          </a:xfrm>
+        </p:spPr>
+        <p:txBody>
+          <a:bodyPr>
+            <a:normAutofit/>
+          </a:bodyPr>
+          <a:lstStyle/>
+          <a:p>
+            <a:pPr marL="0" indent="0" algn="ctr">
+              <a:buNone/>
+            </a:pPr>
+            <a:r>
+              <a:rPr lang="en-US" u="sng" dirty="0" smtClean="0"/>
+              <a:t>Exercise: Identify Variants in Common</a:t>
+            </a:r>
+            <a:endParaRPr lang="en-US" dirty="0" smtClean="0">
+              <a:latin typeface="Courier"/>
+              <a:cs typeface="Courier"/>
+            </a:endParaRPr>
+          </a:p>
+          <a:p>
+            <a:pPr marL="0" indent="0">
+              <a:buNone/>
+            </a:pPr>
+            <a:r>
+              <a:rPr lang="en-US" sz="2400" dirty="0" smtClean="0">
+                <a:latin typeface="Courier"/>
+                <a:cs typeface="Courier"/>
+              </a:rPr>
+              <a:t># Intersect two VCF files</a:t>
+            </a:r>
+          </a:p>
+          <a:p>
+            <a:pPr marL="0" indent="0">
+              <a:buNone/>
+            </a:pPr>
+            <a:r>
+              <a:rPr lang="en-US" sz="2400" dirty="0" smtClean="0">
+                <a:latin typeface="Courier"/>
+                <a:cs typeface="Courier"/>
+              </a:rPr>
+              <a:t>$ </a:t>
+            </a:r>
+            <a:r>
+              <a:rPr lang="en-US" sz="2400" dirty="0" err="1" smtClean="0">
+                <a:latin typeface="Courier"/>
+                <a:cs typeface="Courier"/>
+              </a:rPr>
+              <a:t>bedtools</a:t>
+            </a:r>
+            <a:r>
+              <a:rPr lang="en-US" sz="2400" dirty="0" smtClean="0">
+                <a:latin typeface="Courier"/>
+                <a:cs typeface="Courier"/>
+              </a:rPr>
+              <a:t> intersect </a:t>
+            </a:r>
+            <a:r>
+              <a:rPr lang="en-US" sz="2400" dirty="0">
+                <a:latin typeface="Courier"/>
+                <a:cs typeface="Courier"/>
+              </a:rPr>
+              <a:t>-</a:t>
+            </a:r>
+            <a:r>
+              <a:rPr lang="en-US" sz="2400" dirty="0" smtClean="0">
+                <a:latin typeface="Courier"/>
+                <a:cs typeface="Courier"/>
+              </a:rPr>
+              <a:t>a output/</a:t>
+            </a:r>
+            <a:r>
+              <a:rPr lang="en-US" sz="2400" dirty="0" err="1" smtClean="0">
+                <a:latin typeface="Courier"/>
+                <a:cs typeface="Courier"/>
+              </a:rPr>
+              <a:t>annot.vcf.gz</a:t>
+            </a:r>
+            <a:r>
+              <a:rPr lang="en-US" sz="2400" dirty="0" smtClean="0">
+                <a:latin typeface="Courier"/>
+                <a:cs typeface="Courier"/>
+              </a:rPr>
+              <a:t> </a:t>
+            </a:r>
+            <a:r>
+              <a:rPr lang="en-US" sz="2400" dirty="0">
+                <a:latin typeface="Courier"/>
+                <a:cs typeface="Courier"/>
+              </a:rPr>
+              <a:t>\</a:t>
+            </a:r>
+            <a:endParaRPr lang="en-US" sz="2400" dirty="0" smtClean="0">
+              <a:latin typeface="Courier"/>
+              <a:cs typeface="Courier"/>
+            </a:endParaRPr>
+          </a:p>
+          <a:p>
+            <a:pPr marL="0" indent="0">
+              <a:buNone/>
+            </a:pPr>
+            <a:r>
+              <a:rPr lang="en-US" sz="2400" dirty="0" smtClean="0">
+                <a:latin typeface="Courier"/>
+                <a:cs typeface="Courier"/>
+              </a:rPr>
+              <a:t>-b </a:t>
+            </a:r>
+            <a:r>
+              <a:rPr lang="en-US" sz="2400" dirty="0" smtClean="0">
+                <a:latin typeface="Courier"/>
+                <a:cs typeface="Courier"/>
+              </a:rPr>
+              <a:t>input</a:t>
+            </a:r>
+            <a:r>
+              <a:rPr lang="en-US" sz="2400" dirty="0" smtClean="0">
+                <a:latin typeface="Courier"/>
+                <a:cs typeface="Courier"/>
+              </a:rPr>
+              <a:t>/other/</a:t>
+            </a:r>
+            <a:r>
+              <a:rPr lang="en-US" sz="2400" dirty="0" err="1" smtClean="0">
+                <a:latin typeface="Courier"/>
+                <a:cs typeface="Courier"/>
+              </a:rPr>
+              <a:t>compare.vcf.gz</a:t>
+            </a:r>
+            <a:r>
+              <a:rPr lang="en-US" sz="2400" dirty="0" smtClean="0">
+                <a:latin typeface="Courier"/>
+                <a:cs typeface="Courier"/>
+              </a:rPr>
+              <a:t> </a:t>
+            </a:r>
+            <a:r>
+              <a:rPr lang="en-US" sz="2400" dirty="0" smtClean="0">
+                <a:latin typeface="Courier"/>
+                <a:cs typeface="Courier"/>
+              </a:rPr>
+              <a:t>\</a:t>
+            </a:r>
+          </a:p>
+          <a:p>
+            <a:pPr marL="0" indent="0">
+              <a:buNone/>
+            </a:pPr>
+            <a:r>
+              <a:rPr lang="en-US" sz="2400" dirty="0" smtClean="0">
+                <a:latin typeface="Courier"/>
+                <a:cs typeface="Courier"/>
+              </a:rPr>
+              <a:t>| </a:t>
+            </a:r>
+            <a:r>
+              <a:rPr lang="en-US" sz="2400" dirty="0" err="1" smtClean="0">
+                <a:latin typeface="Courier"/>
+                <a:cs typeface="Courier"/>
+              </a:rPr>
+              <a:t>bgzip</a:t>
+            </a:r>
+            <a:r>
+              <a:rPr lang="en-US" sz="2400" dirty="0" smtClean="0">
+                <a:latin typeface="Courier"/>
+                <a:cs typeface="Courier"/>
+              </a:rPr>
+              <a:t> </a:t>
+            </a:r>
+            <a:r>
+              <a:rPr lang="en-US" sz="2400" dirty="0" smtClean="0">
+                <a:latin typeface="Courier"/>
+                <a:cs typeface="Courier"/>
+              </a:rPr>
+              <a:t>&gt; output/</a:t>
+            </a:r>
+            <a:r>
+              <a:rPr lang="en-US" sz="2400" dirty="0" err="1" smtClean="0">
+                <a:latin typeface="Courier"/>
+                <a:cs typeface="Courier"/>
+              </a:rPr>
+              <a:t>intersection.vcf.gz</a:t>
+            </a:r>
+            <a:endParaRPr lang="en-US" sz="2400" dirty="0" smtClean="0">
+              <a:latin typeface="Courier"/>
+              <a:cs typeface="Courier"/>
+            </a:endParaRPr>
+          </a:p>
+          <a:p>
+            <a:pPr marL="0" indent="0">
+              <a:buNone/>
+            </a:pPr>
+            <a:endParaRPr lang="en-US" sz="2400" dirty="0" smtClean="0">
+              <a:latin typeface="Courier"/>
+              <a:cs typeface="Courier"/>
+            </a:endParaRPr>
+          </a:p>
+          <a:p>
+            <a:pPr marL="0" indent="0">
+              <a:buNone/>
+            </a:pPr>
+            <a:r>
+              <a:rPr lang="en-US" sz="2400" dirty="0" smtClean="0">
+                <a:latin typeface="Courier"/>
+                <a:cs typeface="Courier"/>
+              </a:rPr>
+              <a:t># </a:t>
+            </a:r>
+            <a:r>
+              <a:rPr lang="en-US" sz="2400" dirty="0" smtClean="0">
+                <a:latin typeface="Courier"/>
+                <a:cs typeface="Courier"/>
+              </a:rPr>
+              <a:t>Look at the results</a:t>
+            </a:r>
+          </a:p>
+          <a:p>
+            <a:pPr marL="0" indent="0">
+              <a:buNone/>
+            </a:pPr>
+            <a:r>
+              <a:rPr lang="en-US" sz="2400" dirty="0" smtClean="0">
+                <a:latin typeface="Courier"/>
+                <a:cs typeface="Courier"/>
+              </a:rPr>
+              <a:t>$ </a:t>
+            </a:r>
+            <a:r>
+              <a:rPr lang="en-US" sz="2400" dirty="0" err="1" smtClean="0">
+                <a:latin typeface="Courier"/>
+                <a:cs typeface="Courier"/>
+              </a:rPr>
+              <a:t>zcat</a:t>
+            </a:r>
+            <a:r>
+              <a:rPr lang="en-US" sz="2400" dirty="0" smtClean="0">
+                <a:latin typeface="Courier"/>
+                <a:cs typeface="Courier"/>
+              </a:rPr>
+              <a:t> output</a:t>
+            </a:r>
+            <a:r>
+              <a:rPr lang="en-US" sz="2400" dirty="0">
+                <a:latin typeface="Courier"/>
+                <a:cs typeface="Courier"/>
+              </a:rPr>
+              <a:t>/</a:t>
+            </a:r>
+            <a:r>
+              <a:rPr lang="en-US" sz="2400" dirty="0" err="1" smtClean="0">
+                <a:latin typeface="Courier"/>
+                <a:cs typeface="Courier"/>
+              </a:rPr>
+              <a:t>intersection.vcf</a:t>
+            </a:r>
+            <a:r>
+              <a:rPr lang="en-US" sz="2400" dirty="0" smtClean="0">
+                <a:latin typeface="Courier"/>
+                <a:cs typeface="Courier"/>
+              </a:rPr>
+              <a:t> | </a:t>
+            </a:r>
+            <a:r>
+              <a:rPr lang="en-US" sz="2400" dirty="0" smtClean="0">
+                <a:latin typeface="Courier"/>
+                <a:cs typeface="Courier"/>
+              </a:rPr>
+              <a:t>less</a:t>
+            </a:r>
+            <a:endParaRPr lang="en-US" sz="2400" dirty="0" smtClean="0">
+              <a:latin typeface="Courier"/>
+              <a:cs typeface="Courier"/>
+            </a:endParaRPr>
+          </a:p>
+        </p:txBody>
+      </p:sp>
+    </p:spTree>
+    <p:extLst>
+      <p:ext uri="{BB962C8B-B14F-4D97-AF65-F5344CB8AC3E}">
+        <p14:creationId xmlns:p14="http://schemas.microsoft.com/office/powerpoint/2010/main" val="1932872986"/>
+      </p:ext>
+    </p:extLst>
+  </p:cSld>
+  <p:clrMapOvr>
+    <a:masterClrMapping/>
+  </p:clrMapOvr>
+  <mc:AlternateContent xmlns:mc="http://schemas.openxmlformats.org/markup-compatibility/2006" xmlns:p14="http://schemas.microsoft.com/office/powerpoint/2010/main">
+    <mc:Choice Requires="p14">
+      <p:transition spd="slow" p14:dur="2000"/>
+    </mc:Choice>
+    <mc:Fallback xmlns="">
+      <p:transition xmlns:p14="http://schemas.microsoft.com/office/powerpoint/2010/main" spd="slow"/>
+    </mc:Fallback>
+  </mc:AlternateContent>
+</p:sld>
+</file>
+
+<file path=ppt/slides/slide17.xml><?xml version="1.0" encoding="utf-8"?>
+<p:sld xmlns:a="http://schemas.openxmlformats.org/drawingml/2006/main" xmlns:r="http://schemas.openxmlformats.org/officeDocument/2006/relationships" xmlns:p="http://schemas.openxmlformats.org/presentationml/2006/main">
+  <p:cSld>
+    <p:spTree>
+      <p:nvGrpSpPr>
+        <p:cNvPr id="1" name=""/>
+        <p:cNvGrpSpPr/>
+        <p:nvPr/>
+      </p:nvGrpSpPr>
+      <p:grpSpPr>
+        <a:xfrm>
+          <a:off x="0" y="0"/>
+          <a:ext cx="0" cy="0"/>
+          <a:chOff x="0" y="0"/>
+          <a:chExt cx="0" cy="0"/>
+        </a:xfrm>
+      </p:grpSpPr>
+      <p:sp>
+        <p:nvSpPr>
+          <p:cNvPr id="2" name="Title 1"/>
+          <p:cNvSpPr>
+            <a:spLocks noGrp="1"/>
+          </p:cNvSpPr>
+          <p:nvPr>
+            <p:ph type="title"/>
+          </p:nvPr>
+        </p:nvSpPr>
+        <p:spPr/>
+        <p:txBody>
+          <a:bodyPr>
+            <a:normAutofit/>
+          </a:bodyPr>
+          <a:lstStyle/>
+          <a:p>
+            <a:pPr algn="ctr"/>
+            <a:r>
+              <a:rPr lang="en-US" dirty="0" smtClean="0"/>
+              <a:t>ANNOTATION</a:t>
+            </a:r>
+            <a:endParaRPr lang="en-US" dirty="0"/>
+          </a:p>
+        </p:txBody>
+      </p:sp>
+      <p:sp>
+        <p:nvSpPr>
+          <p:cNvPr id="3" name="Content Placeholder 2"/>
+          <p:cNvSpPr>
+            <a:spLocks noGrp="1"/>
+          </p:cNvSpPr>
+          <p:nvPr>
+            <p:ph sz="quarter" idx="1"/>
+          </p:nvPr>
+        </p:nvSpPr>
+        <p:spPr>
+          <a:xfrm>
+            <a:off x="152400" y="1574800"/>
+            <a:ext cx="8864600" cy="5156200"/>
+          </a:xfrm>
+        </p:spPr>
+        <p:txBody>
+          <a:bodyPr>
+            <a:normAutofit/>
+          </a:bodyPr>
+          <a:lstStyle/>
+          <a:p>
+            <a:pPr marL="0" indent="0" algn="ctr">
+              <a:buNone/>
+            </a:pPr>
+            <a:r>
+              <a:rPr lang="en-US" u="sng" dirty="0" smtClean="0"/>
+              <a:t>Exercise: Identify Variants in </a:t>
+            </a:r>
+            <a:r>
+              <a:rPr lang="en-US" u="sng" dirty="0" smtClean="0"/>
+              <a:t>Common</a:t>
+            </a:r>
+            <a:endParaRPr lang="en-US" sz="2400" dirty="0" smtClean="0">
+              <a:latin typeface="Courier"/>
+              <a:cs typeface="Courier"/>
+            </a:endParaRPr>
+          </a:p>
+          <a:p>
+            <a:pPr marL="0" indent="0">
+              <a:buNone/>
+            </a:pPr>
+            <a:r>
+              <a:rPr lang="en-US" sz="2400" dirty="0" smtClean="0">
+                <a:latin typeface="Courier"/>
+                <a:cs typeface="Courier"/>
+              </a:rPr>
+              <a:t># </a:t>
+            </a:r>
+            <a:r>
+              <a:rPr lang="en-US" sz="2400" dirty="0" smtClean="0">
+                <a:latin typeface="Courier"/>
+                <a:cs typeface="Courier"/>
+              </a:rPr>
+              <a:t>Remove false-positive variants identified in</a:t>
+            </a:r>
+          </a:p>
+          <a:p>
+            <a:pPr marL="0" indent="0">
+              <a:buNone/>
+            </a:pPr>
+            <a:r>
+              <a:rPr lang="en-US" sz="2400" dirty="0" smtClean="0">
+                <a:latin typeface="Courier"/>
+                <a:cs typeface="Courier"/>
+              </a:rPr>
+              <a:t># blacklist</a:t>
+            </a:r>
+          </a:p>
+          <a:p>
+            <a:pPr marL="0" indent="0">
+              <a:buNone/>
+            </a:pPr>
+            <a:r>
+              <a:rPr lang="en-US" sz="2400" dirty="0" smtClean="0">
+                <a:latin typeface="Courier"/>
+                <a:cs typeface="Courier"/>
+              </a:rPr>
+              <a:t>$ </a:t>
+            </a:r>
+            <a:r>
+              <a:rPr lang="en-US" sz="2400" dirty="0" err="1" smtClean="0">
+                <a:latin typeface="Courier"/>
+                <a:cs typeface="Courier"/>
+              </a:rPr>
+              <a:t>bedtools</a:t>
+            </a:r>
+            <a:r>
+              <a:rPr lang="en-US" sz="2400" dirty="0" smtClean="0">
+                <a:latin typeface="Courier"/>
+                <a:cs typeface="Courier"/>
+              </a:rPr>
+              <a:t> subtract </a:t>
+            </a:r>
+            <a:r>
+              <a:rPr lang="en-US" sz="2400" dirty="0">
+                <a:latin typeface="Courier"/>
+                <a:cs typeface="Courier"/>
+              </a:rPr>
+              <a:t>-</a:t>
+            </a:r>
+            <a:r>
+              <a:rPr lang="en-US" sz="2400" dirty="0" smtClean="0">
+                <a:latin typeface="Courier"/>
+                <a:cs typeface="Courier"/>
+              </a:rPr>
+              <a:t>a output/</a:t>
+            </a:r>
+            <a:r>
+              <a:rPr lang="en-US" sz="2400" dirty="0" err="1" smtClean="0">
+                <a:latin typeface="Courier"/>
+                <a:cs typeface="Courier"/>
+              </a:rPr>
+              <a:t>annot.vcf.gz</a:t>
+            </a:r>
+            <a:r>
+              <a:rPr lang="en-US" sz="2400" dirty="0" smtClean="0">
+                <a:latin typeface="Courier"/>
+                <a:cs typeface="Courier"/>
+              </a:rPr>
+              <a:t> </a:t>
+            </a:r>
+            <a:r>
+              <a:rPr lang="en-US" sz="2400" i="1" dirty="0" smtClean="0">
+                <a:latin typeface="Courier"/>
+                <a:cs typeface="Courier"/>
+              </a:rPr>
+              <a:t>\</a:t>
+            </a:r>
+          </a:p>
+          <a:p>
+            <a:pPr marL="0" indent="0">
+              <a:buNone/>
+            </a:pPr>
+            <a:r>
+              <a:rPr lang="en-US" sz="2400" dirty="0" smtClean="0">
+                <a:latin typeface="Courier"/>
+                <a:cs typeface="Courier"/>
+              </a:rPr>
+              <a:t>-b resources/</a:t>
+            </a:r>
+            <a:r>
+              <a:rPr lang="en-US" sz="2400" dirty="0" err="1" smtClean="0">
+                <a:latin typeface="Courier"/>
+                <a:cs typeface="Courier"/>
+              </a:rPr>
+              <a:t>blacklist.bed</a:t>
+            </a:r>
+            <a:r>
+              <a:rPr lang="en-US" sz="2400" dirty="0" smtClean="0">
+                <a:latin typeface="Courier"/>
+                <a:cs typeface="Courier"/>
+              </a:rPr>
+              <a:t> | </a:t>
+            </a:r>
+            <a:r>
+              <a:rPr lang="en-US" sz="2400" dirty="0" err="1" smtClean="0">
+                <a:latin typeface="Courier"/>
+                <a:cs typeface="Courier"/>
+              </a:rPr>
+              <a:t>gzip</a:t>
+            </a:r>
+            <a:r>
+              <a:rPr lang="en-US" sz="2400" dirty="0" smtClean="0">
+                <a:latin typeface="Courier"/>
+                <a:cs typeface="Courier"/>
+              </a:rPr>
+              <a:t> &gt; </a:t>
+            </a:r>
+          </a:p>
+          <a:p>
+            <a:pPr marL="0" indent="0">
+              <a:buNone/>
+            </a:pPr>
+            <a:r>
+              <a:rPr lang="en-US" sz="2400" dirty="0" smtClean="0">
+                <a:latin typeface="Courier"/>
+                <a:cs typeface="Courier"/>
+              </a:rPr>
+              <a:t>output/</a:t>
+            </a:r>
+            <a:r>
+              <a:rPr lang="en-US" sz="2400" dirty="0" err="1" smtClean="0">
+                <a:latin typeface="Courier"/>
+                <a:cs typeface="Courier"/>
+              </a:rPr>
+              <a:t>clean.vcf.gz</a:t>
+            </a:r>
+            <a:endParaRPr lang="en-US" sz="2400" dirty="0" smtClean="0">
+              <a:latin typeface="Courier"/>
+              <a:cs typeface="Courier"/>
+            </a:endParaRPr>
+          </a:p>
+          <a:p>
+            <a:pPr marL="0" indent="0">
+              <a:buNone/>
+            </a:pPr>
+            <a:endParaRPr lang="en-US" sz="2400" dirty="0" smtClean="0">
+              <a:latin typeface="Courier"/>
+              <a:cs typeface="Courier"/>
+            </a:endParaRPr>
+          </a:p>
+          <a:p>
+            <a:pPr marL="0" indent="0">
+              <a:buNone/>
+            </a:pPr>
+            <a:r>
+              <a:rPr lang="en-US" sz="2400" dirty="0" smtClean="0">
+                <a:latin typeface="Courier"/>
+                <a:cs typeface="Courier"/>
+              </a:rPr>
+              <a:t># </a:t>
+            </a:r>
+            <a:r>
+              <a:rPr lang="en-US" sz="2400" dirty="0" smtClean="0">
+                <a:latin typeface="Courier"/>
+                <a:cs typeface="Courier"/>
+              </a:rPr>
+              <a:t>Compare results to original VCF</a:t>
+            </a:r>
+          </a:p>
+          <a:p>
+            <a:pPr marL="0" indent="0">
+              <a:buNone/>
+            </a:pPr>
+            <a:r>
+              <a:rPr lang="en-US" sz="2400" dirty="0" smtClean="0">
+                <a:latin typeface="Courier"/>
+                <a:cs typeface="Courier"/>
+              </a:rPr>
+              <a:t>$ </a:t>
+            </a:r>
+            <a:r>
+              <a:rPr lang="en-US" sz="2400" dirty="0" err="1" smtClean="0">
+                <a:latin typeface="Courier"/>
+                <a:cs typeface="Courier"/>
+              </a:rPr>
+              <a:t>zcat</a:t>
+            </a:r>
+            <a:r>
+              <a:rPr lang="en-US" sz="2400" dirty="0" smtClean="0">
+                <a:latin typeface="Courier"/>
+                <a:cs typeface="Courier"/>
+              </a:rPr>
+              <a:t> output/</a:t>
+            </a:r>
+            <a:r>
+              <a:rPr lang="en-US" sz="2400" dirty="0" err="1" smtClean="0">
+                <a:latin typeface="Courier"/>
+                <a:cs typeface="Courier"/>
+              </a:rPr>
+              <a:t>annot.vcf.gz</a:t>
+            </a:r>
+            <a:r>
+              <a:rPr lang="en-US" sz="2400" dirty="0" smtClean="0">
+                <a:latin typeface="Courier"/>
+                <a:cs typeface="Courier"/>
+              </a:rPr>
+              <a:t> | </a:t>
+            </a:r>
+            <a:r>
+              <a:rPr lang="en-US" sz="2400" dirty="0" err="1" smtClean="0">
+                <a:latin typeface="Courier"/>
+                <a:cs typeface="Courier"/>
+              </a:rPr>
+              <a:t>wc</a:t>
+            </a:r>
+            <a:r>
+              <a:rPr lang="en-US" sz="2400" dirty="0" smtClean="0">
+                <a:latin typeface="Courier"/>
+                <a:cs typeface="Courier"/>
+              </a:rPr>
+              <a:t> -l</a:t>
+            </a:r>
+          </a:p>
+          <a:p>
+            <a:pPr marL="0" indent="0">
+              <a:buNone/>
+            </a:pPr>
+            <a:r>
+              <a:rPr lang="en-US" sz="2400" dirty="0">
+                <a:latin typeface="Courier"/>
+                <a:cs typeface="Courier"/>
+              </a:rPr>
+              <a:t>$</a:t>
+            </a:r>
+            <a:r>
+              <a:rPr lang="en-US" sz="2400" dirty="0" smtClean="0">
+                <a:latin typeface="Courier"/>
+                <a:cs typeface="Courier"/>
+              </a:rPr>
+              <a:t> </a:t>
+            </a:r>
+            <a:r>
+              <a:rPr lang="en-US" sz="2400" dirty="0" err="1" smtClean="0">
+                <a:latin typeface="Courier"/>
+                <a:cs typeface="Courier"/>
+              </a:rPr>
+              <a:t>zcat</a:t>
+            </a:r>
+            <a:r>
+              <a:rPr lang="en-US" sz="2400" dirty="0" smtClean="0">
+                <a:latin typeface="Courier"/>
+                <a:cs typeface="Courier"/>
+              </a:rPr>
+              <a:t> output</a:t>
+            </a:r>
+            <a:r>
+              <a:rPr lang="en-US" sz="2400" dirty="0">
+                <a:latin typeface="Courier"/>
+                <a:cs typeface="Courier"/>
+              </a:rPr>
+              <a:t>/</a:t>
+            </a:r>
+            <a:r>
+              <a:rPr lang="en-US" sz="2400" dirty="0" err="1" smtClean="0">
+                <a:latin typeface="Courier"/>
+                <a:cs typeface="Courier"/>
+              </a:rPr>
+              <a:t>clean.vcf.gz</a:t>
+            </a:r>
+            <a:r>
+              <a:rPr lang="en-US" sz="2400" dirty="0" smtClean="0">
+                <a:latin typeface="Courier"/>
+                <a:cs typeface="Courier"/>
+              </a:rPr>
+              <a:t> | </a:t>
+            </a:r>
+            <a:r>
+              <a:rPr lang="en-US" sz="2400" dirty="0" err="1">
+                <a:latin typeface="Courier"/>
+                <a:cs typeface="Courier"/>
+              </a:rPr>
+              <a:t>wc</a:t>
+            </a:r>
+            <a:r>
+              <a:rPr lang="en-US" sz="2400" dirty="0">
+                <a:latin typeface="Courier"/>
+                <a:cs typeface="Courier"/>
+              </a:rPr>
+              <a:t> -l </a:t>
+            </a:r>
+          </a:p>
+        </p:txBody>
+      </p:sp>
+    </p:spTree>
+    <p:extLst>
+      <p:ext uri="{BB962C8B-B14F-4D97-AF65-F5344CB8AC3E}">
+        <p14:creationId xmlns:p14="http://schemas.microsoft.com/office/powerpoint/2010/main" val="1736204396"/>
+      </p:ext>
+    </p:extLst>
+  </p:cSld>
+  <p:clrMapOvr>
+    <a:masterClrMapping/>
+  </p:clrMapOvr>
+  <mc:AlternateContent xmlns:mc="http://schemas.openxmlformats.org/markup-compatibility/2006" xmlns:p14="http://schemas.microsoft.com/office/powerpoint/2010/main">
+    <mc:Choice Requires="p14">
+      <p:transition spd="slow" p14:dur="2000"/>
+    </mc:Choice>
+    <mc:Fallback xmlns="">
+      <p:transition xmlns:p14="http://schemas.microsoft.com/office/powerpoint/2010/main" spd="slow"/>
+    </mc:Fallback>
+  </mc:AlternateContent>
+</p:sld>
+</file>
+
+<file path=ppt/slides/slide18.xml><?xml version="1.0" encoding="utf-8"?>
+<p:sld xmlns:a="http://schemas.openxmlformats.org/drawingml/2006/main" xmlns:r="http://schemas.openxmlformats.org/officeDocument/2006/relationships" xmlns:p="http://schemas.openxmlformats.org/presentationml/2006/main">
+  <p:cSld>
+    <p:spTree>
+      <p:nvGrpSpPr>
+        <p:cNvPr id="1" name=""/>
+        <p:cNvGrpSpPr/>
+        <p:nvPr/>
+      </p:nvGrpSpPr>
+      <p:grpSpPr>
+        <a:xfrm>
+          <a:off x="0" y="0"/>
+          <a:ext cx="0" cy="0"/>
+          <a:chOff x="0" y="0"/>
+          <a:chExt cx="0" cy="0"/>
+        </a:xfrm>
+      </p:grpSpPr>
+      <p:sp>
+        <p:nvSpPr>
+          <p:cNvPr id="2" name="Title 1"/>
+          <p:cNvSpPr>
+            <a:spLocks noGrp="1"/>
+          </p:cNvSpPr>
+          <p:nvPr>
+            <p:ph type="title"/>
+          </p:nvPr>
+        </p:nvSpPr>
+        <p:spPr/>
+        <p:txBody>
+          <a:bodyPr>
+            <a:normAutofit/>
+          </a:bodyPr>
+          <a:lstStyle/>
+          <a:p>
+            <a:pPr algn="ctr"/>
+            <a:r>
+              <a:rPr lang="en-US" dirty="0" smtClean="0"/>
+              <a:t>ANNOTATION</a:t>
+            </a:r>
+            <a:endParaRPr lang="en-US" dirty="0"/>
+          </a:p>
+        </p:txBody>
+      </p:sp>
+      <p:sp>
+        <p:nvSpPr>
+          <p:cNvPr id="3" name="Content Placeholder 2"/>
+          <p:cNvSpPr>
+            <a:spLocks noGrp="1"/>
+          </p:cNvSpPr>
+          <p:nvPr>
+            <p:ph sz="quarter" idx="1"/>
+          </p:nvPr>
+        </p:nvSpPr>
+        <p:spPr>
+          <a:xfrm>
+            <a:off x="152400" y="1574800"/>
+            <a:ext cx="8864600" cy="5156200"/>
+          </a:xfrm>
+        </p:spPr>
+        <p:txBody>
+          <a:bodyPr>
+            <a:normAutofit/>
+          </a:bodyPr>
+          <a:lstStyle/>
+          <a:p>
+            <a:pPr marL="0" indent="0" algn="ctr">
+              <a:buNone/>
+            </a:pPr>
+            <a:r>
+              <a:rPr lang="en-US" u="sng" dirty="0" smtClean="0"/>
+              <a:t>Variant Effect Predictor</a:t>
+            </a:r>
+            <a:endParaRPr lang="en-US" u="sng" dirty="0" smtClean="0"/>
+          </a:p>
+          <a:p>
+            <a:r>
+              <a:rPr lang="en-US" dirty="0" smtClean="0"/>
+              <a:t>Combines lots of annotation information to predict functional effect of variants</a:t>
+            </a:r>
+          </a:p>
+          <a:p>
+            <a:r>
+              <a:rPr lang="en-US" dirty="0" smtClean="0"/>
+              <a:t>Two versions</a:t>
+            </a:r>
+          </a:p>
+          <a:p>
+            <a:pPr lvl="1"/>
+            <a:r>
+              <a:rPr lang="en-US" dirty="0">
+                <a:cs typeface="Courier"/>
+              </a:rPr>
+              <a:t>Web-based: </a:t>
+            </a:r>
+            <a:r>
+              <a:rPr lang="en-US" dirty="0">
+                <a:cs typeface="Courier"/>
+                <a:hlinkClick r:id="rId2"/>
+              </a:rPr>
+              <a:t>http://</a:t>
+            </a:r>
+            <a:r>
+              <a:rPr lang="en-US" dirty="0" smtClean="0">
+                <a:cs typeface="Courier"/>
+                <a:hlinkClick r:id="rId2"/>
+              </a:rPr>
+              <a:t>www.ensembl.org/Tools/VEP</a:t>
+            </a:r>
+            <a:endParaRPr lang="en-US" dirty="0" smtClean="0">
+              <a:cs typeface="Courier"/>
+            </a:endParaRPr>
+          </a:p>
+          <a:p>
+            <a:pPr lvl="1"/>
+            <a:r>
+              <a:rPr lang="en-US" dirty="0" smtClean="0">
+                <a:cs typeface="Courier"/>
+              </a:rPr>
+              <a:t>Desktop: requires install of large database</a:t>
+            </a:r>
+            <a:endParaRPr lang="en-US" dirty="0" smtClean="0">
+              <a:cs typeface="Courier"/>
+            </a:endParaRPr>
+          </a:p>
+        </p:txBody>
+      </p:sp>
+    </p:spTree>
+    <p:extLst>
+      <p:ext uri="{BB962C8B-B14F-4D97-AF65-F5344CB8AC3E}">
+        <p14:creationId xmlns:p14="http://schemas.microsoft.com/office/powerpoint/2010/main" val="2469449813"/>
+      </p:ext>
+    </p:extLst>
+  </p:cSld>
+  <p:clrMapOvr>
+    <a:masterClrMapping/>
+  </p:clrMapOvr>
+  <mc:AlternateContent xmlns:mc="http://schemas.openxmlformats.org/markup-compatibility/2006" xmlns:p14="http://schemas.microsoft.com/office/powerpoint/2010/main">
+    <mc:Choice Requires="p14">
+      <p:transition spd="slow" p14:dur="2000"/>
+    </mc:Choice>
+    <mc:Fallback xmlns="">
+      <p:transition xmlns:p14="http://schemas.microsoft.com/office/powerpoint/2010/main" spd="slow"/>
+    </mc:Fallback>
+  </mc:AlternateContent>
+</p:sld>
+</file>
+
+<file path=ppt/slides/slide19.xml><?xml version="1.0" encoding="utf-8"?>
+<p:sld xmlns:a="http://schemas.openxmlformats.org/drawingml/2006/main" xmlns:r="http://schemas.openxmlformats.org/officeDocument/2006/relationships" xmlns:p="http://schemas.openxmlformats.org/presentationml/2006/main">
+  <p:cSld>
+    <p:spTree>
+      <p:nvGrpSpPr>
+        <p:cNvPr id="1" name=""/>
+        <p:cNvGrpSpPr/>
+        <p:nvPr/>
+      </p:nvGrpSpPr>
+      <p:grpSpPr>
+        <a:xfrm>
+          <a:off x="0" y="0"/>
+          <a:ext cx="0" cy="0"/>
+          <a:chOff x="0" y="0"/>
+          <a:chExt cx="0" cy="0"/>
+        </a:xfrm>
+      </p:grpSpPr>
+      <p:sp>
+        <p:nvSpPr>
+          <p:cNvPr id="2" name="Title 1"/>
+          <p:cNvSpPr>
+            <a:spLocks noGrp="1"/>
+          </p:cNvSpPr>
+          <p:nvPr>
+            <p:ph type="title"/>
+          </p:nvPr>
+        </p:nvSpPr>
+        <p:spPr/>
+        <p:txBody>
+          <a:bodyPr>
+            <a:normAutofit/>
+          </a:bodyPr>
+          <a:lstStyle/>
+          <a:p>
+            <a:pPr algn="ctr"/>
+            <a:r>
+              <a:rPr lang="en-US" dirty="0" smtClean="0"/>
+              <a:t>ANNOTATION</a:t>
+            </a:r>
+            <a:endParaRPr lang="en-US" dirty="0"/>
+          </a:p>
+        </p:txBody>
+      </p:sp>
+      <p:sp>
+        <p:nvSpPr>
+          <p:cNvPr id="3" name="Content Placeholder 2"/>
+          <p:cNvSpPr>
+            <a:spLocks noGrp="1"/>
+          </p:cNvSpPr>
+          <p:nvPr>
+            <p:ph sz="quarter" idx="1"/>
+          </p:nvPr>
+        </p:nvSpPr>
+        <p:spPr>
+          <a:xfrm>
+            <a:off x="152400" y="1574800"/>
+            <a:ext cx="8864600" cy="5156200"/>
+          </a:xfrm>
+        </p:spPr>
+        <p:txBody>
+          <a:bodyPr>
+            <a:normAutofit/>
+          </a:bodyPr>
+          <a:lstStyle/>
+          <a:p>
+            <a:pPr marL="0" indent="0" algn="ctr">
+              <a:buNone/>
+            </a:pPr>
+            <a:r>
+              <a:rPr lang="en-US" u="sng" dirty="0" smtClean="0"/>
+              <a:t>ANNOVAR</a:t>
+            </a:r>
+          </a:p>
+          <a:p>
+            <a:r>
+              <a:rPr lang="en-US" dirty="0" smtClean="0"/>
+              <a:t>Apply functional annotations to variants</a:t>
+            </a:r>
+          </a:p>
+          <a:p>
+            <a:pPr lvl="1"/>
+            <a:r>
+              <a:rPr lang="en-US" dirty="0" smtClean="0">
+                <a:cs typeface="Courier"/>
+              </a:rPr>
+              <a:t>Gene-based (</a:t>
+            </a:r>
+            <a:r>
+              <a:rPr lang="en-US" i="1" dirty="0" smtClean="0">
+                <a:cs typeface="Courier"/>
+              </a:rPr>
+              <a:t>e.g. </a:t>
+            </a:r>
+            <a:r>
+              <a:rPr lang="en-US" dirty="0" smtClean="0">
+                <a:cs typeface="Courier"/>
+              </a:rPr>
+              <a:t>coding changes)</a:t>
+            </a:r>
+          </a:p>
+          <a:p>
+            <a:pPr lvl="1"/>
+            <a:r>
+              <a:rPr lang="en-US" dirty="0" smtClean="0">
+                <a:cs typeface="Courier"/>
+              </a:rPr>
+              <a:t>Region-based (</a:t>
+            </a:r>
+            <a:r>
+              <a:rPr lang="en-US" i="1" dirty="0" smtClean="0">
+                <a:cs typeface="Courier"/>
+              </a:rPr>
+              <a:t>e.g. </a:t>
+            </a:r>
+            <a:r>
+              <a:rPr lang="en-US" dirty="0" smtClean="0">
+                <a:cs typeface="Courier"/>
+              </a:rPr>
+              <a:t>conserved regions)</a:t>
+            </a:r>
+          </a:p>
+          <a:p>
+            <a:pPr lvl="1"/>
+            <a:r>
+              <a:rPr lang="en-US" dirty="0" smtClean="0">
+                <a:cs typeface="Courier"/>
+              </a:rPr>
+              <a:t>Filter-based (</a:t>
+            </a:r>
+            <a:r>
+              <a:rPr lang="en-US" i="1" dirty="0" smtClean="0">
+                <a:cs typeface="Courier"/>
+              </a:rPr>
+              <a:t>e.g.</a:t>
+            </a:r>
+            <a:r>
+              <a:rPr lang="en-US" dirty="0" smtClean="0">
+                <a:cs typeface="Courier"/>
+              </a:rPr>
+              <a:t> does variant appear in </a:t>
+            </a:r>
+            <a:r>
+              <a:rPr lang="en-US" dirty="0" err="1" smtClean="0">
+                <a:cs typeface="Courier"/>
+              </a:rPr>
+              <a:t>dbSNP</a:t>
+            </a:r>
+            <a:r>
+              <a:rPr lang="en-US" dirty="0" smtClean="0">
+                <a:cs typeface="Courier"/>
+              </a:rPr>
+              <a:t>?)</a:t>
+            </a:r>
+          </a:p>
+        </p:txBody>
+      </p:sp>
+    </p:spTree>
+    <p:extLst>
+      <p:ext uri="{BB962C8B-B14F-4D97-AF65-F5344CB8AC3E}">
+        <p14:creationId xmlns:p14="http://schemas.microsoft.com/office/powerpoint/2010/main" val="1126411401"/>
+      </p:ext>
+    </p:extLst>
+  </p:cSld>
+  <p:clrMapOvr>
+    <a:masterClrMapping/>
+  </p:clrMapOvr>
+  <mc:AlternateContent xmlns:mc="http://schemas.openxmlformats.org/markup-compatibility/2006" xmlns:p14="http://schemas.microsoft.com/office/powerpoint/2010/main">
+    <mc:Choice Requires="p14">
+      <p:transition spd="slow" p14:dur="2000"/>
+    </mc:Choice>
+    <mc:Fallback xmlns="">
+      <p:transition xmlns:p14="http://schemas.microsoft.com/office/powerpoint/2010/main" spd="slow"/>
+    </mc:Fallback>
+  </mc:AlternateContent>
+</p:sld>
+</file>
+
 <file path=ppt/slides/slide2.xml><?xml version="1.0" encoding="utf-8"?>
 <p:sld xmlns:a="http://schemas.openxmlformats.org/drawingml/2006/main" xmlns:r="http://schemas.openxmlformats.org/officeDocument/2006/relationships" xmlns:p="http://schemas.openxmlformats.org/presentationml/2006/main">
   <p:cSld>
@@ -4027,23 +6937,23 @@
             </a:r>
             <a:r>
               <a:rPr lang="en-US" dirty="0"/>
-              <a:t>versus non</a:t>
-            </a:r>
-            <a:r>
-              <a:rPr lang="en-US" dirty="0" smtClean="0"/>
-              <a:t>-synonymous</a:t>
-            </a:r>
-            <a:r>
-              <a:rPr lang="en-US" dirty="0"/>
-              <a:t> versus missense</a:t>
-            </a:r>
-            <a:endParaRPr lang="en-US" dirty="0" smtClean="0"/>
+              <a:t>versus </a:t>
+            </a:r>
+            <a:r>
+              <a:rPr lang="en-US" dirty="0" smtClean="0"/>
+              <a:t>non-synonymous</a:t>
+            </a:r>
+            <a:endParaRPr lang="en-US" dirty="0"/>
           </a:p>
           <a:p>
             <a:pPr lvl="1"/>
             <a:r>
               <a:rPr lang="en-US" dirty="0" smtClean="0"/>
-              <a:t>Variants may already be associated with disease</a:t>
+              <a:t>Variants </a:t>
+            </a:r>
+            <a:r>
+              <a:rPr lang="en-US" dirty="0" smtClean="0"/>
+              <a:t>may already be associated with disease</a:t>
             </a:r>
           </a:p>
           <a:p>
@@ -4075,6 +6985,2065 @@
     <p:extLst>
       <p:ext uri="{BB962C8B-B14F-4D97-AF65-F5344CB8AC3E}">
         <p14:creationId xmlns:p14="http://schemas.microsoft.com/office/powerpoint/2010/main" val="1730445875"/>
+      </p:ext>
+    </p:extLst>
+  </p:cSld>
+  <p:clrMapOvr>
+    <a:masterClrMapping/>
+  </p:clrMapOvr>
+  <mc:AlternateContent xmlns:mc="http://schemas.openxmlformats.org/markup-compatibility/2006" xmlns:p14="http://schemas.microsoft.com/office/powerpoint/2010/main">
+    <mc:Choice Requires="p14">
+      <p:transition spd="slow" p14:dur="2000"/>
+    </mc:Choice>
+    <mc:Fallback xmlns="">
+      <p:transition xmlns:p14="http://schemas.microsoft.com/office/powerpoint/2010/main" spd="slow"/>
+    </mc:Fallback>
+  </mc:AlternateContent>
+</p:sld>
+</file>
+
+<file path=ppt/slides/slide20.xml><?xml version="1.0" encoding="utf-8"?>
+<p:sld xmlns:a="http://schemas.openxmlformats.org/drawingml/2006/main" xmlns:r="http://schemas.openxmlformats.org/officeDocument/2006/relationships" xmlns:p="http://schemas.openxmlformats.org/presentationml/2006/main">
+  <p:cSld>
+    <p:spTree>
+      <p:nvGrpSpPr>
+        <p:cNvPr id="1" name=""/>
+        <p:cNvGrpSpPr/>
+        <p:nvPr/>
+      </p:nvGrpSpPr>
+      <p:grpSpPr>
+        <a:xfrm>
+          <a:off x="0" y="0"/>
+          <a:ext cx="0" cy="0"/>
+          <a:chOff x="0" y="0"/>
+          <a:chExt cx="0" cy="0"/>
+        </a:xfrm>
+      </p:grpSpPr>
+      <p:sp>
+        <p:nvSpPr>
+          <p:cNvPr id="2" name="Title 1"/>
+          <p:cNvSpPr>
+            <a:spLocks noGrp="1"/>
+          </p:cNvSpPr>
+          <p:nvPr>
+            <p:ph type="title"/>
+          </p:nvPr>
+        </p:nvSpPr>
+        <p:spPr/>
+        <p:txBody>
+          <a:bodyPr>
+            <a:normAutofit/>
+          </a:bodyPr>
+          <a:lstStyle/>
+          <a:p>
+            <a:pPr algn="ctr"/>
+            <a:r>
+              <a:rPr lang="en-US" dirty="0" smtClean="0"/>
+              <a:t>ANNOTATION</a:t>
+            </a:r>
+            <a:endParaRPr lang="en-US" dirty="0"/>
+          </a:p>
+        </p:txBody>
+      </p:sp>
+      <p:sp>
+        <p:nvSpPr>
+          <p:cNvPr id="3" name="Content Placeholder 2"/>
+          <p:cNvSpPr>
+            <a:spLocks noGrp="1"/>
+          </p:cNvSpPr>
+          <p:nvPr>
+            <p:ph sz="quarter" idx="1"/>
+          </p:nvPr>
+        </p:nvSpPr>
+        <p:spPr>
+          <a:xfrm>
+            <a:off x="152400" y="1574800"/>
+            <a:ext cx="8864600" cy="5156200"/>
+          </a:xfrm>
+        </p:spPr>
+        <p:txBody>
+          <a:bodyPr>
+            <a:normAutofit fontScale="85000" lnSpcReduction="20000"/>
+          </a:bodyPr>
+          <a:lstStyle/>
+          <a:p>
+            <a:pPr marL="0" indent="0" algn="ctr">
+              <a:buNone/>
+            </a:pPr>
+            <a:r>
+              <a:rPr lang="en-US" u="sng" dirty="0" smtClean="0"/>
+              <a:t>Exercise: Add Gene Annotations with ANNOVAR</a:t>
+            </a:r>
+            <a:endParaRPr lang="en-US" dirty="0" smtClean="0">
+              <a:latin typeface="Courier"/>
+              <a:cs typeface="Courier"/>
+            </a:endParaRPr>
+          </a:p>
+          <a:p>
+            <a:pPr marL="0" indent="0">
+              <a:buNone/>
+            </a:pPr>
+            <a:r>
+              <a:rPr lang="en-US" sz="2400" dirty="0" smtClean="0">
+                <a:latin typeface="Courier"/>
+                <a:cs typeface="Courier"/>
+              </a:rPr>
+              <a:t># Download ANNOVAR annotations (only required</a:t>
+            </a:r>
+          </a:p>
+          <a:p>
+            <a:pPr marL="0" indent="0">
+              <a:buNone/>
+            </a:pPr>
+            <a:r>
+              <a:rPr lang="en-US" sz="2400" dirty="0" smtClean="0">
+                <a:latin typeface="Courier"/>
+                <a:cs typeface="Courier"/>
+              </a:rPr>
+              <a:t># once; already done for you)</a:t>
+            </a:r>
+          </a:p>
+          <a:p>
+            <a:pPr marL="0" indent="0">
+              <a:buNone/>
+            </a:pPr>
+            <a:r>
+              <a:rPr lang="en-US" sz="2400" dirty="0">
+                <a:latin typeface="Courier"/>
+                <a:cs typeface="Courier"/>
+              </a:rPr>
+              <a:t>$ </a:t>
+            </a:r>
+            <a:r>
+              <a:rPr lang="en-US" sz="2400" dirty="0" err="1">
+                <a:latin typeface="Courier"/>
+                <a:cs typeface="Courier"/>
+              </a:rPr>
+              <a:t>annotate_variation.pl</a:t>
+            </a:r>
+            <a:r>
+              <a:rPr lang="en-US" sz="2400" dirty="0">
+                <a:latin typeface="Courier"/>
+                <a:cs typeface="Courier"/>
+              </a:rPr>
+              <a:t> -</a:t>
+            </a:r>
+            <a:r>
+              <a:rPr lang="en-US" sz="2400" dirty="0" err="1" smtClean="0">
+                <a:latin typeface="Courier"/>
+                <a:cs typeface="Courier"/>
+              </a:rPr>
+              <a:t>buildver</a:t>
+            </a:r>
+            <a:r>
+              <a:rPr lang="en-US" sz="2400" dirty="0" smtClean="0">
+                <a:latin typeface="Courier"/>
+                <a:cs typeface="Courier"/>
+              </a:rPr>
+              <a:t> \</a:t>
+            </a:r>
+          </a:p>
+          <a:p>
+            <a:pPr marL="0" indent="0">
+              <a:buNone/>
+            </a:pPr>
+            <a:r>
+              <a:rPr lang="en-US" sz="2400" i="1" dirty="0" smtClean="0">
+                <a:latin typeface="Courier"/>
+                <a:cs typeface="Courier"/>
+              </a:rPr>
+              <a:t>GENOME_VERSION</a:t>
+            </a:r>
+            <a:r>
+              <a:rPr lang="en-US" sz="2400" dirty="0" smtClean="0">
+                <a:latin typeface="Courier"/>
+                <a:cs typeface="Courier"/>
+              </a:rPr>
+              <a:t> -</a:t>
+            </a:r>
+            <a:r>
+              <a:rPr lang="en-US" sz="2400" dirty="0" err="1" smtClean="0">
+                <a:latin typeface="Courier"/>
+                <a:cs typeface="Courier"/>
+              </a:rPr>
+              <a:t>downdb</a:t>
+            </a:r>
+            <a:r>
+              <a:rPr lang="en-US" sz="2400" dirty="0" smtClean="0">
+                <a:latin typeface="Courier"/>
+                <a:cs typeface="Courier"/>
+              </a:rPr>
+              <a:t> -</a:t>
+            </a:r>
+            <a:r>
+              <a:rPr lang="en-US" sz="2400" dirty="0" err="1" smtClean="0">
+                <a:latin typeface="Courier"/>
+                <a:cs typeface="Courier"/>
+              </a:rPr>
+              <a:t>webfrom</a:t>
+            </a:r>
+            <a:r>
+              <a:rPr lang="en-US" sz="2400" dirty="0" smtClean="0">
+                <a:latin typeface="Courier"/>
+                <a:cs typeface="Courier"/>
+              </a:rPr>
+              <a:t> </a:t>
+            </a:r>
+            <a:r>
+              <a:rPr lang="en-US" sz="2400" dirty="0" err="1" smtClean="0">
+                <a:latin typeface="Courier"/>
+                <a:cs typeface="Courier"/>
+              </a:rPr>
+              <a:t>annovar</a:t>
+            </a:r>
+            <a:r>
+              <a:rPr lang="en-US" sz="2400" dirty="0" smtClean="0">
+                <a:latin typeface="Courier"/>
+                <a:cs typeface="Courier"/>
+              </a:rPr>
+              <a:t> \</a:t>
+            </a:r>
+          </a:p>
+          <a:p>
+            <a:pPr marL="0" indent="0">
+              <a:buNone/>
+            </a:pPr>
+            <a:r>
+              <a:rPr lang="en-US" sz="2400" dirty="0" err="1" smtClean="0">
+                <a:latin typeface="Courier"/>
+                <a:cs typeface="Courier"/>
+              </a:rPr>
+              <a:t>refGene</a:t>
+            </a:r>
+            <a:r>
+              <a:rPr lang="en-US" sz="2400" dirty="0" smtClean="0">
+                <a:latin typeface="Courier"/>
+                <a:cs typeface="Courier"/>
+              </a:rPr>
+              <a:t> </a:t>
+            </a:r>
+            <a:r>
+              <a:rPr lang="en-US" sz="2400" i="1" dirty="0" smtClean="0">
+                <a:latin typeface="Courier"/>
+                <a:cs typeface="Courier"/>
+              </a:rPr>
+              <a:t>REFERENCE_DIRECTORY</a:t>
+            </a:r>
+          </a:p>
+          <a:p>
+            <a:pPr marL="0" indent="0">
+              <a:buNone/>
+            </a:pPr>
+            <a:endParaRPr lang="en-US" sz="2400" dirty="0" smtClean="0">
+              <a:latin typeface="Courier"/>
+              <a:cs typeface="Courier"/>
+            </a:endParaRPr>
+          </a:p>
+          <a:p>
+            <a:pPr marL="0" indent="0">
+              <a:buNone/>
+            </a:pPr>
+            <a:r>
+              <a:rPr lang="en-US" sz="2400" dirty="0" smtClean="0">
+                <a:latin typeface="Courier"/>
+                <a:cs typeface="Courier"/>
+              </a:rPr>
+              <a:t># </a:t>
+            </a:r>
+            <a:r>
+              <a:rPr lang="en-US" sz="2400" dirty="0" smtClean="0">
+                <a:latin typeface="Courier"/>
+                <a:cs typeface="Courier"/>
+              </a:rPr>
+              <a:t>Convert VCF to ANNOVAR format</a:t>
+            </a:r>
+          </a:p>
+          <a:p>
+            <a:pPr marL="0" indent="0">
+              <a:buNone/>
+            </a:pPr>
+            <a:r>
+              <a:rPr lang="en-US" sz="2400" dirty="0">
+                <a:latin typeface="Courier"/>
+                <a:cs typeface="Courier"/>
+              </a:rPr>
+              <a:t>$ convert2annovar.pl -format vcf4 </a:t>
+            </a:r>
+            <a:r>
+              <a:rPr lang="en-US" sz="2400" dirty="0" smtClean="0">
+                <a:latin typeface="Courier"/>
+                <a:cs typeface="Courier"/>
+              </a:rPr>
+              <a:t>\</a:t>
+            </a:r>
+          </a:p>
+          <a:p>
+            <a:pPr marL="0" indent="0">
+              <a:buNone/>
+            </a:pPr>
+            <a:r>
+              <a:rPr lang="en-US" sz="2400" dirty="0" smtClean="0">
+                <a:latin typeface="Courier"/>
+                <a:cs typeface="Courier"/>
+              </a:rPr>
+              <a:t>output/</a:t>
+            </a:r>
+            <a:r>
+              <a:rPr lang="en-US" sz="2400" dirty="0" err="1" smtClean="0">
+                <a:latin typeface="Courier"/>
+                <a:cs typeface="Courier"/>
+              </a:rPr>
+              <a:t>VEP_input.vcf</a:t>
+            </a:r>
+            <a:r>
+              <a:rPr lang="en-US" sz="2400" dirty="0" smtClean="0">
+                <a:latin typeface="Courier"/>
+                <a:cs typeface="Courier"/>
+              </a:rPr>
+              <a:t> </a:t>
+            </a:r>
+            <a:r>
+              <a:rPr lang="en-US" sz="2400" dirty="0" smtClean="0">
+                <a:latin typeface="Courier"/>
+                <a:cs typeface="Courier"/>
+              </a:rPr>
+              <a:t>&gt; output/</a:t>
+            </a:r>
+            <a:r>
+              <a:rPr lang="en-US" sz="2400" dirty="0" err="1" smtClean="0">
+                <a:latin typeface="Courier"/>
+                <a:cs typeface="Courier"/>
+              </a:rPr>
+              <a:t>annovar_input</a:t>
+            </a:r>
+            <a:endParaRPr lang="en-US" sz="2400" dirty="0" smtClean="0">
+              <a:latin typeface="Courier"/>
+              <a:cs typeface="Courier"/>
+            </a:endParaRPr>
+          </a:p>
+          <a:p>
+            <a:pPr marL="0" indent="0">
+              <a:buNone/>
+            </a:pPr>
+            <a:endParaRPr lang="en-US" sz="2400" dirty="0" smtClean="0">
+              <a:latin typeface="Courier"/>
+              <a:cs typeface="Courier"/>
+            </a:endParaRPr>
+          </a:p>
+          <a:p>
+            <a:pPr marL="0" indent="0">
+              <a:buNone/>
+            </a:pPr>
+            <a:r>
+              <a:rPr lang="en-US" sz="2400" dirty="0" smtClean="0">
+                <a:latin typeface="Courier"/>
+                <a:cs typeface="Courier"/>
+              </a:rPr>
+              <a:t># </a:t>
+            </a:r>
+            <a:r>
+              <a:rPr lang="en-US" sz="2400" dirty="0" smtClean="0">
+                <a:latin typeface="Courier"/>
+                <a:cs typeface="Courier"/>
+              </a:rPr>
+              <a:t>Add annotations</a:t>
+            </a:r>
+          </a:p>
+          <a:p>
+            <a:pPr marL="0" indent="0">
+              <a:buNone/>
+            </a:pPr>
+            <a:r>
+              <a:rPr lang="en-US" sz="2400" dirty="0">
+                <a:latin typeface="Courier"/>
+                <a:cs typeface="Courier"/>
+              </a:rPr>
+              <a:t>$ </a:t>
+            </a:r>
+            <a:r>
+              <a:rPr lang="en-US" sz="2400" dirty="0" err="1">
+                <a:latin typeface="Courier"/>
+                <a:cs typeface="Courier"/>
+              </a:rPr>
+              <a:t>annotate_variation.pl</a:t>
+            </a:r>
+            <a:r>
+              <a:rPr lang="en-US" sz="2400" dirty="0">
+                <a:latin typeface="Courier"/>
+                <a:cs typeface="Courier"/>
+              </a:rPr>
+              <a:t> </a:t>
+            </a:r>
+            <a:r>
+              <a:rPr lang="en-US" sz="2400" dirty="0" smtClean="0">
+                <a:latin typeface="Courier"/>
+                <a:cs typeface="Courier"/>
+              </a:rPr>
+              <a:t>--</a:t>
+            </a:r>
+            <a:r>
+              <a:rPr lang="en-US" sz="2400" dirty="0" err="1" smtClean="0">
+                <a:latin typeface="Courier"/>
+                <a:cs typeface="Courier"/>
+              </a:rPr>
+              <a:t>geneanno</a:t>
+            </a:r>
+            <a:r>
+              <a:rPr lang="en-US" sz="2400" dirty="0" smtClean="0">
+                <a:latin typeface="Courier"/>
+                <a:cs typeface="Courier"/>
+              </a:rPr>
+              <a:t> --</a:t>
+            </a:r>
+            <a:r>
+              <a:rPr lang="en-US" sz="2400" dirty="0" err="1" smtClean="0">
+                <a:latin typeface="Courier"/>
+                <a:cs typeface="Courier"/>
+              </a:rPr>
+              <a:t>buildver</a:t>
+            </a:r>
+            <a:r>
+              <a:rPr lang="en-US" sz="2400" dirty="0" smtClean="0">
+                <a:latin typeface="Courier"/>
+                <a:cs typeface="Courier"/>
+              </a:rPr>
+              <a:t> \</a:t>
+            </a:r>
+          </a:p>
+          <a:p>
+            <a:pPr marL="0" indent="0">
+              <a:buNone/>
+            </a:pPr>
+            <a:r>
+              <a:rPr lang="en-US" sz="2400" dirty="0" smtClean="0">
+                <a:latin typeface="Courier"/>
+                <a:cs typeface="Courier"/>
+              </a:rPr>
+              <a:t>hg38</a:t>
+            </a:r>
+            <a:r>
+              <a:rPr lang="en-US" sz="2400" i="1" dirty="0" smtClean="0">
+                <a:latin typeface="Courier"/>
+                <a:cs typeface="Courier"/>
+              </a:rPr>
+              <a:t> </a:t>
+            </a:r>
+            <a:r>
+              <a:rPr lang="en-US" sz="2400" dirty="0" smtClean="0">
+                <a:latin typeface="Courier"/>
+                <a:cs typeface="Courier"/>
+              </a:rPr>
+              <a:t>-</a:t>
+            </a:r>
+            <a:r>
+              <a:rPr lang="en-US" sz="2400" dirty="0">
+                <a:latin typeface="Courier"/>
+                <a:cs typeface="Courier"/>
+              </a:rPr>
+              <a:t>-</a:t>
+            </a:r>
+            <a:r>
+              <a:rPr lang="en-US" sz="2400" dirty="0" err="1">
+                <a:latin typeface="Courier"/>
+                <a:cs typeface="Courier"/>
+              </a:rPr>
+              <a:t>dbtype</a:t>
+            </a:r>
+            <a:r>
+              <a:rPr lang="en-US" sz="2400" dirty="0">
+                <a:latin typeface="Courier"/>
+                <a:cs typeface="Courier"/>
+              </a:rPr>
+              <a:t> gene output/</a:t>
+            </a:r>
+            <a:r>
+              <a:rPr lang="en-US" sz="2400" dirty="0" err="1">
+                <a:latin typeface="Courier"/>
+                <a:cs typeface="Courier"/>
+              </a:rPr>
+              <a:t>annovar_input</a:t>
+            </a:r>
+            <a:r>
+              <a:rPr lang="en-US" sz="2400" dirty="0">
+                <a:latin typeface="Courier"/>
+                <a:cs typeface="Courier"/>
+              </a:rPr>
+              <a:t> </a:t>
+            </a:r>
+            <a:r>
+              <a:rPr lang="en-US" sz="2400" dirty="0" smtClean="0">
+                <a:latin typeface="Courier"/>
+                <a:cs typeface="Courier"/>
+              </a:rPr>
+              <a:t>\</a:t>
+            </a:r>
+          </a:p>
+          <a:p>
+            <a:pPr marL="0" indent="0">
+              <a:buNone/>
+            </a:pPr>
+            <a:r>
+              <a:rPr lang="en-US" sz="2400" dirty="0">
+                <a:latin typeface="Courier"/>
+                <a:cs typeface="Courier"/>
+              </a:rPr>
+              <a:t>r</a:t>
+            </a:r>
+            <a:r>
+              <a:rPr lang="en-US" sz="2400" dirty="0" smtClean="0">
+                <a:latin typeface="Courier"/>
+                <a:cs typeface="Courier"/>
+              </a:rPr>
+              <a:t>esources/</a:t>
+            </a:r>
+            <a:r>
+              <a:rPr lang="en-US" sz="2400" dirty="0" err="1" smtClean="0">
+                <a:latin typeface="Courier"/>
+                <a:cs typeface="Courier"/>
+              </a:rPr>
+              <a:t>humandb</a:t>
+            </a:r>
+            <a:endParaRPr lang="en-US" sz="2400" dirty="0" smtClean="0"/>
+          </a:p>
+          <a:p>
+            <a:pPr marL="0" indent="0">
+              <a:buNone/>
+            </a:pPr>
+            <a:endParaRPr lang="en-US" sz="2400" dirty="0">
+              <a:latin typeface="Courier"/>
+              <a:cs typeface="Courier"/>
+            </a:endParaRPr>
+          </a:p>
+        </p:txBody>
+      </p:sp>
+    </p:spTree>
+    <p:extLst>
+      <p:ext uri="{BB962C8B-B14F-4D97-AF65-F5344CB8AC3E}">
+        <p14:creationId xmlns:p14="http://schemas.microsoft.com/office/powerpoint/2010/main" val="1640310557"/>
+      </p:ext>
+    </p:extLst>
+  </p:cSld>
+  <p:clrMapOvr>
+    <a:masterClrMapping/>
+  </p:clrMapOvr>
+  <mc:AlternateContent xmlns:mc="http://schemas.openxmlformats.org/markup-compatibility/2006" xmlns:p14="http://schemas.microsoft.com/office/powerpoint/2010/main">
+    <mc:Choice Requires="p14">
+      <p:transition spd="slow" p14:dur="2000"/>
+    </mc:Choice>
+    <mc:Fallback xmlns="">
+      <p:transition xmlns:p14="http://schemas.microsoft.com/office/powerpoint/2010/main" spd="slow"/>
+    </mc:Fallback>
+  </mc:AlternateContent>
+</p:sld>
+</file>
+
+<file path=ppt/slides/slide21.xml><?xml version="1.0" encoding="utf-8"?>
+<p:sld xmlns:a="http://schemas.openxmlformats.org/drawingml/2006/main" xmlns:r="http://schemas.openxmlformats.org/officeDocument/2006/relationships" xmlns:p="http://schemas.openxmlformats.org/presentationml/2006/main">
+  <p:cSld>
+    <p:spTree>
+      <p:nvGrpSpPr>
+        <p:cNvPr id="1" name=""/>
+        <p:cNvGrpSpPr/>
+        <p:nvPr/>
+      </p:nvGrpSpPr>
+      <p:grpSpPr>
+        <a:xfrm>
+          <a:off x="0" y="0"/>
+          <a:ext cx="0" cy="0"/>
+          <a:chOff x="0" y="0"/>
+          <a:chExt cx="0" cy="0"/>
+        </a:xfrm>
+      </p:grpSpPr>
+      <p:sp>
+        <p:nvSpPr>
+          <p:cNvPr id="2" name="Title 1"/>
+          <p:cNvSpPr>
+            <a:spLocks noGrp="1"/>
+          </p:cNvSpPr>
+          <p:nvPr>
+            <p:ph type="title"/>
+          </p:nvPr>
+        </p:nvSpPr>
+        <p:spPr/>
+        <p:txBody>
+          <a:bodyPr>
+            <a:normAutofit/>
+          </a:bodyPr>
+          <a:lstStyle/>
+          <a:p>
+            <a:pPr algn="ctr"/>
+            <a:r>
+              <a:rPr lang="en-US" dirty="0" smtClean="0"/>
+              <a:t>ANNOTATION</a:t>
+            </a:r>
+            <a:endParaRPr lang="en-US" dirty="0"/>
+          </a:p>
+        </p:txBody>
+      </p:sp>
+      <p:sp>
+        <p:nvSpPr>
+          <p:cNvPr id="3" name="Content Placeholder 2"/>
+          <p:cNvSpPr>
+            <a:spLocks noGrp="1"/>
+          </p:cNvSpPr>
+          <p:nvPr>
+            <p:ph sz="quarter" idx="1"/>
+          </p:nvPr>
+        </p:nvSpPr>
+        <p:spPr>
+          <a:xfrm>
+            <a:off x="152400" y="1574800"/>
+            <a:ext cx="8864600" cy="635000"/>
+          </a:xfrm>
+        </p:spPr>
+        <p:txBody>
+          <a:bodyPr>
+            <a:normAutofit/>
+          </a:bodyPr>
+          <a:lstStyle/>
+          <a:p>
+            <a:pPr marL="0" indent="0" algn="ctr">
+              <a:buNone/>
+            </a:pPr>
+            <a:r>
+              <a:rPr lang="en-US" u="sng" dirty="0" smtClean="0"/>
+              <a:t>ANNOVAR Output</a:t>
+            </a:r>
+            <a:endParaRPr lang="en-US" dirty="0" smtClean="0">
+              <a:cs typeface="Courier"/>
+            </a:endParaRPr>
+          </a:p>
+          <a:p>
+            <a:pPr marL="0" indent="0">
+              <a:buNone/>
+            </a:pPr>
+            <a:endParaRPr lang="en-US" sz="2400" dirty="0" smtClean="0">
+              <a:latin typeface="Courier"/>
+              <a:cs typeface="Courier"/>
+            </a:endParaRPr>
+          </a:p>
+        </p:txBody>
+      </p:sp>
+      <p:sp>
+        <p:nvSpPr>
+          <p:cNvPr id="4" name="TextBox 3"/>
+          <p:cNvSpPr txBox="1"/>
+          <p:nvPr/>
+        </p:nvSpPr>
+        <p:spPr>
+          <a:xfrm>
+            <a:off x="63500" y="2197100"/>
+            <a:ext cx="9017000" cy="3416320"/>
+          </a:xfrm>
+          <a:prstGeom prst="rect">
+            <a:avLst/>
+          </a:prstGeom>
+          <a:noFill/>
+          <a:ln w="28575" cmpd="sng">
+            <a:solidFill>
+              <a:srgbClr val="FF0000"/>
+            </a:solidFill>
+          </a:ln>
+        </p:spPr>
+        <p:txBody>
+          <a:bodyPr wrap="square" rtlCol="0">
+            <a:spAutoFit/>
+          </a:bodyPr>
+          <a:lstStyle/>
+          <a:p>
+            <a:r>
+              <a:rPr lang="en-US" dirty="0" err="1" smtClean="0"/>
+              <a:t>nonsynonymous</a:t>
+            </a:r>
+            <a:r>
+              <a:rPr lang="en-US" dirty="0" smtClean="0"/>
+              <a:t> </a:t>
+            </a:r>
+            <a:r>
+              <a:rPr lang="en-US" dirty="0"/>
+              <a:t>SNV IL23R:NM_144701:exon9:c.G1142A:p.R381Q, 1 67705958 67705958 G A comments: rs11209026 (R381Q), a SNP in IL23R associated with </a:t>
+            </a:r>
+            <a:r>
+              <a:rPr lang="en-US" dirty="0" err="1"/>
+              <a:t>Crohn's</a:t>
+            </a:r>
+            <a:r>
+              <a:rPr lang="en-US" dirty="0"/>
+              <a:t> disease</a:t>
+            </a:r>
+          </a:p>
+          <a:p>
+            <a:r>
+              <a:rPr lang="en-US" dirty="0" err="1" smtClean="0"/>
+              <a:t>nonsynonymous</a:t>
+            </a:r>
+            <a:r>
+              <a:rPr lang="en-US" dirty="0" smtClean="0"/>
+              <a:t> </a:t>
+            </a:r>
+            <a:r>
+              <a:rPr lang="en-US" dirty="0"/>
+              <a:t>SNV ATG16L1:NM_001190267:exon9:c.A550G:p.T184A,ATG16L1:NM_017974:exon8:c.A841G:p.T281A,ATG16L1:NM_001190266:exon9:c.A646G:p.T216A,ATG16L1:NM_030803:exon9:c.A898G:p.T300A,ATG16L1:NM_198890:exon5:c.A409G:p.T137A, 2 234183368 234183368 A G comments: rs2241880 (T300A), a SNP in the ATG16L1 associated with </a:t>
+            </a:r>
+            <a:r>
+              <a:rPr lang="en-US" dirty="0" err="1"/>
+              <a:t>Crohn's</a:t>
+            </a:r>
+            <a:r>
+              <a:rPr lang="en-US" dirty="0"/>
+              <a:t> disease</a:t>
+            </a:r>
+          </a:p>
+          <a:p>
+            <a:r>
+              <a:rPr lang="en-US" dirty="0" err="1" smtClean="0"/>
+              <a:t>nonsynonymous</a:t>
+            </a:r>
+            <a:r>
+              <a:rPr lang="en-US" dirty="0" smtClean="0"/>
+              <a:t> </a:t>
+            </a:r>
+            <a:r>
+              <a:rPr lang="en-US" dirty="0"/>
+              <a:t>SNV NOD2:NM_022162:exon4:c.C2104T:p.R702W,NOD2:NM_001293557:exon3:c.C2023T:p.R675W, 16 50745926 50745926 C comments: rs2066844 (R702W), a non-synonymous SNP in NOD2</a:t>
+            </a:r>
+          </a:p>
+          <a:p>
+            <a:endParaRPr lang="en-US" dirty="0"/>
+          </a:p>
+        </p:txBody>
+      </p:sp>
+    </p:spTree>
+    <p:extLst>
+      <p:ext uri="{BB962C8B-B14F-4D97-AF65-F5344CB8AC3E}">
+        <p14:creationId xmlns:p14="http://schemas.microsoft.com/office/powerpoint/2010/main" val="4031934804"/>
+      </p:ext>
+    </p:extLst>
+  </p:cSld>
+  <p:clrMapOvr>
+    <a:masterClrMapping/>
+  </p:clrMapOvr>
+  <mc:AlternateContent xmlns:mc="http://schemas.openxmlformats.org/markup-compatibility/2006" xmlns:p14="http://schemas.microsoft.com/office/powerpoint/2010/main">
+    <mc:Choice Requires="p14">
+      <p:transition spd="slow" p14:dur="2000"/>
+    </mc:Choice>
+    <mc:Fallback xmlns="">
+      <p:transition xmlns:p14="http://schemas.microsoft.com/office/powerpoint/2010/main" spd="slow"/>
+    </mc:Fallback>
+  </mc:AlternateContent>
+</p:sld>
+</file>
+
+<file path=ppt/slides/slide22.xml><?xml version="1.0" encoding="utf-8"?>
+<p:sld xmlns:a="http://schemas.openxmlformats.org/drawingml/2006/main" xmlns:r="http://schemas.openxmlformats.org/officeDocument/2006/relationships" xmlns:p="http://schemas.openxmlformats.org/presentationml/2006/main">
+  <p:cSld>
+    <p:spTree>
+      <p:nvGrpSpPr>
+        <p:cNvPr id="1" name=""/>
+        <p:cNvGrpSpPr/>
+        <p:nvPr/>
+      </p:nvGrpSpPr>
+      <p:grpSpPr>
+        <a:xfrm>
+          <a:off x="0" y="0"/>
+          <a:ext cx="0" cy="0"/>
+          <a:chOff x="0" y="0"/>
+          <a:chExt cx="0" cy="0"/>
+        </a:xfrm>
+      </p:grpSpPr>
+      <p:sp>
+        <p:nvSpPr>
+          <p:cNvPr id="2" name="Title 1"/>
+          <p:cNvSpPr>
+            <a:spLocks noGrp="1"/>
+          </p:cNvSpPr>
+          <p:nvPr>
+            <p:ph type="title"/>
+          </p:nvPr>
+        </p:nvSpPr>
+        <p:spPr/>
+        <p:txBody>
+          <a:bodyPr>
+            <a:normAutofit/>
+          </a:bodyPr>
+          <a:lstStyle/>
+          <a:p>
+            <a:pPr algn="ctr"/>
+            <a:r>
+              <a:rPr lang="en-US" dirty="0" smtClean="0"/>
+              <a:t>FINE MAPPING</a:t>
+            </a:r>
+            <a:endParaRPr lang="en-US" dirty="0"/>
+          </a:p>
+        </p:txBody>
+      </p:sp>
+      <p:sp>
+        <p:nvSpPr>
+          <p:cNvPr id="3" name="Content Placeholder 2"/>
+          <p:cNvSpPr>
+            <a:spLocks noGrp="1"/>
+          </p:cNvSpPr>
+          <p:nvPr>
+            <p:ph sz="quarter" idx="1"/>
+          </p:nvPr>
+        </p:nvSpPr>
+        <p:spPr>
+          <a:xfrm>
+            <a:off x="152400" y="1574800"/>
+            <a:ext cx="8864600" cy="5156200"/>
+          </a:xfrm>
+        </p:spPr>
+        <p:txBody>
+          <a:bodyPr>
+            <a:normAutofit/>
+          </a:bodyPr>
+          <a:lstStyle/>
+          <a:p>
+            <a:r>
+              <a:rPr lang="en-US" dirty="0" smtClean="0"/>
+              <a:t>A Manhattan plot gives an overview of your results, but you want to know which are the most likely to be causal for your trait of interest</a:t>
+            </a:r>
+          </a:p>
+          <a:p>
+            <a:r>
+              <a:rPr lang="en-US" dirty="0" smtClean="0"/>
+              <a:t>Fine mapping is a general term to describe identifying the most likely causal variants within each locus (gene or LD block)</a:t>
+            </a:r>
+          </a:p>
+          <a:p>
+            <a:r>
+              <a:rPr lang="en-US" dirty="0" smtClean="0"/>
+              <a:t>You then prioritize this subset of likely causal variants for functional analysis (knock-down/out, overexpression, CRISPR)</a:t>
+            </a:r>
+          </a:p>
+          <a:p>
+            <a:endParaRPr lang="en-US" dirty="0" smtClean="0"/>
+          </a:p>
+        </p:txBody>
+      </p:sp>
+    </p:spTree>
+    <p:extLst>
+      <p:ext uri="{BB962C8B-B14F-4D97-AF65-F5344CB8AC3E}">
+        <p14:creationId xmlns:p14="http://schemas.microsoft.com/office/powerpoint/2010/main" val="721856748"/>
+      </p:ext>
+    </p:extLst>
+  </p:cSld>
+  <p:clrMapOvr>
+    <a:masterClrMapping/>
+  </p:clrMapOvr>
+  <mc:AlternateContent xmlns:mc="http://schemas.openxmlformats.org/markup-compatibility/2006" xmlns:p14="http://schemas.microsoft.com/office/powerpoint/2010/main">
+    <mc:Choice Requires="p14">
+      <p:transition spd="slow" p14:dur="2000"/>
+    </mc:Choice>
+    <mc:Fallback xmlns="">
+      <p:transition xmlns:p14="http://schemas.microsoft.com/office/powerpoint/2010/main" spd="slow"/>
+    </mc:Fallback>
+  </mc:AlternateContent>
+</p:sld>
+</file>
+
+<file path=ppt/slides/slide23.xml><?xml version="1.0" encoding="utf-8"?>
+<p:sld xmlns:a="http://schemas.openxmlformats.org/drawingml/2006/main" xmlns:r="http://schemas.openxmlformats.org/officeDocument/2006/relationships" xmlns:p="http://schemas.openxmlformats.org/presentationml/2006/main">
+  <p:cSld>
+    <p:spTree>
+      <p:nvGrpSpPr>
+        <p:cNvPr id="1" name=""/>
+        <p:cNvGrpSpPr/>
+        <p:nvPr/>
+      </p:nvGrpSpPr>
+      <p:grpSpPr>
+        <a:xfrm>
+          <a:off x="0" y="0"/>
+          <a:ext cx="0" cy="0"/>
+          <a:chOff x="0" y="0"/>
+          <a:chExt cx="0" cy="0"/>
+        </a:xfrm>
+      </p:grpSpPr>
+      <p:sp>
+        <p:nvSpPr>
+          <p:cNvPr id="2" name="Title 1"/>
+          <p:cNvSpPr>
+            <a:spLocks noGrp="1"/>
+          </p:cNvSpPr>
+          <p:nvPr>
+            <p:ph type="title"/>
+          </p:nvPr>
+        </p:nvSpPr>
+        <p:spPr/>
+        <p:txBody>
+          <a:bodyPr>
+            <a:normAutofit/>
+          </a:bodyPr>
+          <a:lstStyle/>
+          <a:p>
+            <a:pPr algn="ctr"/>
+            <a:r>
+              <a:rPr lang="en-US" dirty="0" smtClean="0"/>
+              <a:t>FINE MAPPING</a:t>
+            </a:r>
+            <a:endParaRPr lang="en-US" dirty="0"/>
+          </a:p>
+        </p:txBody>
+      </p:sp>
+      <p:sp>
+        <p:nvSpPr>
+          <p:cNvPr id="3" name="Content Placeholder 2"/>
+          <p:cNvSpPr>
+            <a:spLocks noGrp="1"/>
+          </p:cNvSpPr>
+          <p:nvPr>
+            <p:ph sz="quarter" idx="1"/>
+          </p:nvPr>
+        </p:nvSpPr>
+        <p:spPr>
+          <a:xfrm>
+            <a:off x="152400" y="1574800"/>
+            <a:ext cx="8864600" cy="5156200"/>
+          </a:xfrm>
+        </p:spPr>
+        <p:txBody>
+          <a:bodyPr>
+            <a:normAutofit lnSpcReduction="10000"/>
+          </a:bodyPr>
+          <a:lstStyle/>
+          <a:p>
+            <a:pPr marL="0" indent="0" algn="ctr">
+              <a:buNone/>
+            </a:pPr>
+            <a:r>
+              <a:rPr lang="en-US" u="sng" dirty="0" smtClean="0"/>
+              <a:t>Locus Prioritization</a:t>
+            </a:r>
+          </a:p>
+          <a:p>
+            <a:r>
+              <a:rPr lang="en-US" dirty="0" smtClean="0"/>
+              <a:t>Filter results by some minimal significance threshold and then sort by effect size</a:t>
+            </a:r>
+          </a:p>
+          <a:p>
+            <a:r>
+              <a:rPr lang="en-US" dirty="0" smtClean="0"/>
+              <a:t>Case/control: the Odds Ratio (OR) is the effect size</a:t>
+            </a:r>
+          </a:p>
+          <a:p>
+            <a:pPr lvl="1"/>
+            <a:r>
+              <a:rPr lang="en-US" dirty="0"/>
+              <a:t>Effect &gt; 1 means the variant allele is correlated with the trait; effect &lt; 1 means anti-correlated</a:t>
+            </a:r>
+          </a:p>
+          <a:p>
+            <a:pPr lvl="1"/>
+            <a:r>
+              <a:rPr lang="en-US" dirty="0"/>
+              <a:t>M</a:t>
+            </a:r>
+            <a:r>
+              <a:rPr lang="en-US" dirty="0" smtClean="0"/>
+              <a:t>ore </a:t>
+            </a:r>
+            <a:r>
+              <a:rPr lang="en-US" dirty="0"/>
+              <a:t>useful to first convert </a:t>
+            </a:r>
+            <a:r>
+              <a:rPr lang="en-US" dirty="0" smtClean="0"/>
+              <a:t>effect &lt; 1 (1/OR) before sorting</a:t>
+            </a:r>
+          </a:p>
+          <a:p>
+            <a:r>
+              <a:rPr lang="en-US" dirty="0" smtClean="0"/>
+              <a:t>Quantitative: the Beta is the effect size</a:t>
+            </a:r>
+          </a:p>
+          <a:p>
+            <a:pPr lvl="1"/>
+            <a:r>
+              <a:rPr lang="en-US" dirty="0" smtClean="0"/>
+              <a:t>Direction of effect indicated by Beta &gt; or &lt; 0</a:t>
+            </a:r>
+          </a:p>
+          <a:p>
+            <a:endParaRPr lang="en-US" dirty="0" smtClean="0"/>
+          </a:p>
+        </p:txBody>
+      </p:sp>
+    </p:spTree>
+    <p:extLst>
+      <p:ext uri="{BB962C8B-B14F-4D97-AF65-F5344CB8AC3E}">
+        <p14:creationId xmlns:p14="http://schemas.microsoft.com/office/powerpoint/2010/main" val="1111241733"/>
+      </p:ext>
+    </p:extLst>
+  </p:cSld>
+  <p:clrMapOvr>
+    <a:masterClrMapping/>
+  </p:clrMapOvr>
+  <mc:AlternateContent xmlns:mc="http://schemas.openxmlformats.org/markup-compatibility/2006" xmlns:p14="http://schemas.microsoft.com/office/powerpoint/2010/main">
+    <mc:Choice Requires="p14">
+      <p:transition spd="slow" p14:dur="2000"/>
+    </mc:Choice>
+    <mc:Fallback xmlns="">
+      <p:transition xmlns:p14="http://schemas.microsoft.com/office/powerpoint/2010/main" spd="slow"/>
+    </mc:Fallback>
+  </mc:AlternateContent>
+</p:sld>
+</file>
+
+<file path=ppt/slides/slide24.xml><?xml version="1.0" encoding="utf-8"?>
+<p:sld xmlns:a="http://schemas.openxmlformats.org/drawingml/2006/main" xmlns:r="http://schemas.openxmlformats.org/officeDocument/2006/relationships" xmlns:p="http://schemas.openxmlformats.org/presentationml/2006/main">
+  <p:cSld>
+    <p:spTree>
+      <p:nvGrpSpPr>
+        <p:cNvPr id="1" name=""/>
+        <p:cNvGrpSpPr/>
+        <p:nvPr/>
+      </p:nvGrpSpPr>
+      <p:grpSpPr>
+        <a:xfrm>
+          <a:off x="0" y="0"/>
+          <a:ext cx="0" cy="0"/>
+          <a:chOff x="0" y="0"/>
+          <a:chExt cx="0" cy="0"/>
+        </a:xfrm>
+      </p:grpSpPr>
+      <p:sp>
+        <p:nvSpPr>
+          <p:cNvPr id="2" name="Title 1"/>
+          <p:cNvSpPr>
+            <a:spLocks noGrp="1"/>
+          </p:cNvSpPr>
+          <p:nvPr>
+            <p:ph type="title"/>
+          </p:nvPr>
+        </p:nvSpPr>
+        <p:spPr/>
+        <p:txBody>
+          <a:bodyPr>
+            <a:normAutofit/>
+          </a:bodyPr>
+          <a:lstStyle/>
+          <a:p>
+            <a:pPr algn="ctr"/>
+            <a:r>
+              <a:rPr lang="en-US" dirty="0" smtClean="0"/>
+              <a:t>FINE MAPPING</a:t>
+            </a:r>
+            <a:endParaRPr lang="en-US" dirty="0"/>
+          </a:p>
+        </p:txBody>
+      </p:sp>
+      <p:sp>
+        <p:nvSpPr>
+          <p:cNvPr id="3" name="Content Placeholder 2"/>
+          <p:cNvSpPr>
+            <a:spLocks noGrp="1"/>
+          </p:cNvSpPr>
+          <p:nvPr>
+            <p:ph sz="quarter" idx="1"/>
+          </p:nvPr>
+        </p:nvSpPr>
+        <p:spPr>
+          <a:xfrm>
+            <a:off x="152400" y="1574800"/>
+            <a:ext cx="8864600" cy="5156200"/>
+          </a:xfrm>
+        </p:spPr>
+        <p:txBody>
+          <a:bodyPr>
+            <a:normAutofit/>
+          </a:bodyPr>
+          <a:lstStyle/>
+          <a:p>
+            <a:pPr marL="0" indent="0" algn="ctr">
+              <a:buNone/>
+            </a:pPr>
+            <a:r>
+              <a:rPr lang="en-US" u="sng" dirty="0" smtClean="0"/>
+              <a:t>Locus Prioritization</a:t>
+            </a:r>
+          </a:p>
+          <a:p>
+            <a:r>
+              <a:rPr lang="en-US" dirty="0" smtClean="0"/>
+              <a:t>Group results by region</a:t>
+            </a:r>
+          </a:p>
+          <a:p>
+            <a:pPr marL="834390" lvl="1" indent="-514350">
+              <a:buFont typeface="+mj-lt"/>
+              <a:buAutoNum type="arabicPeriod"/>
+            </a:pPr>
+            <a:r>
+              <a:rPr lang="en-US" dirty="0"/>
+              <a:t>Genes (WES data)</a:t>
+            </a:r>
+          </a:p>
+          <a:p>
+            <a:pPr marL="834390" lvl="1" indent="-514350">
+              <a:buFont typeface="+mj-lt"/>
+              <a:buAutoNum type="arabicPeriod"/>
+            </a:pPr>
+            <a:r>
+              <a:rPr lang="en-US" dirty="0"/>
+              <a:t>Size windows (50 kb)</a:t>
+            </a:r>
+          </a:p>
+          <a:p>
+            <a:pPr marL="834390" lvl="1" indent="-514350">
+              <a:buFont typeface="+mj-lt"/>
+              <a:buAutoNum type="arabicPeriod"/>
+            </a:pPr>
+            <a:r>
+              <a:rPr lang="en-US" dirty="0"/>
+              <a:t>SNP windows (25-50 SNPs, depending on density)</a:t>
+            </a:r>
+          </a:p>
+          <a:p>
+            <a:pPr marL="834390" lvl="1" indent="-514350">
+              <a:buFont typeface="+mj-lt"/>
+              <a:buAutoNum type="arabicPeriod"/>
+            </a:pPr>
+            <a:r>
+              <a:rPr lang="en-US" dirty="0"/>
+              <a:t>LD blocks - only works for single population; Plink can do this (--blocks option)</a:t>
+            </a:r>
+          </a:p>
+          <a:p>
+            <a:r>
+              <a:rPr lang="en-US" dirty="0" smtClean="0"/>
+              <a:t>Sort by max effect size in each region</a:t>
+            </a:r>
+          </a:p>
+          <a:p>
+            <a:r>
+              <a:rPr lang="en-US" dirty="0" smtClean="0"/>
+              <a:t>Select some number of regions to investigate</a:t>
+            </a:r>
+          </a:p>
+          <a:p>
+            <a:endParaRPr lang="en-US" dirty="0" smtClean="0"/>
+          </a:p>
+        </p:txBody>
+      </p:sp>
+    </p:spTree>
+    <p:extLst>
+      <p:ext uri="{BB962C8B-B14F-4D97-AF65-F5344CB8AC3E}">
+        <p14:creationId xmlns:p14="http://schemas.microsoft.com/office/powerpoint/2010/main" val="2122012219"/>
+      </p:ext>
+    </p:extLst>
+  </p:cSld>
+  <p:clrMapOvr>
+    <a:masterClrMapping/>
+  </p:clrMapOvr>
+  <mc:AlternateContent xmlns:mc="http://schemas.openxmlformats.org/markup-compatibility/2006" xmlns:p14="http://schemas.microsoft.com/office/powerpoint/2010/main">
+    <mc:Choice Requires="p14">
+      <p:transition spd="slow" p14:dur="2000"/>
+    </mc:Choice>
+    <mc:Fallback xmlns="">
+      <p:transition xmlns:p14="http://schemas.microsoft.com/office/powerpoint/2010/main" spd="slow"/>
+    </mc:Fallback>
+  </mc:AlternateContent>
+</p:sld>
+</file>
+
+<file path=ppt/slides/slide25.xml><?xml version="1.0" encoding="utf-8"?>
+<p:sld xmlns:a="http://schemas.openxmlformats.org/drawingml/2006/main" xmlns:r="http://schemas.openxmlformats.org/officeDocument/2006/relationships" xmlns:p="http://schemas.openxmlformats.org/presentationml/2006/main">
+  <p:cSld>
+    <p:spTree>
+      <p:nvGrpSpPr>
+        <p:cNvPr id="1" name=""/>
+        <p:cNvGrpSpPr/>
+        <p:nvPr/>
+      </p:nvGrpSpPr>
+      <p:grpSpPr>
+        <a:xfrm>
+          <a:off x="0" y="0"/>
+          <a:ext cx="0" cy="0"/>
+          <a:chOff x="0" y="0"/>
+          <a:chExt cx="0" cy="0"/>
+        </a:xfrm>
+      </p:grpSpPr>
+      <p:sp>
+        <p:nvSpPr>
+          <p:cNvPr id="2" name="Title 1"/>
+          <p:cNvSpPr>
+            <a:spLocks noGrp="1"/>
+          </p:cNvSpPr>
+          <p:nvPr>
+            <p:ph type="title"/>
+          </p:nvPr>
+        </p:nvSpPr>
+        <p:spPr/>
+        <p:txBody>
+          <a:bodyPr>
+            <a:normAutofit/>
+          </a:bodyPr>
+          <a:lstStyle/>
+          <a:p>
+            <a:pPr algn="ctr"/>
+            <a:r>
+              <a:rPr lang="en-US" dirty="0" smtClean="0"/>
+              <a:t>FINE MAPPING</a:t>
+            </a:r>
+            <a:endParaRPr lang="en-US" dirty="0"/>
+          </a:p>
+        </p:txBody>
+      </p:sp>
+      <p:sp>
+        <p:nvSpPr>
+          <p:cNvPr id="3" name="Content Placeholder 2"/>
+          <p:cNvSpPr>
+            <a:spLocks noGrp="1"/>
+          </p:cNvSpPr>
+          <p:nvPr>
+            <p:ph sz="quarter" idx="1"/>
+          </p:nvPr>
+        </p:nvSpPr>
+        <p:spPr>
+          <a:xfrm>
+            <a:off x="152400" y="1574800"/>
+            <a:ext cx="8864600" cy="5156200"/>
+          </a:xfrm>
+        </p:spPr>
+        <p:txBody>
+          <a:bodyPr>
+            <a:normAutofit/>
+          </a:bodyPr>
+          <a:lstStyle/>
+          <a:p>
+            <a:pPr marL="0" indent="0" algn="ctr">
+              <a:buNone/>
+            </a:pPr>
+            <a:r>
+              <a:rPr lang="en-US" u="sng" dirty="0" smtClean="0"/>
+              <a:t>PAINTOR</a:t>
+            </a:r>
+          </a:p>
+          <a:p>
+            <a:r>
+              <a:rPr lang="en-US" dirty="0" smtClean="0"/>
+              <a:t>More sophisticated fine-mapping method that incorporates functional information, </a:t>
+            </a:r>
+            <a:r>
+              <a:rPr lang="en-US" i="1" dirty="0" smtClean="0"/>
+              <a:t>e.g.</a:t>
+            </a:r>
+            <a:endParaRPr lang="en-US" dirty="0" smtClean="0"/>
+          </a:p>
+          <a:p>
+            <a:pPr lvl="1"/>
+            <a:r>
+              <a:rPr lang="en-US" dirty="0" smtClean="0"/>
+              <a:t>Gene expression</a:t>
+            </a:r>
+          </a:p>
+          <a:p>
+            <a:pPr lvl="1"/>
+            <a:r>
+              <a:rPr lang="en-US" dirty="0" smtClean="0"/>
+              <a:t>Chromatin state</a:t>
+            </a:r>
+          </a:p>
+          <a:p>
+            <a:pPr lvl="1"/>
+            <a:r>
+              <a:rPr lang="en-US" dirty="0" smtClean="0"/>
+              <a:t>Conservation</a:t>
+            </a:r>
+          </a:p>
+          <a:p>
+            <a:r>
+              <a:rPr lang="en-US" dirty="0" smtClean="0"/>
+              <a:t>Based on per-SNP or per-region summary statistics</a:t>
+            </a:r>
+          </a:p>
+          <a:p>
+            <a:pPr lvl="1"/>
+            <a:r>
+              <a:rPr lang="en-US" dirty="0" smtClean="0"/>
+              <a:t>Ideally, you'll have multiple studies on the same phenotype in different populations (meta-analysis)</a:t>
+            </a:r>
+          </a:p>
+        </p:txBody>
+      </p:sp>
+    </p:spTree>
+    <p:extLst>
+      <p:ext uri="{BB962C8B-B14F-4D97-AF65-F5344CB8AC3E}">
+        <p14:creationId xmlns:p14="http://schemas.microsoft.com/office/powerpoint/2010/main" val="1398439004"/>
+      </p:ext>
+    </p:extLst>
+  </p:cSld>
+  <p:clrMapOvr>
+    <a:masterClrMapping/>
+  </p:clrMapOvr>
+  <mc:AlternateContent xmlns:mc="http://schemas.openxmlformats.org/markup-compatibility/2006" xmlns:p14="http://schemas.microsoft.com/office/powerpoint/2010/main">
+    <mc:Choice Requires="p14">
+      <p:transition spd="slow" p14:dur="2000"/>
+    </mc:Choice>
+    <mc:Fallback xmlns="">
+      <p:transition xmlns:p14="http://schemas.microsoft.com/office/powerpoint/2010/main" spd="slow"/>
+    </mc:Fallback>
+  </mc:AlternateContent>
+</p:sld>
+</file>
+
+<file path=ppt/slides/slide26.xml><?xml version="1.0" encoding="utf-8"?>
+<p:sld xmlns:a="http://schemas.openxmlformats.org/drawingml/2006/main" xmlns:r="http://schemas.openxmlformats.org/officeDocument/2006/relationships" xmlns:p="http://schemas.openxmlformats.org/presentationml/2006/main">
+  <p:cSld>
+    <p:spTree>
+      <p:nvGrpSpPr>
+        <p:cNvPr id="1" name=""/>
+        <p:cNvGrpSpPr/>
+        <p:nvPr/>
+      </p:nvGrpSpPr>
+      <p:grpSpPr>
+        <a:xfrm>
+          <a:off x="0" y="0"/>
+          <a:ext cx="0" cy="0"/>
+          <a:chOff x="0" y="0"/>
+          <a:chExt cx="0" cy="0"/>
+        </a:xfrm>
+      </p:grpSpPr>
+      <p:sp>
+        <p:nvSpPr>
+          <p:cNvPr id="2" name="Title 1"/>
+          <p:cNvSpPr>
+            <a:spLocks noGrp="1"/>
+          </p:cNvSpPr>
+          <p:nvPr>
+            <p:ph type="title"/>
+          </p:nvPr>
+        </p:nvSpPr>
+        <p:spPr/>
+        <p:txBody>
+          <a:bodyPr>
+            <a:normAutofit/>
+          </a:bodyPr>
+          <a:lstStyle/>
+          <a:p>
+            <a:pPr algn="ctr"/>
+            <a:r>
+              <a:rPr lang="en-US" dirty="0" smtClean="0"/>
+              <a:t>FINE MAPPING</a:t>
+            </a:r>
+            <a:endParaRPr lang="en-US" dirty="0"/>
+          </a:p>
+        </p:txBody>
+      </p:sp>
+      <p:sp>
+        <p:nvSpPr>
+          <p:cNvPr id="3" name="Content Placeholder 2"/>
+          <p:cNvSpPr>
+            <a:spLocks noGrp="1"/>
+          </p:cNvSpPr>
+          <p:nvPr>
+            <p:ph sz="quarter" idx="1"/>
+          </p:nvPr>
+        </p:nvSpPr>
+        <p:spPr>
+          <a:xfrm>
+            <a:off x="152400" y="1574800"/>
+            <a:ext cx="8864600" cy="5156200"/>
+          </a:xfrm>
+        </p:spPr>
+        <p:txBody>
+          <a:bodyPr>
+            <a:normAutofit/>
+          </a:bodyPr>
+          <a:lstStyle/>
+          <a:p>
+            <a:pPr marL="0" indent="0" algn="ctr">
+              <a:buNone/>
+            </a:pPr>
+            <a:r>
+              <a:rPr lang="en-US" u="sng" dirty="0" smtClean="0"/>
+              <a:t>PAINTOR</a:t>
+            </a:r>
+          </a:p>
+          <a:p>
+            <a:r>
+              <a:rPr lang="en-US" dirty="0" smtClean="0"/>
+              <a:t>Z-score is the summary statistic</a:t>
+            </a:r>
+          </a:p>
+          <a:p>
+            <a:pPr lvl="1"/>
+            <a:r>
+              <a:rPr lang="en-US" dirty="0" smtClean="0"/>
+              <a:t>For case/control, computed as                        where f</a:t>
+            </a:r>
+            <a:r>
+              <a:rPr lang="en-US" baseline="30000" dirty="0"/>
+              <a:t>+</a:t>
+            </a:r>
+            <a:r>
+              <a:rPr lang="en-US" dirty="0" smtClean="0"/>
+              <a:t> and f</a:t>
+            </a:r>
+            <a:r>
+              <a:rPr lang="en-US" baseline="30000" dirty="0" smtClean="0"/>
+              <a:t>-</a:t>
+            </a:r>
+            <a:r>
+              <a:rPr lang="en-US" dirty="0" smtClean="0"/>
+              <a:t> are the frequencies in the case and control populations, and f = f</a:t>
+            </a:r>
+            <a:r>
+              <a:rPr lang="en-US" baseline="30000" dirty="0" smtClean="0"/>
+              <a:t>+</a:t>
+            </a:r>
+            <a:r>
+              <a:rPr lang="en-US" dirty="0" smtClean="0"/>
+              <a:t> + f</a:t>
+            </a:r>
+            <a:r>
+              <a:rPr lang="en-US" baseline="30000" dirty="0"/>
+              <a:t>-</a:t>
+            </a:r>
+            <a:r>
+              <a:rPr lang="en-US" dirty="0" smtClean="0"/>
+              <a:t>.</a:t>
+            </a:r>
+          </a:p>
+          <a:p>
+            <a:pPr lvl="1"/>
+            <a:r>
+              <a:rPr lang="en-US" dirty="0" smtClean="0"/>
+              <a:t>For quantitative traits, it's Beta / SE</a:t>
+            </a:r>
+          </a:p>
+        </p:txBody>
+      </p:sp>
+      <p:pic>
+        <p:nvPicPr>
+          <p:cNvPr id="4" name="Picture 3"/>
+          <p:cNvPicPr>
+            <a:picLocks noChangeAspect="1"/>
+          </p:cNvPicPr>
+          <p:nvPr/>
+        </p:nvPicPr>
+        <p:blipFill>
+          <a:blip r:embed="rId2"/>
+          <a:stretch>
+            <a:fillRect/>
+          </a:stretch>
+        </p:blipFill>
+        <p:spPr>
+          <a:xfrm>
+            <a:off x="5626100" y="2374900"/>
+            <a:ext cx="1638300" cy="889000"/>
+          </a:xfrm>
+          <a:prstGeom prst="rect">
+            <a:avLst/>
+          </a:prstGeom>
+        </p:spPr>
+      </p:pic>
+    </p:spTree>
+    <p:extLst>
+      <p:ext uri="{BB962C8B-B14F-4D97-AF65-F5344CB8AC3E}">
+        <p14:creationId xmlns:p14="http://schemas.microsoft.com/office/powerpoint/2010/main" val="1503307460"/>
+      </p:ext>
+    </p:extLst>
+  </p:cSld>
+  <p:clrMapOvr>
+    <a:masterClrMapping/>
+  </p:clrMapOvr>
+  <mc:AlternateContent xmlns:mc="http://schemas.openxmlformats.org/markup-compatibility/2006" xmlns:p14="http://schemas.microsoft.com/office/powerpoint/2010/main">
+    <mc:Choice Requires="p14">
+      <p:transition spd="slow" p14:dur="2000"/>
+    </mc:Choice>
+    <mc:Fallback xmlns="">
+      <p:transition xmlns:p14="http://schemas.microsoft.com/office/powerpoint/2010/main" spd="slow"/>
+    </mc:Fallback>
+  </mc:AlternateContent>
+</p:sld>
+</file>
+
+<file path=ppt/slides/slide27.xml><?xml version="1.0" encoding="utf-8"?>
+<p:sld xmlns:a="http://schemas.openxmlformats.org/drawingml/2006/main" xmlns:r="http://schemas.openxmlformats.org/officeDocument/2006/relationships" xmlns:p="http://schemas.openxmlformats.org/presentationml/2006/main">
+  <p:cSld>
+    <p:spTree>
+      <p:nvGrpSpPr>
+        <p:cNvPr id="1" name=""/>
+        <p:cNvGrpSpPr/>
+        <p:nvPr/>
+      </p:nvGrpSpPr>
+      <p:grpSpPr>
+        <a:xfrm>
+          <a:off x="0" y="0"/>
+          <a:ext cx="0" cy="0"/>
+          <a:chOff x="0" y="0"/>
+          <a:chExt cx="0" cy="0"/>
+        </a:xfrm>
+      </p:grpSpPr>
+      <p:sp>
+        <p:nvSpPr>
+          <p:cNvPr id="2" name="Title 1"/>
+          <p:cNvSpPr>
+            <a:spLocks noGrp="1"/>
+          </p:cNvSpPr>
+          <p:nvPr>
+            <p:ph type="title"/>
+          </p:nvPr>
+        </p:nvSpPr>
+        <p:spPr/>
+        <p:txBody>
+          <a:bodyPr>
+            <a:normAutofit/>
+          </a:bodyPr>
+          <a:lstStyle/>
+          <a:p>
+            <a:pPr algn="ctr"/>
+            <a:r>
+              <a:rPr lang="en-US" dirty="0" smtClean="0"/>
+              <a:t>FINE MAPPING</a:t>
+            </a:r>
+            <a:endParaRPr lang="en-US" dirty="0"/>
+          </a:p>
+        </p:txBody>
+      </p:sp>
+      <p:sp>
+        <p:nvSpPr>
+          <p:cNvPr id="3" name="Content Placeholder 2"/>
+          <p:cNvSpPr>
+            <a:spLocks noGrp="1"/>
+          </p:cNvSpPr>
+          <p:nvPr>
+            <p:ph sz="quarter" idx="1"/>
+          </p:nvPr>
+        </p:nvSpPr>
+        <p:spPr>
+          <a:xfrm>
+            <a:off x="152400" y="1574800"/>
+            <a:ext cx="8864600" cy="5156200"/>
+          </a:xfrm>
+        </p:spPr>
+        <p:txBody>
+          <a:bodyPr>
+            <a:normAutofit/>
+          </a:bodyPr>
+          <a:lstStyle/>
+          <a:p>
+            <a:pPr marL="0" indent="0" algn="ctr">
+              <a:buNone/>
+            </a:pPr>
+            <a:r>
+              <a:rPr lang="en-US" u="sng" dirty="0" smtClean="0"/>
+              <a:t>PAINTOR Workflow</a:t>
+            </a:r>
+          </a:p>
+          <a:p>
+            <a:pPr marL="514350" indent="-514350">
+              <a:buFont typeface="+mj-lt"/>
+              <a:buAutoNum type="arabicPeriod"/>
+            </a:pPr>
+            <a:r>
+              <a:rPr lang="en-US" dirty="0" smtClean="0"/>
+              <a:t>Perform association study (or studies)</a:t>
+            </a:r>
+          </a:p>
+          <a:p>
+            <a:pPr marL="514350" indent="-514350">
+              <a:buFont typeface="+mj-lt"/>
+              <a:buAutoNum type="arabicPeriod"/>
+            </a:pPr>
+            <a:r>
+              <a:rPr lang="en-US" dirty="0" smtClean="0"/>
+              <a:t>Compute summary statistics (example code in cookbook)</a:t>
+            </a:r>
+          </a:p>
+          <a:p>
+            <a:pPr marL="514350" indent="-514350">
+              <a:buFont typeface="+mj-lt"/>
+              <a:buAutoNum type="arabicPeriod"/>
+            </a:pPr>
+            <a:endParaRPr lang="en-US" dirty="0"/>
+          </a:p>
+          <a:p>
+            <a:pPr marL="514350" indent="-514350">
+              <a:buFont typeface="+mj-lt"/>
+              <a:buAutoNum type="arabicPeriod"/>
+            </a:pPr>
+            <a:endParaRPr lang="en-US" dirty="0" smtClean="0"/>
+          </a:p>
+          <a:p>
+            <a:pPr marL="514350" indent="-514350">
+              <a:buFont typeface="+mj-lt"/>
+              <a:buAutoNum type="arabicPeriod"/>
+            </a:pPr>
+            <a:endParaRPr lang="en-US" dirty="0" smtClean="0"/>
+          </a:p>
+          <a:p>
+            <a:pPr marL="514350" indent="-514350">
+              <a:buFont typeface="+mj-lt"/>
+              <a:buAutoNum type="arabicPeriod"/>
+            </a:pPr>
+            <a:r>
+              <a:rPr lang="en-US" dirty="0" smtClean="0"/>
+              <a:t>Divide data into </a:t>
+            </a:r>
+            <a:r>
+              <a:rPr lang="en-US" dirty="0" smtClean="0"/>
+              <a:t>regions </a:t>
+            </a:r>
+            <a:r>
+              <a:rPr lang="mr-IN" dirty="0" smtClean="0"/>
+              <a:t>–</a:t>
+            </a:r>
+            <a:r>
+              <a:rPr lang="en-US" dirty="0" smtClean="0"/>
+              <a:t> use </a:t>
+            </a:r>
+            <a:r>
+              <a:rPr lang="en-US" dirty="0" err="1" smtClean="0"/>
+              <a:t>bedtools</a:t>
+            </a:r>
+            <a:r>
+              <a:rPr lang="en-US" dirty="0" smtClean="0"/>
+              <a:t> for this</a:t>
+            </a:r>
+            <a:endParaRPr lang="en-US" dirty="0" smtClean="0"/>
+          </a:p>
+        </p:txBody>
+      </p:sp>
+      <p:pic>
+        <p:nvPicPr>
+          <p:cNvPr id="4" name="Picture 3"/>
+          <p:cNvPicPr>
+            <a:picLocks noChangeAspect="1"/>
+          </p:cNvPicPr>
+          <p:nvPr/>
+        </p:nvPicPr>
+        <p:blipFill>
+          <a:blip r:embed="rId2"/>
+          <a:stretch>
+            <a:fillRect/>
+          </a:stretch>
+        </p:blipFill>
+        <p:spPr>
+          <a:xfrm>
+            <a:off x="3276600" y="3771900"/>
+            <a:ext cx="2590800" cy="1498600"/>
+          </a:xfrm>
+          <a:prstGeom prst="rect">
+            <a:avLst/>
+          </a:prstGeom>
+        </p:spPr>
+      </p:pic>
+    </p:spTree>
+    <p:extLst>
+      <p:ext uri="{BB962C8B-B14F-4D97-AF65-F5344CB8AC3E}">
+        <p14:creationId xmlns:p14="http://schemas.microsoft.com/office/powerpoint/2010/main" val="943373265"/>
+      </p:ext>
+    </p:extLst>
+  </p:cSld>
+  <p:clrMapOvr>
+    <a:masterClrMapping/>
+  </p:clrMapOvr>
+  <mc:AlternateContent xmlns:mc="http://schemas.openxmlformats.org/markup-compatibility/2006" xmlns:p14="http://schemas.microsoft.com/office/powerpoint/2010/main">
+    <mc:Choice Requires="p14">
+      <p:transition spd="slow" p14:dur="2000"/>
+    </mc:Choice>
+    <mc:Fallback xmlns="">
+      <p:transition xmlns:p14="http://schemas.microsoft.com/office/powerpoint/2010/main" spd="slow"/>
+    </mc:Fallback>
+  </mc:AlternateContent>
+</p:sld>
+</file>
+
+<file path=ppt/slides/slide28.xml><?xml version="1.0" encoding="utf-8"?>
+<p:sld xmlns:a="http://schemas.openxmlformats.org/drawingml/2006/main" xmlns:r="http://schemas.openxmlformats.org/officeDocument/2006/relationships" xmlns:p="http://schemas.openxmlformats.org/presentationml/2006/main">
+  <p:cSld>
+    <p:spTree>
+      <p:nvGrpSpPr>
+        <p:cNvPr id="1" name=""/>
+        <p:cNvGrpSpPr/>
+        <p:nvPr/>
+      </p:nvGrpSpPr>
+      <p:grpSpPr>
+        <a:xfrm>
+          <a:off x="0" y="0"/>
+          <a:ext cx="0" cy="0"/>
+          <a:chOff x="0" y="0"/>
+          <a:chExt cx="0" cy="0"/>
+        </a:xfrm>
+      </p:grpSpPr>
+      <p:sp>
+        <p:nvSpPr>
+          <p:cNvPr id="2" name="Title 1"/>
+          <p:cNvSpPr>
+            <a:spLocks noGrp="1"/>
+          </p:cNvSpPr>
+          <p:nvPr>
+            <p:ph type="title"/>
+          </p:nvPr>
+        </p:nvSpPr>
+        <p:spPr/>
+        <p:txBody>
+          <a:bodyPr>
+            <a:normAutofit/>
+          </a:bodyPr>
+          <a:lstStyle/>
+          <a:p>
+            <a:pPr algn="ctr"/>
+            <a:r>
+              <a:rPr lang="en-US" dirty="0" smtClean="0"/>
+              <a:t>FINE MAPPING</a:t>
+            </a:r>
+            <a:endParaRPr lang="en-US" dirty="0"/>
+          </a:p>
+        </p:txBody>
+      </p:sp>
+      <p:sp>
+        <p:nvSpPr>
+          <p:cNvPr id="3" name="Content Placeholder 2"/>
+          <p:cNvSpPr>
+            <a:spLocks noGrp="1"/>
+          </p:cNvSpPr>
+          <p:nvPr>
+            <p:ph sz="quarter" idx="1"/>
+          </p:nvPr>
+        </p:nvSpPr>
+        <p:spPr>
+          <a:xfrm>
+            <a:off x="152400" y="1574800"/>
+            <a:ext cx="8864600" cy="5156200"/>
+          </a:xfrm>
+        </p:spPr>
+        <p:txBody>
+          <a:bodyPr>
+            <a:normAutofit/>
+          </a:bodyPr>
+          <a:lstStyle/>
+          <a:p>
+            <a:pPr marL="0" indent="0" algn="ctr">
+              <a:buNone/>
+            </a:pPr>
+            <a:r>
+              <a:rPr lang="en-US" u="sng" dirty="0" smtClean="0"/>
+              <a:t>PAINTOR Workflow</a:t>
+            </a:r>
+            <a:endParaRPr lang="en-US" dirty="0" smtClean="0"/>
+          </a:p>
+          <a:p>
+            <a:pPr marL="514350" indent="-514350">
+              <a:buFont typeface="+mj-lt"/>
+              <a:buAutoNum type="arabicPeriod" startAt="4"/>
+            </a:pPr>
+            <a:r>
+              <a:rPr lang="en-US" dirty="0" smtClean="0"/>
+              <a:t>Prepare annotations</a:t>
+            </a:r>
+          </a:p>
+          <a:p>
+            <a:pPr marL="834390" lvl="1" indent="-514350"/>
+            <a:r>
+              <a:rPr lang="en-US" dirty="0" smtClean="0"/>
+              <a:t>LD between SNPs in each loci</a:t>
+            </a:r>
+          </a:p>
+          <a:p>
+            <a:pPr marL="1108710" lvl="2" indent="-514350"/>
+            <a:r>
+              <a:rPr lang="en-US" dirty="0" smtClean="0"/>
+              <a:t>PAINTOR provides a tool based on 1000 Genomes data</a:t>
+            </a:r>
+          </a:p>
+          <a:p>
+            <a:pPr marL="1108710" lvl="2" indent="-514350"/>
+            <a:r>
+              <a:rPr lang="en-US" dirty="0" smtClean="0"/>
+              <a:t>Plink can also do this </a:t>
+            </a:r>
+          </a:p>
+          <a:p>
+            <a:pPr marL="834390" lvl="1" indent="-514350"/>
+            <a:r>
+              <a:rPr lang="en-US" dirty="0" smtClean="0"/>
+              <a:t>SNP </a:t>
+            </a:r>
+            <a:r>
+              <a:rPr lang="en-US" dirty="0"/>
+              <a:t>functional annotation: PAINTOR provides a tool, as well as a database of functional </a:t>
+            </a:r>
+            <a:r>
+              <a:rPr lang="en-US" dirty="0" smtClean="0"/>
+              <a:t>annotations</a:t>
+            </a:r>
+          </a:p>
+          <a:p>
+            <a:pPr marL="514350" indent="-514350">
+              <a:buFont typeface="+mj-lt"/>
+              <a:buAutoNum type="arabicPeriod" startAt="5"/>
+            </a:pPr>
+            <a:r>
+              <a:rPr lang="en-US" dirty="0" smtClean="0"/>
+              <a:t>Run analysis</a:t>
+            </a:r>
+          </a:p>
+          <a:p>
+            <a:pPr marL="514350" indent="-514350">
+              <a:buFont typeface="+mj-lt"/>
+              <a:buAutoNum type="arabicPeriod" startAt="5"/>
+            </a:pPr>
+            <a:r>
+              <a:rPr lang="en-US" dirty="0" smtClean="0"/>
+              <a:t>Use CANVIS to plot each locus</a:t>
+            </a:r>
+          </a:p>
+        </p:txBody>
+      </p:sp>
+    </p:spTree>
+    <p:extLst>
+      <p:ext uri="{BB962C8B-B14F-4D97-AF65-F5344CB8AC3E}">
+        <p14:creationId xmlns:p14="http://schemas.microsoft.com/office/powerpoint/2010/main" val="402699054"/>
+      </p:ext>
+    </p:extLst>
+  </p:cSld>
+  <p:clrMapOvr>
+    <a:masterClrMapping/>
+  </p:clrMapOvr>
+  <mc:AlternateContent xmlns:mc="http://schemas.openxmlformats.org/markup-compatibility/2006" xmlns:p14="http://schemas.microsoft.com/office/powerpoint/2010/main">
+    <mc:Choice Requires="p14">
+      <p:transition spd="slow" p14:dur="2000"/>
+    </mc:Choice>
+    <mc:Fallback xmlns="">
+      <p:transition xmlns:p14="http://schemas.microsoft.com/office/powerpoint/2010/main" spd="slow"/>
+    </mc:Fallback>
+  </mc:AlternateContent>
+</p:sld>
+</file>
+
+<file path=ppt/slides/slide29.xml><?xml version="1.0" encoding="utf-8"?>
+<p:sld xmlns:a="http://schemas.openxmlformats.org/drawingml/2006/main" xmlns:r="http://schemas.openxmlformats.org/officeDocument/2006/relationships" xmlns:p="http://schemas.openxmlformats.org/presentationml/2006/main">
+  <p:cSld>
+    <p:spTree>
+      <p:nvGrpSpPr>
+        <p:cNvPr id="1" name=""/>
+        <p:cNvGrpSpPr/>
+        <p:nvPr/>
+      </p:nvGrpSpPr>
+      <p:grpSpPr>
+        <a:xfrm>
+          <a:off x="0" y="0"/>
+          <a:ext cx="0" cy="0"/>
+          <a:chOff x="0" y="0"/>
+          <a:chExt cx="0" cy="0"/>
+        </a:xfrm>
+      </p:grpSpPr>
+      <p:sp>
+        <p:nvSpPr>
+          <p:cNvPr id="2" name="Title 1"/>
+          <p:cNvSpPr>
+            <a:spLocks noGrp="1"/>
+          </p:cNvSpPr>
+          <p:nvPr>
+            <p:ph type="title"/>
+          </p:nvPr>
+        </p:nvSpPr>
+        <p:spPr/>
+        <p:txBody>
+          <a:bodyPr>
+            <a:normAutofit/>
+          </a:bodyPr>
+          <a:lstStyle/>
+          <a:p>
+            <a:pPr algn="ctr"/>
+            <a:r>
+              <a:rPr lang="en-US" dirty="0" smtClean="0"/>
+              <a:t>FINE MAPPING</a:t>
+            </a:r>
+            <a:endParaRPr lang="en-US" dirty="0"/>
+          </a:p>
+        </p:txBody>
+      </p:sp>
+      <p:sp>
+        <p:nvSpPr>
+          <p:cNvPr id="3" name="Content Placeholder 2"/>
+          <p:cNvSpPr>
+            <a:spLocks noGrp="1"/>
+          </p:cNvSpPr>
+          <p:nvPr>
+            <p:ph sz="quarter" idx="1"/>
+          </p:nvPr>
+        </p:nvSpPr>
+        <p:spPr>
+          <a:xfrm>
+            <a:off x="152400" y="1574800"/>
+            <a:ext cx="8864600" cy="5156200"/>
+          </a:xfrm>
+        </p:spPr>
+        <p:txBody>
+          <a:bodyPr>
+            <a:normAutofit/>
+          </a:bodyPr>
+          <a:lstStyle/>
+          <a:p>
+            <a:pPr marL="0" indent="0" algn="ctr">
+              <a:buNone/>
+            </a:pPr>
+            <a:r>
+              <a:rPr lang="en-US" u="sng" dirty="0" smtClean="0"/>
+              <a:t>Generate LD Matrix</a:t>
+            </a:r>
+          </a:p>
+          <a:p>
+            <a:pPr marL="0" indent="0">
+              <a:buNone/>
+            </a:pPr>
+            <a:r>
+              <a:rPr lang="en-US" sz="2400" dirty="0" smtClean="0">
+                <a:latin typeface="Courier"/>
+                <a:cs typeface="Courier"/>
+              </a:rPr>
+              <a:t># For this example we'll just use the first</a:t>
+            </a:r>
+          </a:p>
+          <a:p>
+            <a:pPr marL="0" indent="0">
+              <a:buNone/>
+            </a:pPr>
+            <a:r>
+              <a:rPr lang="en-US" sz="2400" dirty="0" smtClean="0">
+                <a:latin typeface="Courier"/>
+                <a:cs typeface="Courier"/>
+              </a:rPr>
+              <a:t># 10 SNPs. You'll want to run this command</a:t>
+            </a:r>
+          </a:p>
+          <a:p>
+            <a:pPr marL="0" indent="0">
+              <a:buNone/>
+            </a:pPr>
+            <a:r>
+              <a:rPr lang="en-US" sz="2400" dirty="0" smtClean="0">
+                <a:latin typeface="Courier"/>
+                <a:cs typeface="Courier"/>
+              </a:rPr>
+              <a:t># for each region.</a:t>
+            </a:r>
+          </a:p>
+          <a:p>
+            <a:pPr marL="0" indent="0">
+              <a:buNone/>
+            </a:pPr>
+            <a:r>
+              <a:rPr lang="en-US" sz="2400" dirty="0" smtClean="0">
+                <a:latin typeface="Courier"/>
+                <a:cs typeface="Courier"/>
+              </a:rPr>
+              <a:t>$ plink </a:t>
+            </a:r>
+            <a:r>
+              <a:rPr lang="en-US" sz="2400" dirty="0">
+                <a:latin typeface="Courier"/>
+                <a:cs typeface="Courier"/>
+              </a:rPr>
+              <a:t>--</a:t>
+            </a:r>
+            <a:r>
+              <a:rPr lang="en-US" sz="2400" dirty="0" err="1">
+                <a:latin typeface="Courier"/>
+                <a:cs typeface="Courier"/>
+              </a:rPr>
+              <a:t>bfile</a:t>
+            </a:r>
+            <a:r>
+              <a:rPr lang="en-US" sz="2400" dirty="0">
+                <a:latin typeface="Courier"/>
+                <a:cs typeface="Courier"/>
+              </a:rPr>
+              <a:t> </a:t>
+            </a:r>
+            <a:r>
+              <a:rPr lang="en-US" sz="2400" dirty="0" smtClean="0">
+                <a:latin typeface="Courier"/>
+                <a:cs typeface="Courier"/>
+              </a:rPr>
+              <a:t>output/hapmap1_good </a:t>
+            </a:r>
+            <a:r>
+              <a:rPr lang="en-US" sz="2400" dirty="0">
+                <a:latin typeface="Courier"/>
+                <a:cs typeface="Courier"/>
+              </a:rPr>
+              <a:t>--</a:t>
+            </a:r>
+            <a:r>
+              <a:rPr lang="en-US" sz="2400" dirty="0" err="1">
+                <a:latin typeface="Courier"/>
+                <a:cs typeface="Courier"/>
+              </a:rPr>
+              <a:t>chr</a:t>
+            </a:r>
+            <a:r>
+              <a:rPr lang="en-US" sz="2400" dirty="0">
+                <a:latin typeface="Courier"/>
+                <a:cs typeface="Courier"/>
+              </a:rPr>
+              <a:t> 1 </a:t>
+            </a:r>
+            <a:r>
+              <a:rPr lang="en-US" sz="2400" dirty="0" smtClean="0">
+                <a:latin typeface="Courier"/>
+                <a:cs typeface="Courier"/>
+              </a:rPr>
+              <a:t>\</a:t>
+            </a:r>
+          </a:p>
+          <a:p>
+            <a:pPr marL="0" indent="0">
+              <a:buNone/>
+            </a:pPr>
+            <a:r>
+              <a:rPr lang="en-US" sz="2400" dirty="0">
+                <a:latin typeface="Courier"/>
+                <a:cs typeface="Courier"/>
+              </a:rPr>
+              <a:t> </a:t>
+            </a:r>
+            <a:r>
+              <a:rPr lang="en-US" sz="2400" dirty="0" smtClean="0">
+                <a:latin typeface="Courier"/>
+                <a:cs typeface="Courier"/>
+              </a:rPr>
+              <a:t> -</a:t>
+            </a:r>
+            <a:r>
+              <a:rPr lang="en-US" sz="2400" dirty="0">
+                <a:latin typeface="Courier"/>
+                <a:cs typeface="Courier"/>
+              </a:rPr>
+              <a:t>-r2 square --</a:t>
+            </a:r>
+            <a:r>
+              <a:rPr lang="en-US" sz="2400" dirty="0" err="1">
+                <a:latin typeface="Courier"/>
+                <a:cs typeface="Courier"/>
+              </a:rPr>
+              <a:t>snps</a:t>
+            </a:r>
+            <a:r>
+              <a:rPr lang="en-US" sz="2400" dirty="0">
+                <a:latin typeface="Courier"/>
+                <a:cs typeface="Courier"/>
+              </a:rPr>
+              <a:t> rs6681049-rs3128342</a:t>
+            </a:r>
+            <a:endParaRPr lang="en-US" sz="2400" dirty="0" smtClean="0">
+              <a:latin typeface="Courier"/>
+              <a:cs typeface="Courier"/>
+            </a:endParaRPr>
+          </a:p>
+        </p:txBody>
+      </p:sp>
+    </p:spTree>
+    <p:extLst>
+      <p:ext uri="{BB962C8B-B14F-4D97-AF65-F5344CB8AC3E}">
+        <p14:creationId xmlns:p14="http://schemas.microsoft.com/office/powerpoint/2010/main" val="1442028881"/>
       </p:ext>
     </p:extLst>
   </p:cSld>
@@ -4153,140 +9122,1254 @@
         </p:spPr>
         <p:txBody>
           <a:bodyPr>
+            <a:normAutofit lnSpcReduction="10000"/>
+          </a:bodyPr>
+          <a:lstStyle/>
+          <a:p>
+            <a:pPr marL="0" indent="0" algn="ctr">
+              <a:buNone/>
+            </a:pPr>
+            <a:r>
+              <a:rPr lang="en-US" u="sng" dirty="0" smtClean="0"/>
+              <a:t>Types of Annotations</a:t>
+            </a:r>
+            <a:endParaRPr lang="en-US" u="sng" dirty="0" smtClean="0"/>
+          </a:p>
+          <a:p>
+            <a:r>
+              <a:rPr lang="en-US" dirty="0" smtClean="0"/>
+              <a:t>Identifiers: link variants to external databases</a:t>
+            </a:r>
+          </a:p>
+          <a:p>
+            <a:pPr lvl="1"/>
+            <a:r>
+              <a:rPr lang="en-US" dirty="0" smtClean="0"/>
+              <a:t>Variant IDs </a:t>
+            </a:r>
+            <a:r>
+              <a:rPr lang="mr-IN" dirty="0" smtClean="0"/>
+              <a:t>–</a:t>
+            </a:r>
+            <a:r>
+              <a:rPr lang="en-US" dirty="0" smtClean="0"/>
+              <a:t> </a:t>
+            </a:r>
+            <a:r>
+              <a:rPr lang="en-US" dirty="0" err="1" smtClean="0"/>
+              <a:t>dbSNP</a:t>
+            </a:r>
+            <a:endParaRPr lang="en-US" dirty="0" smtClean="0"/>
+          </a:p>
+          <a:p>
+            <a:pPr lvl="1"/>
+            <a:r>
+              <a:rPr lang="en-US" dirty="0" smtClean="0"/>
+              <a:t>Gene IDs </a:t>
+            </a:r>
+            <a:r>
+              <a:rPr lang="mr-IN" dirty="0" smtClean="0"/>
+              <a:t>–</a:t>
+            </a:r>
+            <a:r>
+              <a:rPr lang="en-US" dirty="0" smtClean="0"/>
+              <a:t> </a:t>
+            </a:r>
+            <a:r>
+              <a:rPr lang="en-US" dirty="0" err="1" smtClean="0"/>
+              <a:t>Entrez</a:t>
+            </a:r>
+            <a:r>
+              <a:rPr lang="en-US" dirty="0" smtClean="0"/>
+              <a:t>, </a:t>
+            </a:r>
+            <a:r>
+              <a:rPr lang="en-US" dirty="0" err="1" smtClean="0"/>
+              <a:t>Ensembl</a:t>
+            </a:r>
+            <a:endParaRPr lang="en-US" dirty="0" smtClean="0"/>
+          </a:p>
+          <a:p>
+            <a:r>
+              <a:rPr lang="en-US" dirty="0" smtClean="0"/>
+              <a:t>Regional:</a:t>
+            </a:r>
+          </a:p>
+          <a:p>
+            <a:pPr lvl="1"/>
+            <a:r>
+              <a:rPr lang="en-US" dirty="0" smtClean="0"/>
+              <a:t>Intergenic</a:t>
+            </a:r>
+          </a:p>
+          <a:p>
+            <a:pPr lvl="1"/>
+            <a:r>
+              <a:rPr lang="en-US" dirty="0" smtClean="0"/>
+              <a:t>Exon </a:t>
+            </a:r>
+            <a:r>
+              <a:rPr lang="mr-IN" dirty="0" smtClean="0"/>
+              <a:t>–</a:t>
+            </a:r>
+            <a:r>
+              <a:rPr lang="en-US" dirty="0" smtClean="0"/>
+              <a:t> 5’UTR, coding, 3’UTR</a:t>
+            </a:r>
+          </a:p>
+          <a:p>
+            <a:pPr lvl="1"/>
+            <a:r>
+              <a:rPr lang="en-US" dirty="0" smtClean="0"/>
+              <a:t>Intron</a:t>
+            </a:r>
+          </a:p>
+          <a:p>
+            <a:pPr lvl="1"/>
+            <a:r>
+              <a:rPr lang="en-US" dirty="0" smtClean="0"/>
+              <a:t>CpG Island</a:t>
+            </a:r>
+          </a:p>
+          <a:p>
+            <a:pPr lvl="1"/>
+            <a:r>
+              <a:rPr lang="en-US" dirty="0" smtClean="0"/>
+              <a:t>Heterochromatin (</a:t>
+            </a:r>
+            <a:r>
+              <a:rPr lang="en-US" i="1" dirty="0" smtClean="0"/>
+              <a:t>e.g. </a:t>
+            </a:r>
+            <a:r>
+              <a:rPr lang="en-US" dirty="0"/>
+              <a:t>c</a:t>
+            </a:r>
+            <a:r>
+              <a:rPr lang="en-US" dirty="0" smtClean="0"/>
+              <a:t>entromere, telomere)</a:t>
+            </a:r>
+            <a:endParaRPr lang="en-US" dirty="0" smtClean="0"/>
+          </a:p>
+          <a:p>
+            <a:endParaRPr lang="en-US" dirty="0" smtClean="0"/>
+          </a:p>
+        </p:txBody>
+      </p:sp>
+    </p:spTree>
+    <p:extLst>
+      <p:ext uri="{BB962C8B-B14F-4D97-AF65-F5344CB8AC3E}">
+        <p14:creationId xmlns:p14="http://schemas.microsoft.com/office/powerpoint/2010/main" val="1532646124"/>
+      </p:ext>
+    </p:extLst>
+  </p:cSld>
+  <p:clrMapOvr>
+    <a:masterClrMapping/>
+  </p:clrMapOvr>
+  <mc:AlternateContent xmlns:mc="http://schemas.openxmlformats.org/markup-compatibility/2006" xmlns:p14="http://schemas.microsoft.com/office/powerpoint/2010/main">
+    <mc:Choice Requires="p14">
+      <p:transition spd="slow" p14:dur="2000"/>
+    </mc:Choice>
+    <mc:Fallback xmlns="">
+      <p:transition xmlns:p14="http://schemas.microsoft.com/office/powerpoint/2010/main" spd="slow"/>
+    </mc:Fallback>
+  </mc:AlternateContent>
+</p:sld>
+</file>
+
+<file path=ppt/slides/slide30.xml><?xml version="1.0" encoding="utf-8"?>
+<p:sld xmlns:a="http://schemas.openxmlformats.org/drawingml/2006/main" xmlns:r="http://schemas.openxmlformats.org/officeDocument/2006/relationships" xmlns:p="http://schemas.openxmlformats.org/presentationml/2006/main">
+  <p:cSld>
+    <p:spTree>
+      <p:nvGrpSpPr>
+        <p:cNvPr id="1" name=""/>
+        <p:cNvGrpSpPr/>
+        <p:nvPr/>
+      </p:nvGrpSpPr>
+      <p:grpSpPr>
+        <a:xfrm>
+          <a:off x="0" y="0"/>
+          <a:ext cx="0" cy="0"/>
+          <a:chOff x="0" y="0"/>
+          <a:chExt cx="0" cy="0"/>
+        </a:xfrm>
+      </p:grpSpPr>
+      <p:sp>
+        <p:nvSpPr>
+          <p:cNvPr id="2" name="Title 1"/>
+          <p:cNvSpPr>
+            <a:spLocks noGrp="1"/>
+          </p:cNvSpPr>
+          <p:nvPr>
+            <p:ph type="title"/>
+          </p:nvPr>
+        </p:nvSpPr>
+        <p:spPr/>
+        <p:txBody>
+          <a:bodyPr>
             <a:normAutofit/>
           </a:bodyPr>
           <a:lstStyle/>
           <a:p>
+            <a:pPr algn="ctr"/>
+            <a:r>
+              <a:rPr lang="en-US" dirty="0"/>
+              <a:t>FINE MAPPING</a:t>
+            </a:r>
+            <a:endParaRPr lang="en-US" dirty="0"/>
+          </a:p>
+        </p:txBody>
+      </p:sp>
+      <p:sp>
+        <p:nvSpPr>
+          <p:cNvPr id="3" name="Content Placeholder 2"/>
+          <p:cNvSpPr>
+            <a:spLocks noGrp="1"/>
+          </p:cNvSpPr>
+          <p:nvPr>
+            <p:ph sz="quarter" idx="1"/>
+          </p:nvPr>
+        </p:nvSpPr>
+        <p:spPr>
+          <a:xfrm>
+            <a:off x="152400" y="1574800"/>
+            <a:ext cx="8864600" cy="5156200"/>
+          </a:xfrm>
+        </p:spPr>
+        <p:txBody>
+          <a:bodyPr>
+            <a:normAutofit/>
+          </a:bodyPr>
+          <a:lstStyle/>
+          <a:p>
             <a:pPr marL="0" indent="0" algn="ctr">
               <a:buNone/>
             </a:pPr>
             <a:r>
-              <a:rPr lang="en-US" u="sng" dirty="0" err="1" smtClean="0"/>
-              <a:t>BCFTools</a:t>
-            </a:r>
-            <a:endParaRPr lang="en-US" u="sng" dirty="0" smtClean="0"/>
-          </a:p>
-          <a:p>
-            <a:r>
-              <a:rPr lang="en-US" dirty="0" smtClean="0"/>
-              <a:t>Another library of generally useful tools for working with VCF files</a:t>
-            </a:r>
-          </a:p>
-          <a:p>
-            <a:r>
-              <a:rPr lang="en-US" dirty="0" smtClean="0"/>
-              <a:t>Included with </a:t>
-            </a:r>
-            <a:r>
-              <a:rPr lang="en-US" dirty="0" err="1" smtClean="0"/>
-              <a:t>samtools</a:t>
-            </a:r>
-            <a:endParaRPr lang="en-US" dirty="0" smtClean="0"/>
-          </a:p>
-          <a:p>
-            <a:pPr lvl="1"/>
-            <a:r>
-              <a:rPr lang="en-US" dirty="0" smtClean="0"/>
-              <a:t>In fact, you can combine </a:t>
-            </a:r>
-            <a:r>
-              <a:rPr lang="en-US" sz="2000" dirty="0" err="1" smtClean="0">
-                <a:latin typeface="Courier"/>
-                <a:cs typeface="Courier"/>
-              </a:rPr>
-              <a:t>samtools</a:t>
-            </a:r>
-            <a:r>
-              <a:rPr lang="en-US" sz="2000" dirty="0" smtClean="0">
-                <a:latin typeface="Courier"/>
-                <a:cs typeface="Courier"/>
-              </a:rPr>
-              <a:t>, </a:t>
-            </a:r>
-            <a:r>
-              <a:rPr lang="en-US" sz="2000" dirty="0" err="1" smtClean="0">
-                <a:latin typeface="Courier"/>
-                <a:cs typeface="Courier"/>
-              </a:rPr>
-              <a:t>mpileup</a:t>
-            </a:r>
-            <a:r>
-              <a:rPr lang="en-US" sz="2000" dirty="0" smtClean="0">
-                <a:latin typeface="Courier"/>
-                <a:cs typeface="Courier"/>
-              </a:rPr>
-              <a:t>, </a:t>
-            </a:r>
-            <a:r>
-              <a:rPr lang="en-US" dirty="0" smtClean="0"/>
-              <a:t>and </a:t>
-            </a:r>
-            <a:r>
-              <a:rPr lang="en-US" sz="2000" dirty="0" err="1" smtClean="0">
-                <a:latin typeface="Courier"/>
-                <a:cs typeface="Courier"/>
-              </a:rPr>
-              <a:t>bcftools</a:t>
-            </a:r>
-            <a:r>
-              <a:rPr lang="en-US" sz="2000" dirty="0" smtClean="0">
-                <a:latin typeface="Courier"/>
-                <a:cs typeface="Courier"/>
-              </a:rPr>
-              <a:t> call</a:t>
-            </a:r>
-            <a:r>
-              <a:rPr lang="en-US" dirty="0" smtClean="0"/>
-              <a:t> for an alternate variant calling pipeline</a:t>
-            </a:r>
-          </a:p>
-          <a:p>
-            <a:pPr marL="0" indent="0" algn="ctr">
-              <a:buNone/>
-            </a:pPr>
-            <a:endParaRPr lang="en-US" dirty="0" smtClean="0">
-              <a:hlinkClick r:id="rId2"/>
+              <a:rPr lang="en-US" u="sng" dirty="0" smtClean="0"/>
+              <a:t>Annotate Loci</a:t>
+            </a:r>
+          </a:p>
+          <a:p>
+            <a:pPr marL="0" indent="0">
+              <a:buNone/>
+            </a:pPr>
+            <a:r>
+              <a:rPr lang="en-US" sz="2400" dirty="0" smtClean="0">
+                <a:latin typeface="Courier"/>
+                <a:cs typeface="Courier"/>
+              </a:rPr>
+              <a:t># For locus annotation, we use the</a:t>
+            </a:r>
+          </a:p>
+          <a:p>
+            <a:pPr marL="0" indent="0">
+              <a:buNone/>
+            </a:pPr>
+            <a:r>
+              <a:rPr lang="en-US" sz="2400" dirty="0" smtClean="0">
+                <a:latin typeface="Courier"/>
+                <a:cs typeface="Courier"/>
+              </a:rPr>
+              <a:t># </a:t>
+            </a:r>
+            <a:r>
+              <a:rPr lang="en-US" sz="2400" dirty="0" err="1" smtClean="0">
+                <a:latin typeface="Courier"/>
+                <a:cs typeface="Courier"/>
+              </a:rPr>
+              <a:t>AnnotateLocus</a:t>
+            </a:r>
+            <a:r>
+              <a:rPr lang="en-US" sz="2400" dirty="0" smtClean="0">
+                <a:latin typeface="Courier"/>
+                <a:cs typeface="Courier"/>
+              </a:rPr>
+              <a:t> tool supplied with PAINTOR.</a:t>
+            </a:r>
+          </a:p>
+          <a:p>
+            <a:pPr marL="0" indent="0">
+              <a:buNone/>
+            </a:pPr>
+            <a:r>
+              <a:rPr lang="en-US" sz="2400" dirty="0" smtClean="0">
+                <a:latin typeface="Courier"/>
+                <a:cs typeface="Courier"/>
+              </a:rPr>
+              <a:t># You need to download the database which is</a:t>
+            </a:r>
+          </a:p>
+          <a:p>
+            <a:pPr marL="0" indent="0">
+              <a:buNone/>
+            </a:pPr>
+            <a:r>
+              <a:rPr lang="en-US" sz="2400" dirty="0" smtClean="0">
+                <a:latin typeface="Courier"/>
+                <a:cs typeface="Courier"/>
+              </a:rPr>
+              <a:t># quite large (link in cookbook).</a:t>
+            </a:r>
+          </a:p>
+          <a:p>
+            <a:pPr marL="0" indent="0">
+              <a:buNone/>
+            </a:pPr>
+            <a:r>
+              <a:rPr lang="en-US" sz="2400" dirty="0">
+                <a:latin typeface="Courier"/>
+                <a:cs typeface="Courier"/>
+              </a:rPr>
+              <a:t>$ python </a:t>
+            </a:r>
+            <a:r>
+              <a:rPr lang="en-US" sz="2400" dirty="0" err="1" smtClean="0">
+                <a:latin typeface="Courier"/>
+                <a:cs typeface="Courier"/>
+              </a:rPr>
+              <a:t>AnnotateLocus.py</a:t>
+            </a:r>
+            <a:r>
+              <a:rPr lang="en-US" sz="2400" dirty="0" smtClean="0">
+                <a:latin typeface="Courier"/>
+                <a:cs typeface="Courier"/>
+              </a:rPr>
+              <a:t> \</a:t>
+            </a:r>
+            <a:endParaRPr lang="en-US" sz="2400" dirty="0">
+              <a:latin typeface="Courier"/>
+              <a:cs typeface="Courier"/>
             </a:endParaRPr>
           </a:p>
           <a:p>
-            <a:pPr marL="0" indent="0" algn="ctr">
-              <a:buNone/>
-            </a:pPr>
-            <a:r>
-              <a:rPr lang="en-US" dirty="0" smtClean="0">
-                <a:hlinkClick r:id="rId2"/>
-              </a:rPr>
-              <a:t>https</a:t>
-            </a:r>
-            <a:r>
-              <a:rPr lang="en-US" dirty="0">
-                <a:hlinkClick r:id="rId2"/>
-              </a:rPr>
-              <a:t>://samtools.github.io/bcftools/</a:t>
-            </a:r>
-            <a:r>
-              <a:rPr lang="en-US" dirty="0" smtClean="0">
-                <a:hlinkClick r:id="rId2"/>
-              </a:rPr>
-              <a:t>bcftools.html</a:t>
-            </a:r>
-            <a:endParaRPr lang="en-US" dirty="0" smtClean="0"/>
-          </a:p>
-          <a:p>
             <a:pPr marL="0" indent="0">
               <a:buNone/>
             </a:pPr>
-            <a:endParaRPr lang="en-US" dirty="0" smtClean="0"/>
-          </a:p>
-          <a:p>
-            <a:endParaRPr lang="en-US" dirty="0" smtClean="0"/>
+            <a:r>
+              <a:rPr lang="en-US" sz="2400" dirty="0" smtClean="0">
+                <a:latin typeface="Courier"/>
+                <a:cs typeface="Courier"/>
+              </a:rPr>
+              <a:t>  -</a:t>
+            </a:r>
+            <a:r>
+              <a:rPr lang="en-US" sz="2400" dirty="0">
+                <a:latin typeface="Courier"/>
+                <a:cs typeface="Courier"/>
+              </a:rPr>
+              <a:t>-input </a:t>
+            </a:r>
+            <a:r>
+              <a:rPr lang="en-US" sz="2400" dirty="0" err="1" smtClean="0">
+                <a:latin typeface="Courier"/>
+                <a:cs typeface="Courier"/>
+              </a:rPr>
+              <a:t>annotation_paths</a:t>
+            </a:r>
+            <a:r>
+              <a:rPr lang="en-US" sz="2400" dirty="0" smtClean="0">
+                <a:latin typeface="Courier"/>
+                <a:cs typeface="Courier"/>
+              </a:rPr>
+              <a:t> \</a:t>
+            </a:r>
+            <a:endParaRPr lang="en-US" sz="2400" dirty="0">
+              <a:latin typeface="Courier"/>
+              <a:cs typeface="Courier"/>
+            </a:endParaRPr>
+          </a:p>
+          <a:p>
+            <a:pPr marL="0" indent="0">
+              <a:buNone/>
+            </a:pPr>
+            <a:r>
+              <a:rPr lang="en-US" sz="2400" dirty="0" smtClean="0">
+                <a:latin typeface="Courier"/>
+                <a:cs typeface="Courier"/>
+              </a:rPr>
+              <a:t>  -</a:t>
+            </a:r>
+            <a:r>
+              <a:rPr lang="en-US" sz="2400" dirty="0">
+                <a:latin typeface="Courier"/>
+                <a:cs typeface="Courier"/>
+              </a:rPr>
+              <a:t>-locus </a:t>
+            </a:r>
+            <a:r>
+              <a:rPr lang="en-US" sz="2400" dirty="0" smtClean="0">
+                <a:latin typeface="Courier"/>
+                <a:cs typeface="Courier"/>
+              </a:rPr>
+              <a:t>Locus1 \</a:t>
+            </a:r>
+            <a:endParaRPr lang="en-US" sz="2400" dirty="0">
+              <a:latin typeface="Courier"/>
+              <a:cs typeface="Courier"/>
+            </a:endParaRPr>
+          </a:p>
+          <a:p>
+            <a:pPr marL="0" indent="0">
+              <a:buNone/>
+            </a:pPr>
+            <a:r>
+              <a:rPr lang="en-US" sz="2400" dirty="0" smtClean="0">
+                <a:latin typeface="Courier"/>
+                <a:cs typeface="Courier"/>
+              </a:rPr>
+              <a:t>  -</a:t>
+            </a:r>
+            <a:r>
+              <a:rPr lang="en-US" sz="2400" dirty="0">
+                <a:latin typeface="Courier"/>
+                <a:cs typeface="Courier"/>
+              </a:rPr>
+              <a:t>-out Locus1.</a:t>
+            </a:r>
+            <a:r>
+              <a:rPr lang="en-US" sz="2400" dirty="0" smtClean="0">
+                <a:latin typeface="Courier"/>
+                <a:cs typeface="Courier"/>
+              </a:rPr>
+              <a:t>annotations \</a:t>
+            </a:r>
+            <a:endParaRPr lang="en-US" sz="2400" dirty="0">
+              <a:latin typeface="Courier"/>
+              <a:cs typeface="Courier"/>
+            </a:endParaRPr>
+          </a:p>
+          <a:p>
+            <a:pPr marL="0" indent="0">
+              <a:buNone/>
+            </a:pPr>
+            <a:r>
+              <a:rPr lang="en-US" sz="2400" dirty="0" smtClean="0">
+                <a:latin typeface="Courier"/>
+                <a:cs typeface="Courier"/>
+              </a:rPr>
+              <a:t>  -</a:t>
+            </a:r>
+            <a:r>
+              <a:rPr lang="en-US" sz="2400" dirty="0">
+                <a:latin typeface="Courier"/>
+                <a:cs typeface="Courier"/>
+              </a:rPr>
+              <a:t>-</a:t>
+            </a:r>
+            <a:r>
+              <a:rPr lang="en-US" sz="2400" dirty="0" err="1">
+                <a:latin typeface="Courier"/>
+                <a:cs typeface="Courier"/>
+              </a:rPr>
+              <a:t>chr</a:t>
+            </a:r>
+            <a:r>
+              <a:rPr lang="en-US" sz="2400" dirty="0">
+                <a:latin typeface="Courier"/>
+                <a:cs typeface="Courier"/>
+              </a:rPr>
+              <a:t> </a:t>
+            </a:r>
+            <a:r>
+              <a:rPr lang="en-US" sz="2400" dirty="0" smtClean="0">
+                <a:latin typeface="Courier"/>
+                <a:cs typeface="Courier"/>
+              </a:rPr>
+              <a:t>CHR \</a:t>
+            </a:r>
+            <a:endParaRPr lang="en-US" sz="2400" dirty="0">
+              <a:latin typeface="Courier"/>
+              <a:cs typeface="Courier"/>
+            </a:endParaRPr>
+          </a:p>
+          <a:p>
+            <a:pPr marL="0" indent="0">
+              <a:buNone/>
+            </a:pPr>
+            <a:r>
+              <a:rPr lang="en-US" sz="2400" dirty="0" smtClean="0">
+                <a:latin typeface="Courier"/>
+                <a:cs typeface="Courier"/>
+              </a:rPr>
+              <a:t>  -</a:t>
+            </a:r>
+            <a:r>
+              <a:rPr lang="en-US" sz="2400" dirty="0">
+                <a:latin typeface="Courier"/>
+                <a:cs typeface="Courier"/>
+              </a:rPr>
+              <a:t>-</a:t>
+            </a:r>
+            <a:r>
+              <a:rPr lang="en-US" sz="2400" dirty="0" err="1">
+                <a:latin typeface="Courier"/>
+                <a:cs typeface="Courier"/>
+              </a:rPr>
+              <a:t>pos</a:t>
+            </a:r>
+            <a:r>
+              <a:rPr lang="en-US" sz="2400" dirty="0">
+                <a:latin typeface="Courier"/>
+                <a:cs typeface="Courier"/>
+              </a:rPr>
+              <a:t> POS</a:t>
+            </a:r>
+            <a:endParaRPr lang="en-US" sz="2400" dirty="0" smtClean="0">
+              <a:latin typeface="Courier"/>
+              <a:cs typeface="Courier"/>
+            </a:endParaRPr>
           </a:p>
         </p:txBody>
       </p:sp>
     </p:spTree>
     <p:extLst>
       <p:ext uri="{BB962C8B-B14F-4D97-AF65-F5344CB8AC3E}">
-        <p14:creationId xmlns:p14="http://schemas.microsoft.com/office/powerpoint/2010/main" val="3100309747"/>
+        <p14:creationId xmlns:p14="http://schemas.microsoft.com/office/powerpoint/2010/main" val="1826446572"/>
+      </p:ext>
+    </p:extLst>
+  </p:cSld>
+  <p:clrMapOvr>
+    <a:masterClrMapping/>
+  </p:clrMapOvr>
+  <mc:AlternateContent xmlns:mc="http://schemas.openxmlformats.org/markup-compatibility/2006" xmlns:p14="http://schemas.microsoft.com/office/powerpoint/2010/main">
+    <mc:Choice Requires="p14">
+      <p:transition spd="slow" p14:dur="2000"/>
+    </mc:Choice>
+    <mc:Fallback xmlns="">
+      <p:transition xmlns:p14="http://schemas.microsoft.com/office/powerpoint/2010/main" spd="slow"/>
+    </mc:Fallback>
+  </mc:AlternateContent>
+</p:sld>
+</file>
+
+<file path=ppt/slides/slide31.xml><?xml version="1.0" encoding="utf-8"?>
+<p:sld xmlns:a="http://schemas.openxmlformats.org/drawingml/2006/main" xmlns:r="http://schemas.openxmlformats.org/officeDocument/2006/relationships" xmlns:p="http://schemas.openxmlformats.org/presentationml/2006/main">
+  <p:cSld>
+    <p:spTree>
+      <p:nvGrpSpPr>
+        <p:cNvPr id="1" name=""/>
+        <p:cNvGrpSpPr/>
+        <p:nvPr/>
+      </p:nvGrpSpPr>
+      <p:grpSpPr>
+        <a:xfrm>
+          <a:off x="0" y="0"/>
+          <a:ext cx="0" cy="0"/>
+          <a:chOff x="0" y="0"/>
+          <a:chExt cx="0" cy="0"/>
+        </a:xfrm>
+      </p:grpSpPr>
+      <p:sp>
+        <p:nvSpPr>
+          <p:cNvPr id="2" name="Title 1"/>
+          <p:cNvSpPr>
+            <a:spLocks noGrp="1"/>
+          </p:cNvSpPr>
+          <p:nvPr>
+            <p:ph type="title"/>
+          </p:nvPr>
+        </p:nvSpPr>
+        <p:spPr/>
+        <p:txBody>
+          <a:bodyPr>
+            <a:normAutofit/>
+          </a:bodyPr>
+          <a:lstStyle/>
+          <a:p>
+            <a:pPr algn="ctr"/>
+            <a:r>
+              <a:rPr lang="en-US" dirty="0"/>
+              <a:t>FINE MAPPING</a:t>
+            </a:r>
+            <a:endParaRPr lang="en-US" dirty="0"/>
+          </a:p>
+        </p:txBody>
+      </p:sp>
+      <p:sp>
+        <p:nvSpPr>
+          <p:cNvPr id="3" name="Content Placeholder 2"/>
+          <p:cNvSpPr>
+            <a:spLocks noGrp="1"/>
+          </p:cNvSpPr>
+          <p:nvPr>
+            <p:ph sz="quarter" idx="1"/>
+          </p:nvPr>
+        </p:nvSpPr>
+        <p:spPr>
+          <a:xfrm>
+            <a:off x="152400" y="1574800"/>
+            <a:ext cx="8864600" cy="5156200"/>
+          </a:xfrm>
+        </p:spPr>
+        <p:txBody>
+          <a:bodyPr>
+            <a:normAutofit/>
+          </a:bodyPr>
+          <a:lstStyle/>
+          <a:p>
+            <a:pPr marL="0" indent="0" algn="ctr">
+              <a:buNone/>
+            </a:pPr>
+            <a:r>
+              <a:rPr lang="en-US" u="sng" dirty="0" smtClean="0"/>
+              <a:t>Exercise: PAINTOR Analysis</a:t>
+            </a:r>
+          </a:p>
+          <a:p>
+            <a:pPr marL="0" indent="0">
+              <a:buNone/>
+            </a:pPr>
+            <a:r>
+              <a:rPr lang="en-US" sz="2400" dirty="0" smtClean="0">
+                <a:latin typeface="Courier"/>
+                <a:cs typeface="Courier"/>
+              </a:rPr>
+              <a:t># Run PAINTOR on all the loci</a:t>
+            </a:r>
+          </a:p>
+          <a:p>
+            <a:pPr marL="0" indent="0">
+              <a:buNone/>
+            </a:pPr>
+            <a:r>
+              <a:rPr lang="en-US" sz="2400" dirty="0">
+                <a:latin typeface="Courier"/>
+                <a:cs typeface="Courier"/>
+              </a:rPr>
+              <a:t>$ </a:t>
+            </a:r>
+            <a:r>
+              <a:rPr lang="en-US" sz="2400" dirty="0" err="1">
+                <a:latin typeface="Courier"/>
+                <a:cs typeface="Courier"/>
+              </a:rPr>
+              <a:t>paintor</a:t>
+            </a:r>
+            <a:r>
+              <a:rPr lang="en-US" sz="2400" dirty="0">
+                <a:latin typeface="Courier"/>
+                <a:cs typeface="Courier"/>
+              </a:rPr>
+              <a:t> -input input/</a:t>
+            </a:r>
+            <a:r>
+              <a:rPr lang="en-US" sz="2400" dirty="0" err="1">
+                <a:latin typeface="Courier"/>
+                <a:cs typeface="Courier"/>
+              </a:rPr>
+              <a:t>paintor</a:t>
+            </a:r>
+            <a:r>
+              <a:rPr lang="en-US" sz="2400" dirty="0">
+                <a:latin typeface="Courier"/>
+                <a:cs typeface="Courier"/>
+              </a:rPr>
+              <a:t>/</a:t>
+            </a:r>
+            <a:r>
+              <a:rPr lang="en-US" sz="2400" dirty="0" err="1">
+                <a:latin typeface="Courier"/>
+                <a:cs typeface="Courier"/>
+              </a:rPr>
+              <a:t>input.files</a:t>
+            </a:r>
+            <a:r>
+              <a:rPr lang="en-US" sz="2400" dirty="0">
+                <a:latin typeface="Courier"/>
+                <a:cs typeface="Courier"/>
+              </a:rPr>
+              <a:t> </a:t>
+            </a:r>
+            <a:r>
+              <a:rPr lang="en-US" sz="2400" dirty="0" smtClean="0">
+                <a:latin typeface="Courier"/>
+                <a:cs typeface="Courier"/>
+              </a:rPr>
+              <a:t>\</a:t>
+            </a:r>
+          </a:p>
+          <a:p>
+            <a:pPr marL="0" indent="0">
+              <a:buNone/>
+            </a:pPr>
+            <a:r>
+              <a:rPr lang="en-US" sz="2400" dirty="0">
+                <a:latin typeface="Courier"/>
+                <a:cs typeface="Courier"/>
+              </a:rPr>
+              <a:t> </a:t>
+            </a:r>
+            <a:r>
+              <a:rPr lang="en-US" sz="2400" dirty="0" smtClean="0">
+                <a:latin typeface="Courier"/>
+                <a:cs typeface="Courier"/>
+              </a:rPr>
+              <a:t> -</a:t>
+            </a:r>
+            <a:r>
+              <a:rPr lang="en-US" sz="2400" dirty="0">
+                <a:latin typeface="Courier"/>
+                <a:cs typeface="Courier"/>
+              </a:rPr>
+              <a:t>in input/</a:t>
+            </a:r>
+            <a:r>
+              <a:rPr lang="en-US" sz="2400" dirty="0" err="1">
+                <a:latin typeface="Courier"/>
+                <a:cs typeface="Courier"/>
+              </a:rPr>
+              <a:t>paintor</a:t>
+            </a:r>
+            <a:r>
+              <a:rPr lang="en-US" sz="2400" dirty="0">
+                <a:latin typeface="Courier"/>
+                <a:cs typeface="Courier"/>
+              </a:rPr>
+              <a:t> -</a:t>
+            </a:r>
+            <a:r>
+              <a:rPr lang="en-US" sz="2400" dirty="0" err="1">
+                <a:latin typeface="Courier"/>
+                <a:cs typeface="Courier"/>
+              </a:rPr>
+              <a:t>LDname</a:t>
+            </a:r>
+            <a:r>
+              <a:rPr lang="en-US" sz="2400" dirty="0">
+                <a:latin typeface="Courier"/>
+                <a:cs typeface="Courier"/>
+              </a:rPr>
+              <a:t> </a:t>
+            </a:r>
+            <a:r>
+              <a:rPr lang="en-US" sz="2400" dirty="0" err="1">
+                <a:latin typeface="Courier"/>
+                <a:cs typeface="Courier"/>
+              </a:rPr>
+              <a:t>ld</a:t>
+            </a:r>
+            <a:r>
+              <a:rPr lang="en-US" sz="2400" dirty="0">
+                <a:latin typeface="Courier"/>
+                <a:cs typeface="Courier"/>
+              </a:rPr>
+              <a:t> -</a:t>
+            </a:r>
+            <a:r>
+              <a:rPr lang="en-US" sz="2400" dirty="0" err="1">
+                <a:latin typeface="Courier"/>
+                <a:cs typeface="Courier"/>
+              </a:rPr>
+              <a:t>Zhead</a:t>
+            </a:r>
+            <a:r>
+              <a:rPr lang="en-US" sz="2400" dirty="0">
+                <a:latin typeface="Courier"/>
+                <a:cs typeface="Courier"/>
+              </a:rPr>
+              <a:t> </a:t>
+            </a:r>
+            <a:r>
+              <a:rPr lang="en-US" sz="2400" dirty="0" err="1" smtClean="0">
+                <a:latin typeface="Courier"/>
+                <a:cs typeface="Courier"/>
+              </a:rPr>
+              <a:t>Zscore</a:t>
+            </a:r>
+            <a:r>
+              <a:rPr lang="en-US" sz="2400" dirty="0" smtClean="0">
+                <a:latin typeface="Courier"/>
+                <a:cs typeface="Courier"/>
+              </a:rPr>
+              <a:t> \</a:t>
+            </a:r>
+          </a:p>
+          <a:p>
+            <a:pPr marL="0" indent="0">
+              <a:buNone/>
+            </a:pPr>
+            <a:r>
+              <a:rPr lang="en-US" sz="2400" dirty="0">
+                <a:latin typeface="Courier"/>
+                <a:cs typeface="Courier"/>
+              </a:rPr>
+              <a:t> </a:t>
+            </a:r>
+            <a:r>
+              <a:rPr lang="en-US" sz="2400" dirty="0" smtClean="0">
+                <a:latin typeface="Courier"/>
+                <a:cs typeface="Courier"/>
+              </a:rPr>
+              <a:t> -out output</a:t>
+            </a:r>
+          </a:p>
+          <a:p>
+            <a:pPr marL="0" indent="0">
+              <a:buNone/>
+            </a:pPr>
+            <a:endParaRPr lang="en-US" sz="2400" dirty="0">
+              <a:latin typeface="Courier"/>
+              <a:cs typeface="Courier"/>
+            </a:endParaRPr>
+          </a:p>
+        </p:txBody>
+      </p:sp>
+    </p:spTree>
+    <p:extLst>
+      <p:ext uri="{BB962C8B-B14F-4D97-AF65-F5344CB8AC3E}">
+        <p14:creationId xmlns:p14="http://schemas.microsoft.com/office/powerpoint/2010/main" val="956285386"/>
+      </p:ext>
+    </p:extLst>
+  </p:cSld>
+  <p:clrMapOvr>
+    <a:masterClrMapping/>
+  </p:clrMapOvr>
+  <mc:AlternateContent xmlns:mc="http://schemas.openxmlformats.org/markup-compatibility/2006" xmlns:p14="http://schemas.microsoft.com/office/powerpoint/2010/main">
+    <mc:Choice Requires="p14">
+      <p:transition spd="slow" p14:dur="2000"/>
+    </mc:Choice>
+    <mc:Fallback xmlns="">
+      <p:transition xmlns:p14="http://schemas.microsoft.com/office/powerpoint/2010/main" spd="slow"/>
+    </mc:Fallback>
+  </mc:AlternateContent>
+</p:sld>
+</file>
+
+<file path=ppt/slides/slide32.xml><?xml version="1.0" encoding="utf-8"?>
+<p:sld xmlns:a="http://schemas.openxmlformats.org/drawingml/2006/main" xmlns:r="http://schemas.openxmlformats.org/officeDocument/2006/relationships" xmlns:p="http://schemas.openxmlformats.org/presentationml/2006/main">
+  <p:cSld>
+    <p:spTree>
+      <p:nvGrpSpPr>
+        <p:cNvPr id="1" name=""/>
+        <p:cNvGrpSpPr/>
+        <p:nvPr/>
+      </p:nvGrpSpPr>
+      <p:grpSpPr>
+        <a:xfrm>
+          <a:off x="0" y="0"/>
+          <a:ext cx="0" cy="0"/>
+          <a:chOff x="0" y="0"/>
+          <a:chExt cx="0" cy="0"/>
+        </a:xfrm>
+      </p:grpSpPr>
+      <p:sp>
+        <p:nvSpPr>
+          <p:cNvPr id="2" name="Title 1"/>
+          <p:cNvSpPr>
+            <a:spLocks noGrp="1"/>
+          </p:cNvSpPr>
+          <p:nvPr>
+            <p:ph type="title"/>
+          </p:nvPr>
+        </p:nvSpPr>
+        <p:spPr/>
+        <p:txBody>
+          <a:bodyPr>
+            <a:normAutofit/>
+          </a:bodyPr>
+          <a:lstStyle/>
+          <a:p>
+            <a:pPr algn="ctr"/>
+            <a:r>
+              <a:rPr lang="en-US" dirty="0"/>
+              <a:t>FINE MAPPING</a:t>
+            </a:r>
+            <a:endParaRPr lang="en-US" dirty="0"/>
+          </a:p>
+        </p:txBody>
+      </p:sp>
+      <p:sp>
+        <p:nvSpPr>
+          <p:cNvPr id="3" name="Content Placeholder 2"/>
+          <p:cNvSpPr>
+            <a:spLocks noGrp="1"/>
+          </p:cNvSpPr>
+          <p:nvPr>
+            <p:ph sz="quarter" idx="1"/>
+          </p:nvPr>
+        </p:nvSpPr>
+        <p:spPr>
+          <a:xfrm>
+            <a:off x="152400" y="1574800"/>
+            <a:ext cx="8864600" cy="5156200"/>
+          </a:xfrm>
+        </p:spPr>
+        <p:txBody>
+          <a:bodyPr>
+            <a:normAutofit fontScale="92500" lnSpcReduction="10000"/>
+          </a:bodyPr>
+          <a:lstStyle/>
+          <a:p>
+            <a:pPr marL="0" indent="0" algn="ctr">
+              <a:buNone/>
+            </a:pPr>
+            <a:r>
+              <a:rPr lang="en-US" u="sng" dirty="0" smtClean="0"/>
+              <a:t>Exercise: PAINTOR Analysis</a:t>
+            </a:r>
+          </a:p>
+          <a:p>
+            <a:pPr marL="0" indent="0">
+              <a:buNone/>
+            </a:pPr>
+            <a:r>
+              <a:rPr lang="en-US" sz="2400" dirty="0" smtClean="0">
+                <a:latin typeface="Courier"/>
+                <a:cs typeface="Courier"/>
+              </a:rPr>
+              <a:t># Now we'll visualize the output. We'll use a</a:t>
+            </a:r>
+          </a:p>
+          <a:p>
+            <a:pPr marL="0" indent="0">
+              <a:buNone/>
+            </a:pPr>
+            <a:r>
+              <a:rPr lang="en-US" sz="2400" dirty="0" smtClean="0">
+                <a:latin typeface="Courier"/>
+                <a:cs typeface="Courier"/>
+              </a:rPr>
+              <a:t># more interesting example here. We'll use a</a:t>
+            </a:r>
+          </a:p>
+          <a:p>
+            <a:pPr marL="0" indent="0">
+              <a:buNone/>
+            </a:pPr>
+            <a:r>
+              <a:rPr lang="en-US" sz="2400" dirty="0" smtClean="0">
+                <a:latin typeface="Courier"/>
+                <a:cs typeface="Courier"/>
+              </a:rPr>
+              <a:t># liver histone mark as the functional</a:t>
+            </a:r>
+          </a:p>
+          <a:p>
+            <a:pPr marL="0" indent="0">
+              <a:buNone/>
+            </a:pPr>
+            <a:r>
+              <a:rPr lang="en-US" sz="2400" dirty="0" smtClean="0">
+                <a:latin typeface="Courier"/>
+                <a:cs typeface="Courier"/>
+              </a:rPr>
+              <a:t># annotation.</a:t>
+            </a:r>
+          </a:p>
+          <a:p>
+            <a:pPr marL="0" indent="0">
+              <a:buNone/>
+            </a:pPr>
+            <a:r>
+              <a:rPr lang="en-US" sz="2400" dirty="0">
+                <a:latin typeface="Courier"/>
+                <a:cs typeface="Courier"/>
+              </a:rPr>
+              <a:t>$ python scripts/</a:t>
+            </a:r>
+            <a:r>
+              <a:rPr lang="en-US" sz="2400" dirty="0" err="1">
+                <a:latin typeface="Courier"/>
+                <a:cs typeface="Courier"/>
+              </a:rPr>
+              <a:t>CANVIS.py</a:t>
+            </a:r>
+            <a:r>
+              <a:rPr lang="en-US" sz="2400" dirty="0">
+                <a:latin typeface="Courier"/>
+                <a:cs typeface="Courier"/>
+              </a:rPr>
+              <a:t> </a:t>
+            </a:r>
+            <a:r>
+              <a:rPr lang="en-US" sz="2400" dirty="0" smtClean="0">
+                <a:latin typeface="Courier"/>
+                <a:cs typeface="Courier"/>
+              </a:rPr>
+              <a:t>\</a:t>
+            </a:r>
+          </a:p>
+          <a:p>
+            <a:pPr marL="0" indent="0">
+              <a:buNone/>
+            </a:pPr>
+            <a:r>
+              <a:rPr lang="en-US" sz="2400" dirty="0">
+                <a:latin typeface="Courier"/>
+                <a:cs typeface="Courier"/>
+              </a:rPr>
+              <a:t> </a:t>
+            </a:r>
+            <a:r>
+              <a:rPr lang="en-US" sz="2400" dirty="0" smtClean="0">
+                <a:latin typeface="Courier"/>
+                <a:cs typeface="Courier"/>
+              </a:rPr>
+              <a:t> -o output/</a:t>
+            </a:r>
+            <a:r>
+              <a:rPr lang="en-US" sz="2400" dirty="0" err="1" smtClean="0">
+                <a:latin typeface="Courier"/>
+                <a:cs typeface="Courier"/>
+              </a:rPr>
+              <a:t>canvis_output.svg</a:t>
+            </a:r>
+            <a:r>
+              <a:rPr lang="en-US" sz="2400" dirty="0" smtClean="0">
+                <a:latin typeface="Courier"/>
+                <a:cs typeface="Courier"/>
+              </a:rPr>
+              <a:t> \</a:t>
+            </a:r>
+          </a:p>
+          <a:p>
+            <a:pPr marL="0" indent="0">
+              <a:buNone/>
+            </a:pPr>
+            <a:r>
+              <a:rPr lang="en-US" sz="2400" dirty="0" smtClean="0">
+                <a:latin typeface="Courier"/>
+                <a:cs typeface="Courier"/>
+              </a:rPr>
+              <a:t>  -</a:t>
+            </a:r>
+            <a:r>
+              <a:rPr lang="en-US" sz="2400" dirty="0">
+                <a:latin typeface="Courier"/>
+                <a:cs typeface="Courier"/>
+              </a:rPr>
+              <a:t>l input/</a:t>
+            </a:r>
+            <a:r>
+              <a:rPr lang="en-US" sz="2400" dirty="0" err="1">
+                <a:latin typeface="Courier"/>
+                <a:cs typeface="Courier"/>
+              </a:rPr>
+              <a:t>CANvis_Sample</a:t>
+            </a:r>
+            <a:r>
+              <a:rPr lang="en-US" sz="2400" dirty="0">
+                <a:latin typeface="Courier"/>
+                <a:cs typeface="Courier"/>
+              </a:rPr>
+              <a:t>/chr4</a:t>
+            </a:r>
+            <a:r>
+              <a:rPr lang="en-US" sz="2400" dirty="0" smtClean="0">
+                <a:latin typeface="Courier"/>
+                <a:cs typeface="Courier"/>
+              </a:rPr>
+              <a:t>.rs6831256.post \</a:t>
+            </a:r>
+          </a:p>
+          <a:p>
+            <a:pPr marL="0" indent="0">
+              <a:buNone/>
+            </a:pPr>
+            <a:r>
+              <a:rPr lang="en-US" sz="2400" dirty="0">
+                <a:latin typeface="Courier"/>
+                <a:cs typeface="Courier"/>
+              </a:rPr>
+              <a:t> </a:t>
+            </a:r>
+            <a:r>
+              <a:rPr lang="en-US" sz="2400" dirty="0" smtClean="0">
+                <a:latin typeface="Courier"/>
+                <a:cs typeface="Courier"/>
+              </a:rPr>
+              <a:t> -</a:t>
+            </a:r>
+            <a:r>
+              <a:rPr lang="en-US" sz="2400" dirty="0">
+                <a:latin typeface="Courier"/>
+                <a:cs typeface="Courier"/>
+              </a:rPr>
+              <a:t>z </a:t>
+            </a:r>
+            <a:r>
+              <a:rPr lang="en-US" sz="2400" dirty="0" err="1">
+                <a:latin typeface="Courier"/>
+                <a:cs typeface="Courier"/>
+              </a:rPr>
+              <a:t>ldl.Zscore</a:t>
+            </a:r>
+            <a:r>
+              <a:rPr lang="en-US" sz="2400" dirty="0">
+                <a:latin typeface="Courier"/>
+                <a:cs typeface="Courier"/>
+              </a:rPr>
+              <a:t> </a:t>
+            </a:r>
+            <a:r>
+              <a:rPr lang="en-US" sz="2400" dirty="0" smtClean="0">
+                <a:latin typeface="Courier"/>
+                <a:cs typeface="Courier"/>
+              </a:rPr>
+              <a:t>\</a:t>
+            </a:r>
+          </a:p>
+          <a:p>
+            <a:pPr marL="0" indent="0">
+              <a:buNone/>
+            </a:pPr>
+            <a:r>
+              <a:rPr lang="en-US" sz="2400" dirty="0">
+                <a:latin typeface="Courier"/>
+                <a:cs typeface="Courier"/>
+              </a:rPr>
+              <a:t> </a:t>
+            </a:r>
+            <a:r>
+              <a:rPr lang="en-US" sz="2400" dirty="0" smtClean="0">
+                <a:latin typeface="Courier"/>
+                <a:cs typeface="Courier"/>
+              </a:rPr>
+              <a:t> -</a:t>
+            </a:r>
+            <a:r>
+              <a:rPr lang="en-US" sz="2400" dirty="0">
+                <a:latin typeface="Courier"/>
+                <a:cs typeface="Courier"/>
+              </a:rPr>
+              <a:t>r input/</a:t>
+            </a:r>
+            <a:r>
+              <a:rPr lang="en-US" sz="2400" dirty="0" err="1">
+                <a:latin typeface="Courier"/>
+                <a:cs typeface="Courier"/>
+              </a:rPr>
+              <a:t>CANvis_Sample</a:t>
+            </a:r>
+            <a:r>
+              <a:rPr lang="en-US" sz="2400" dirty="0">
+                <a:latin typeface="Courier"/>
+                <a:cs typeface="Courier"/>
+              </a:rPr>
+              <a:t>/chr4</a:t>
+            </a:r>
+            <a:r>
+              <a:rPr lang="en-US" sz="2400" dirty="0" smtClean="0">
+                <a:latin typeface="Courier"/>
+                <a:cs typeface="Courier"/>
+              </a:rPr>
+              <a:t>.rs6831256</a:t>
+            </a:r>
+            <a:r>
+              <a:rPr lang="en-US" sz="2400" dirty="0">
+                <a:latin typeface="Courier"/>
+                <a:cs typeface="Courier"/>
+              </a:rPr>
+              <a:t>.</a:t>
+            </a:r>
+            <a:r>
+              <a:rPr lang="en-US" sz="2400" dirty="0" smtClean="0">
+                <a:latin typeface="Courier"/>
+                <a:cs typeface="Courier"/>
+              </a:rPr>
+              <a:t>ld \</a:t>
+            </a:r>
+          </a:p>
+          <a:p>
+            <a:pPr marL="0" indent="0">
+              <a:buNone/>
+            </a:pPr>
+            <a:r>
+              <a:rPr lang="en-US" sz="2400" dirty="0" smtClean="0">
+                <a:latin typeface="Courier"/>
+                <a:cs typeface="Courier"/>
+              </a:rPr>
+              <a:t>  -</a:t>
+            </a:r>
+            <a:r>
+              <a:rPr lang="en-US" sz="2400" dirty="0">
+                <a:latin typeface="Courier"/>
+                <a:cs typeface="Courier"/>
+              </a:rPr>
+              <a:t>a input/</a:t>
+            </a:r>
+            <a:r>
+              <a:rPr lang="en-US" sz="2400" dirty="0" err="1">
+                <a:latin typeface="Courier"/>
+                <a:cs typeface="Courier"/>
+              </a:rPr>
+              <a:t>CANvis_Sample</a:t>
+            </a:r>
+            <a:r>
+              <a:rPr lang="en-US" sz="2400" dirty="0">
+                <a:latin typeface="Courier"/>
+                <a:cs typeface="Courier"/>
+              </a:rPr>
+              <a:t>/</a:t>
+            </a:r>
+            <a:r>
+              <a:rPr lang="en-US" sz="2400" dirty="0" smtClean="0">
+                <a:latin typeface="Courier"/>
+                <a:cs typeface="Courier"/>
+              </a:rPr>
+              <a:t>chr4.rs6831256</a:t>
+            </a:r>
+            <a:r>
+              <a:rPr lang="en-US" sz="2400" dirty="0">
+                <a:latin typeface="Courier"/>
+                <a:cs typeface="Courier"/>
+              </a:rPr>
+              <a:t>.</a:t>
+            </a:r>
+            <a:r>
+              <a:rPr lang="en-US" sz="2400" dirty="0" smtClean="0">
+                <a:latin typeface="Courier"/>
+                <a:cs typeface="Courier"/>
+              </a:rPr>
+              <a:t>annot \</a:t>
+            </a:r>
+          </a:p>
+          <a:p>
+            <a:pPr marL="0" indent="0">
+              <a:buNone/>
+            </a:pPr>
+            <a:r>
+              <a:rPr lang="en-US" sz="2400" dirty="0">
+                <a:latin typeface="Courier"/>
+                <a:cs typeface="Courier"/>
+              </a:rPr>
+              <a:t> </a:t>
+            </a:r>
+            <a:r>
+              <a:rPr lang="en-US" sz="2400" dirty="0" smtClean="0">
+                <a:latin typeface="Courier"/>
+                <a:cs typeface="Courier"/>
+              </a:rPr>
+              <a:t> -</a:t>
+            </a:r>
+            <a:r>
+              <a:rPr lang="en-US" sz="2400" dirty="0">
+                <a:latin typeface="Courier"/>
+                <a:cs typeface="Courier"/>
+              </a:rPr>
+              <a:t>s E066.H3K27ac.narrowPeak.Adult_Liver</a:t>
+            </a:r>
+            <a:endParaRPr lang="en-US" sz="2400" dirty="0" smtClean="0">
+              <a:latin typeface="Courier"/>
+              <a:cs typeface="Courier"/>
+            </a:endParaRPr>
+          </a:p>
+          <a:p>
+            <a:pPr marL="0" indent="0">
+              <a:buNone/>
+            </a:pPr>
+            <a:endParaRPr lang="en-US" sz="2400" dirty="0">
+              <a:latin typeface="Courier"/>
+              <a:cs typeface="Courier"/>
+            </a:endParaRPr>
+          </a:p>
+        </p:txBody>
+      </p:sp>
+    </p:spTree>
+    <p:extLst>
+      <p:ext uri="{BB962C8B-B14F-4D97-AF65-F5344CB8AC3E}">
+        <p14:creationId xmlns:p14="http://schemas.microsoft.com/office/powerpoint/2010/main" val="520868354"/>
       </p:ext>
     </p:extLst>
   </p:cSld>
@@ -4365,7 +10448,7 @@
         </p:spPr>
         <p:txBody>
           <a:bodyPr>
-            <a:normAutofit fontScale="92500" lnSpcReduction="10000"/>
+            <a:normAutofit/>
           </a:bodyPr>
           <a:lstStyle/>
           <a:p>
@@ -4374,468 +10457,76 @@
             </a:pPr>
             <a:r>
               <a:rPr lang="en-US" u="sng" dirty="0" smtClean="0"/>
-              <a:t>Exercise: Add SNP Annotations with </a:t>
-            </a:r>
-            <a:r>
-              <a:rPr lang="en-US" u="sng" dirty="0" err="1" smtClean="0"/>
-              <a:t>BCFTools</a:t>
-            </a:r>
-            <a:endParaRPr lang="en-US" dirty="0" smtClean="0">
-              <a:latin typeface="Courier"/>
-              <a:cs typeface="Courier"/>
-            </a:endParaRPr>
-          </a:p>
-          <a:p>
-            <a:pPr marL="0" indent="0">
-              <a:buNone/>
-            </a:pPr>
-            <a:r>
-              <a:rPr lang="en-US" sz="2400" dirty="0" smtClean="0">
-                <a:latin typeface="Courier"/>
-                <a:cs typeface="Courier"/>
-              </a:rPr>
-              <a:t># </a:t>
-            </a:r>
-            <a:r>
-              <a:rPr lang="en-US" sz="2400" dirty="0" err="1" smtClean="0">
-                <a:latin typeface="Courier"/>
-                <a:cs typeface="Courier"/>
-              </a:rPr>
-              <a:t>BCFTools</a:t>
-            </a:r>
-            <a:r>
-              <a:rPr lang="en-US" sz="2400" dirty="0" smtClean="0">
-                <a:latin typeface="Courier"/>
-                <a:cs typeface="Courier"/>
-              </a:rPr>
-              <a:t> requires a compressed, indexed VCF</a:t>
-            </a:r>
-          </a:p>
-          <a:p>
-            <a:pPr marL="0" indent="0">
-              <a:buNone/>
-            </a:pPr>
-            <a:r>
-              <a:rPr lang="en-US" sz="2400" dirty="0" smtClean="0">
-                <a:latin typeface="Courier"/>
-                <a:cs typeface="Courier"/>
-              </a:rPr>
-              <a:t># like we have been making. You can use</a:t>
-            </a:r>
-          </a:p>
-          <a:p>
-            <a:pPr marL="0" indent="0">
-              <a:buNone/>
-            </a:pPr>
-            <a:r>
-              <a:rPr lang="en-US" sz="2400" dirty="0" smtClean="0">
-                <a:latin typeface="Courier"/>
-                <a:cs typeface="Courier"/>
-              </a:rPr>
-              <a:t># </a:t>
-            </a:r>
-            <a:r>
-              <a:rPr lang="en-US" sz="2400" dirty="0" err="1" smtClean="0">
-                <a:latin typeface="Courier"/>
-                <a:cs typeface="Courier"/>
-              </a:rPr>
-              <a:t>BCFTools</a:t>
-            </a:r>
-            <a:r>
-              <a:rPr lang="en-US" sz="2400" dirty="0" smtClean="0">
-                <a:latin typeface="Courier"/>
-                <a:cs typeface="Courier"/>
-              </a:rPr>
-              <a:t> rather than </a:t>
-            </a:r>
-            <a:r>
-              <a:rPr lang="en-US" sz="2400" dirty="0" err="1" smtClean="0">
-                <a:latin typeface="Courier"/>
-                <a:cs typeface="Courier"/>
-              </a:rPr>
-              <a:t>tabix</a:t>
-            </a:r>
-            <a:r>
-              <a:rPr lang="en-US" sz="2400" dirty="0" smtClean="0">
-                <a:latin typeface="Courier"/>
-                <a:cs typeface="Courier"/>
-              </a:rPr>
-              <a:t> to make the index</a:t>
-            </a:r>
-          </a:p>
-          <a:p>
-            <a:pPr marL="0" indent="0">
-              <a:buNone/>
-            </a:pPr>
-            <a:r>
-              <a:rPr lang="en-US" sz="2400" dirty="0" smtClean="0">
-                <a:latin typeface="Courier"/>
-                <a:cs typeface="Courier"/>
-              </a:rPr>
-              <a:t>$ </a:t>
-            </a:r>
-            <a:r>
-              <a:rPr lang="en-US" sz="2400" dirty="0" err="1" smtClean="0">
-                <a:latin typeface="Courier"/>
-                <a:cs typeface="Courier"/>
-              </a:rPr>
-              <a:t>bcftools</a:t>
-            </a:r>
-            <a:r>
-              <a:rPr lang="en-US" sz="2400" dirty="0" smtClean="0">
-                <a:latin typeface="Courier"/>
-                <a:cs typeface="Courier"/>
-              </a:rPr>
-              <a:t> index </a:t>
-            </a:r>
-            <a:r>
-              <a:rPr lang="en-US" sz="2400" i="1" dirty="0" err="1" smtClean="0">
-                <a:latin typeface="Courier"/>
-                <a:cs typeface="Courier"/>
-              </a:rPr>
-              <a:t>VCF_FILE.gz</a:t>
-            </a:r>
-            <a:endParaRPr lang="en-US" sz="2400" dirty="0" smtClean="0">
-              <a:latin typeface="Courier"/>
-              <a:cs typeface="Courier"/>
-            </a:endParaRPr>
-          </a:p>
-          <a:p>
-            <a:pPr marL="0" indent="0">
-              <a:buNone/>
-            </a:pPr>
-            <a:r>
-              <a:rPr lang="en-US" sz="2400" dirty="0" smtClean="0">
-                <a:latin typeface="Courier"/>
-                <a:cs typeface="Courier"/>
-              </a:rPr>
-              <a:t># Add any missing SNP IDs from </a:t>
-            </a:r>
-            <a:r>
-              <a:rPr lang="en-US" sz="2400" dirty="0" err="1" smtClean="0">
-                <a:latin typeface="Courier"/>
-                <a:cs typeface="Courier"/>
-              </a:rPr>
-              <a:t>dbSNP</a:t>
-            </a:r>
-            <a:r>
-              <a:rPr lang="en-US" sz="2400" dirty="0" smtClean="0">
-                <a:latin typeface="Courier"/>
-                <a:cs typeface="Courier"/>
-              </a:rPr>
-              <a:t> (</a:t>
-            </a:r>
-            <a:r>
-              <a:rPr lang="en-US" sz="2400" dirty="0" err="1" smtClean="0">
-                <a:latin typeface="Courier"/>
-                <a:cs typeface="Courier"/>
-              </a:rPr>
-              <a:t>rs</a:t>
-            </a:r>
-            <a:r>
-              <a:rPr lang="en-US" sz="2400" dirty="0" smtClean="0">
-                <a:latin typeface="Courier"/>
-                <a:cs typeface="Courier"/>
-              </a:rPr>
-              <a:t> IDs)</a:t>
-            </a:r>
-          </a:p>
-          <a:p>
-            <a:pPr marL="0" indent="0">
-              <a:buNone/>
-            </a:pPr>
-            <a:r>
-              <a:rPr lang="en-US" sz="2400" dirty="0" smtClean="0">
-                <a:latin typeface="Courier"/>
-                <a:cs typeface="Courier"/>
-              </a:rPr>
-              <a:t>$ </a:t>
-            </a:r>
-            <a:r>
-              <a:rPr lang="en-US" sz="2400" dirty="0" err="1" smtClean="0">
-                <a:latin typeface="Courier"/>
-                <a:cs typeface="Courier"/>
-              </a:rPr>
-              <a:t>bcftools</a:t>
-            </a:r>
-            <a:r>
-              <a:rPr lang="en-US" sz="2400" dirty="0" smtClean="0">
-                <a:latin typeface="Courier"/>
-                <a:cs typeface="Courier"/>
-              </a:rPr>
-              <a:t> annotate -c ID -Oz \</a:t>
-            </a:r>
-          </a:p>
-          <a:p>
-            <a:pPr marL="0" indent="0">
-              <a:buNone/>
-            </a:pPr>
-            <a:r>
-              <a:rPr lang="en-US" sz="2400" dirty="0" smtClean="0">
-                <a:latin typeface="Courier"/>
-                <a:cs typeface="Courier"/>
-              </a:rPr>
-              <a:t>-a resources/</a:t>
-            </a:r>
-            <a:r>
-              <a:rPr lang="en-US" sz="2400" dirty="0" err="1" smtClean="0">
-                <a:latin typeface="Courier"/>
-                <a:cs typeface="Courier"/>
-              </a:rPr>
-              <a:t>annotations.vcf.gz</a:t>
-            </a:r>
-            <a:r>
-              <a:rPr lang="en-US" sz="2400" dirty="0" smtClean="0">
-                <a:latin typeface="Courier"/>
-                <a:cs typeface="Courier"/>
-              </a:rPr>
-              <a:t> \</a:t>
-            </a:r>
-          </a:p>
-          <a:p>
-            <a:pPr marL="0" indent="0">
-              <a:buNone/>
-            </a:pPr>
-            <a:r>
-              <a:rPr lang="en-US" sz="2400" dirty="0" smtClean="0">
-                <a:latin typeface="Courier"/>
-                <a:cs typeface="Courier"/>
-              </a:rPr>
-              <a:t>output/</a:t>
-            </a:r>
-            <a:r>
-              <a:rPr lang="en-US" sz="2400" dirty="0" err="1" smtClean="0">
-                <a:latin typeface="Courier"/>
-                <a:cs typeface="Courier"/>
-              </a:rPr>
-              <a:t>variant_calls.vcf</a:t>
-            </a:r>
-            <a:r>
-              <a:rPr lang="en-US" sz="2400" dirty="0" err="1">
-                <a:latin typeface="Courier"/>
-                <a:cs typeface="Courier"/>
-              </a:rPr>
-              <a:t>.</a:t>
-            </a:r>
-            <a:r>
-              <a:rPr lang="en-US" sz="2400" dirty="0" err="1" smtClean="0">
-                <a:latin typeface="Courier"/>
-                <a:cs typeface="Courier"/>
-              </a:rPr>
-              <a:t>gz</a:t>
-            </a:r>
-            <a:r>
-              <a:rPr lang="en-US" sz="2400" dirty="0" smtClean="0">
-                <a:latin typeface="Courier"/>
-                <a:cs typeface="Courier"/>
-              </a:rPr>
-              <a:t> &gt; output/</a:t>
-            </a:r>
-            <a:r>
-              <a:rPr lang="en-US" sz="2400" dirty="0" err="1" smtClean="0">
-                <a:latin typeface="Courier"/>
-                <a:cs typeface="Courier"/>
-              </a:rPr>
-              <a:t>annot.vcf.gz</a:t>
-            </a:r>
-            <a:endParaRPr lang="en-US" sz="2400" dirty="0" smtClean="0">
-              <a:latin typeface="Courier"/>
-              <a:cs typeface="Courier"/>
-            </a:endParaRPr>
-          </a:p>
-          <a:p>
-            <a:pPr marL="0" indent="0">
-              <a:buNone/>
-            </a:pPr>
-            <a:r>
-              <a:rPr lang="en-US" sz="2400" dirty="0" smtClean="0">
-                <a:latin typeface="Courier"/>
-                <a:cs typeface="Courier"/>
-              </a:rPr>
-              <a:t># Compare the annotated and </a:t>
-            </a:r>
-            <a:r>
-              <a:rPr lang="en-US" sz="2400" dirty="0" err="1" smtClean="0">
-                <a:latin typeface="Courier"/>
-                <a:cs typeface="Courier"/>
-              </a:rPr>
-              <a:t>unannotated</a:t>
-            </a:r>
-            <a:r>
-              <a:rPr lang="en-US" sz="2400" dirty="0" smtClean="0">
-                <a:latin typeface="Courier"/>
-                <a:cs typeface="Courier"/>
-              </a:rPr>
-              <a:t> VCFs</a:t>
-            </a:r>
-          </a:p>
-          <a:p>
-            <a:pPr marL="0" indent="0">
-              <a:buNone/>
-            </a:pPr>
-            <a:r>
-              <a:rPr lang="en-US" sz="2400" dirty="0" smtClean="0">
-                <a:latin typeface="Courier"/>
-                <a:cs typeface="Courier"/>
-              </a:rPr>
-              <a:t>$ </a:t>
-            </a:r>
-            <a:r>
-              <a:rPr lang="en-US" sz="2400" dirty="0" err="1" smtClean="0">
-                <a:latin typeface="Courier"/>
-                <a:cs typeface="Courier"/>
-              </a:rPr>
-              <a:t>zcat</a:t>
-            </a:r>
-            <a:r>
-              <a:rPr lang="en-US" sz="2400" dirty="0" smtClean="0">
-                <a:latin typeface="Courier"/>
-                <a:cs typeface="Courier"/>
-              </a:rPr>
-              <a:t> </a:t>
-            </a:r>
-            <a:r>
-              <a:rPr lang="en-US" sz="2400" dirty="0">
-                <a:latin typeface="Courier"/>
-                <a:cs typeface="Courier"/>
-              </a:rPr>
-              <a:t>output/</a:t>
-            </a:r>
-            <a:r>
-              <a:rPr lang="en-US" sz="2400" dirty="0" err="1">
-                <a:latin typeface="Courier"/>
-                <a:cs typeface="Courier"/>
-              </a:rPr>
-              <a:t>variant_calls.vcf.gz</a:t>
-            </a:r>
-            <a:r>
-              <a:rPr lang="en-US" sz="2400" dirty="0">
-                <a:latin typeface="Courier"/>
-                <a:cs typeface="Courier"/>
-              </a:rPr>
-              <a:t> </a:t>
-            </a:r>
-            <a:r>
-              <a:rPr lang="en-US" sz="2400" dirty="0" smtClean="0">
-                <a:latin typeface="Courier"/>
-                <a:cs typeface="Courier"/>
-              </a:rPr>
-              <a:t>|</a:t>
-            </a:r>
-            <a:r>
-              <a:rPr lang="en-US" sz="2400" dirty="0" err="1" smtClean="0">
-                <a:latin typeface="Courier"/>
-                <a:cs typeface="Courier"/>
-              </a:rPr>
-              <a:t>grep</a:t>
-            </a:r>
-            <a:r>
-              <a:rPr lang="en-US" sz="2400" dirty="0" smtClean="0">
-                <a:latin typeface="Courier"/>
-                <a:cs typeface="Courier"/>
-              </a:rPr>
-              <a:t> -P '</a:t>
-            </a:r>
-            <a:r>
-              <a:rPr lang="en-US" sz="2400" dirty="0" err="1" smtClean="0">
-                <a:latin typeface="Courier"/>
-                <a:cs typeface="Courier"/>
-              </a:rPr>
-              <a:t>rs</a:t>
-            </a:r>
-            <a:r>
-              <a:rPr lang="en-US" sz="2400" dirty="0" smtClean="0">
-                <a:latin typeface="Courier"/>
-                <a:cs typeface="Courier"/>
-              </a:rPr>
-              <a:t>\d+'</a:t>
-            </a:r>
-          </a:p>
-          <a:p>
-            <a:pPr marL="0" indent="0">
-              <a:buNone/>
-            </a:pPr>
-            <a:r>
-              <a:rPr lang="en-US" sz="2400" dirty="0" smtClean="0">
-                <a:latin typeface="Courier"/>
-                <a:cs typeface="Courier"/>
-              </a:rPr>
-              <a:t>$ </a:t>
-            </a:r>
-            <a:r>
-              <a:rPr lang="en-US" sz="2400" dirty="0" err="1" smtClean="0">
-                <a:latin typeface="Courier"/>
-                <a:cs typeface="Courier"/>
-              </a:rPr>
-              <a:t>zcat</a:t>
-            </a:r>
-            <a:r>
-              <a:rPr lang="en-US" sz="2400" dirty="0" smtClean="0">
-                <a:latin typeface="Courier"/>
-                <a:cs typeface="Courier"/>
-              </a:rPr>
-              <a:t> </a:t>
-            </a:r>
-            <a:r>
-              <a:rPr lang="en-US" sz="2400" dirty="0">
-                <a:latin typeface="Courier"/>
-                <a:cs typeface="Courier"/>
-              </a:rPr>
-              <a:t>output/</a:t>
-            </a:r>
-            <a:r>
-              <a:rPr lang="en-US" sz="2400" dirty="0" err="1" smtClean="0">
-                <a:latin typeface="Courier"/>
-                <a:cs typeface="Courier"/>
-              </a:rPr>
-              <a:t>annot.vcf.gz</a:t>
-            </a:r>
-            <a:r>
-              <a:rPr lang="en-US" sz="2400" dirty="0" smtClean="0">
-                <a:latin typeface="Courier"/>
-                <a:cs typeface="Courier"/>
-              </a:rPr>
-              <a:t> | </a:t>
-            </a:r>
-            <a:r>
-              <a:rPr lang="en-US" sz="2400" dirty="0" err="1" smtClean="0">
-                <a:latin typeface="Courier"/>
-                <a:cs typeface="Courier"/>
-              </a:rPr>
-              <a:t>grep</a:t>
-            </a:r>
-            <a:r>
-              <a:rPr lang="en-US" sz="2400" dirty="0" smtClean="0">
-                <a:latin typeface="Courier"/>
-                <a:cs typeface="Courier"/>
-              </a:rPr>
-              <a:t> -P '</a:t>
-            </a:r>
-            <a:r>
-              <a:rPr lang="en-US" sz="2400" dirty="0" err="1" smtClean="0">
-                <a:latin typeface="Courier"/>
-                <a:cs typeface="Courier"/>
-              </a:rPr>
-              <a:t>rs</a:t>
-            </a:r>
-            <a:r>
-              <a:rPr lang="en-US" sz="2400" dirty="0" smtClean="0">
-                <a:latin typeface="Courier"/>
-                <a:cs typeface="Courier"/>
-              </a:rPr>
-              <a:t>\d+'</a:t>
-            </a:r>
-            <a:endParaRPr lang="en-US" sz="2400" dirty="0">
-              <a:latin typeface="Courier"/>
-              <a:cs typeface="Courier"/>
-            </a:endParaRPr>
+              <a:t>Types of Annotations</a:t>
+            </a:r>
+            <a:endParaRPr lang="en-US" u="sng" dirty="0" smtClean="0"/>
+          </a:p>
+          <a:p>
+            <a:r>
+              <a:rPr lang="en-US" dirty="0" smtClean="0"/>
+              <a:t>Conservation</a:t>
+            </a:r>
+          </a:p>
+          <a:p>
+            <a:pPr lvl="1"/>
+            <a:r>
+              <a:rPr lang="en-US" dirty="0" err="1" smtClean="0"/>
+              <a:t>phastCons</a:t>
+            </a:r>
+            <a:r>
+              <a:rPr lang="en-US" dirty="0" smtClean="0"/>
+              <a:t>, </a:t>
+            </a:r>
+            <a:r>
+              <a:rPr lang="en-US" dirty="0" err="1" smtClean="0"/>
+              <a:t>phyloP</a:t>
+            </a:r>
+            <a:endParaRPr lang="en-US" dirty="0" smtClean="0"/>
+          </a:p>
+          <a:p>
+            <a:r>
+              <a:rPr lang="en-US" dirty="0" smtClean="0"/>
+              <a:t>Chromatin state (cell type-specific)</a:t>
+            </a:r>
+          </a:p>
+          <a:p>
+            <a:pPr lvl="1"/>
+            <a:r>
+              <a:rPr lang="en-US" dirty="0" smtClean="0"/>
+              <a:t>Promoter</a:t>
+            </a:r>
+          </a:p>
+          <a:p>
+            <a:pPr lvl="1"/>
+            <a:r>
+              <a:rPr lang="en-US" dirty="0" smtClean="0"/>
+              <a:t>Enhancer</a:t>
+            </a:r>
+          </a:p>
+          <a:p>
+            <a:pPr lvl="1"/>
+            <a:r>
+              <a:rPr lang="en-US" dirty="0" smtClean="0"/>
+              <a:t>Transcribed</a:t>
+            </a:r>
+          </a:p>
+          <a:p>
+            <a:pPr lvl="1"/>
+            <a:r>
+              <a:rPr lang="en-US" dirty="0" smtClean="0"/>
+              <a:t>Repressed</a:t>
+            </a:r>
+            <a:endParaRPr lang="en-US" dirty="0" smtClean="0"/>
+          </a:p>
+          <a:p>
+            <a:endParaRPr lang="en-US" dirty="0" smtClean="0"/>
           </a:p>
         </p:txBody>
       </p:sp>
     </p:spTree>
     <p:extLst>
       <p:ext uri="{BB962C8B-B14F-4D97-AF65-F5344CB8AC3E}">
-        <p14:creationId xmlns:p14="http://schemas.microsoft.com/office/powerpoint/2010/main" val="2865951318"/>
+        <p14:creationId xmlns:p14="http://schemas.microsoft.com/office/powerpoint/2010/main" val="1346094802"/>
       </p:ext>
     </p:extLst>
   </p:cSld>
@@ -4922,101 +10613,134 @@
               <a:buNone/>
             </a:pPr>
             <a:r>
-              <a:rPr lang="en-US" u="sng" dirty="0" err="1" smtClean="0"/>
-              <a:t>BEDTools</a:t>
+              <a:rPr lang="en-US" u="sng" dirty="0" smtClean="0"/>
+              <a:t>Types of Annotations</a:t>
             </a:r>
             <a:endParaRPr lang="en-US" u="sng" dirty="0" smtClean="0"/>
           </a:p>
           <a:p>
             <a:r>
               <a:rPr lang="en-US" dirty="0" smtClean="0"/>
-              <a:t>Library of tools for working with BED files</a:t>
-            </a:r>
-          </a:p>
-          <a:p>
-            <a:r>
-              <a:rPr lang="en-US" dirty="0" smtClean="0"/>
-              <a:t>BED files define genomic regions</a:t>
+              <a:t>Overlapping features</a:t>
             </a:r>
           </a:p>
           <a:p>
             <a:pPr lvl="1"/>
             <a:r>
               <a:rPr lang="en-US" dirty="0" smtClean="0"/>
-              <a:t>Simplest is 3-column format: </a:t>
-            </a:r>
-            <a:r>
-              <a:rPr lang="en-US" sz="2000" dirty="0" smtClean="0">
-                <a:latin typeface="Courier"/>
-                <a:cs typeface="Courier"/>
-              </a:rPr>
-              <a:t>CHR\</a:t>
-            </a:r>
-            <a:r>
-              <a:rPr lang="en-US" sz="2000" dirty="0" err="1" smtClean="0">
-                <a:latin typeface="Courier"/>
-                <a:cs typeface="Courier"/>
-              </a:rPr>
-              <a:t>tSTART</a:t>
-            </a:r>
-            <a:r>
-              <a:rPr lang="en-US" sz="2000" dirty="0" smtClean="0">
-                <a:latin typeface="Courier"/>
-                <a:cs typeface="Courier"/>
-              </a:rPr>
-              <a:t>\</a:t>
-            </a:r>
-            <a:r>
-              <a:rPr lang="en-US" sz="2000" dirty="0" err="1" smtClean="0">
-                <a:latin typeface="Courier"/>
-                <a:cs typeface="Courier"/>
-              </a:rPr>
-              <a:t>tEND</a:t>
-            </a:r>
-            <a:endParaRPr lang="en-US" sz="2000" dirty="0" smtClean="0">
-              <a:latin typeface="Courier"/>
-              <a:cs typeface="Courier"/>
-            </a:endParaRPr>
+              <a:t>Other variants </a:t>
+            </a:r>
+            <a:r>
+              <a:rPr lang="mr-IN" dirty="0" smtClean="0"/>
+              <a:t>–</a:t>
+            </a:r>
+            <a:r>
+              <a:rPr lang="en-US" dirty="0" smtClean="0"/>
+              <a:t> </a:t>
+            </a:r>
+            <a:r>
+              <a:rPr lang="en-US" i="1" dirty="0" smtClean="0"/>
+              <a:t>e.g. </a:t>
+            </a:r>
+            <a:r>
+              <a:rPr lang="en-US" dirty="0" smtClean="0"/>
+              <a:t>the same site can be a SNP or deletion in different individuals</a:t>
+            </a:r>
           </a:p>
           <a:p>
             <a:pPr lvl="1"/>
             <a:r>
-              <a:rPr lang="en-US" dirty="0" smtClean="0">
-                <a:cs typeface="Courier"/>
-              </a:rPr>
-              <a:t>BED coordinates are 0-based; most other formats (BAM, VCF) are 1-based</a:t>
+              <a:rPr lang="en-US" dirty="0" smtClean="0"/>
+              <a:t>Gene annotation database </a:t>
+            </a:r>
+            <a:r>
+              <a:rPr lang="mr-IN" dirty="0" smtClean="0"/>
+              <a:t>–</a:t>
+            </a:r>
+            <a:r>
+              <a:rPr lang="en-US" dirty="0" smtClean="0"/>
+              <a:t> </a:t>
+            </a:r>
+            <a:r>
+              <a:rPr lang="en-US" dirty="0" err="1" smtClean="0"/>
+              <a:t>Gencode</a:t>
+            </a:r>
+            <a:r>
+              <a:rPr lang="en-US" dirty="0" smtClean="0"/>
+              <a:t>, </a:t>
+            </a:r>
+            <a:r>
+              <a:rPr lang="en-US" dirty="0" err="1" smtClean="0"/>
+              <a:t>RefSeq</a:t>
+            </a:r>
+            <a:endParaRPr lang="en-US" dirty="0" smtClean="0"/>
+          </a:p>
+          <a:p>
+            <a:pPr lvl="2"/>
+            <a:r>
+              <a:rPr lang="en-US" dirty="0"/>
+              <a:t>P</a:t>
+            </a:r>
+            <a:r>
+              <a:rPr lang="en-US" dirty="0" smtClean="0"/>
+              <a:t>rotein coding, </a:t>
+            </a:r>
+            <a:r>
+              <a:rPr lang="en-US" dirty="0" err="1" smtClean="0"/>
+              <a:t>lncRNA</a:t>
+            </a:r>
+            <a:r>
+              <a:rPr lang="en-US" dirty="0" smtClean="0"/>
+              <a:t>, miRNA</a:t>
             </a:r>
           </a:p>
           <a:p>
             <a:pPr lvl="1"/>
             <a:r>
-              <a:rPr lang="en-US" dirty="0" err="1" smtClean="0">
-                <a:cs typeface="Courier"/>
-              </a:rPr>
-              <a:t>BEDTools</a:t>
-            </a:r>
-            <a:r>
-              <a:rPr lang="en-US" dirty="0" smtClean="0">
-                <a:cs typeface="Courier"/>
-              </a:rPr>
-              <a:t> automatically converts between coordinate </a:t>
-            </a:r>
-            <a:r>
-              <a:rPr lang="en-US" dirty="0" smtClean="0">
-                <a:cs typeface="Courier"/>
-              </a:rPr>
-              <a:t>systems</a:t>
-            </a:r>
-            <a:endParaRPr lang="en-US" dirty="0" smtClean="0">
-              <a:cs typeface="Courier"/>
-            </a:endParaRPr>
+              <a:rPr lang="en-US" dirty="0" smtClean="0"/>
+              <a:t>Repeat elements </a:t>
+            </a:r>
+            <a:r>
+              <a:rPr lang="mr-IN" dirty="0" smtClean="0"/>
+              <a:t>–</a:t>
+            </a:r>
+            <a:r>
+              <a:rPr lang="en-US" dirty="0" smtClean="0"/>
+              <a:t> LINES, </a:t>
+            </a:r>
+            <a:r>
+              <a:rPr lang="en-US" dirty="0" err="1" smtClean="0"/>
+              <a:t>Alu</a:t>
+            </a:r>
+            <a:r>
+              <a:rPr lang="en-US" dirty="0" smtClean="0"/>
+              <a:t>, STRs</a:t>
+            </a:r>
+          </a:p>
+          <a:p>
+            <a:pPr lvl="1"/>
+            <a:r>
+              <a:rPr lang="en-US" dirty="0" smtClean="0"/>
+              <a:t>Open chromatin (DNase-Seq, ATAC-Seq)</a:t>
+            </a:r>
+          </a:p>
+          <a:p>
+            <a:pPr lvl="1"/>
+            <a:r>
+              <a:rPr lang="en-US" dirty="0" smtClean="0"/>
+              <a:t>Transcription factor binding sites (ChIP-Seq)</a:t>
+            </a:r>
+            <a:endParaRPr lang="en-US" dirty="0" smtClean="0"/>
+          </a:p>
+          <a:p>
+            <a:endParaRPr lang="en-US" dirty="0" smtClean="0"/>
           </a:p>
         </p:txBody>
       </p:sp>
     </p:spTree>
     <p:extLst>
       <p:ext uri="{BB962C8B-B14F-4D97-AF65-F5344CB8AC3E}">
-        <p14:creationId xmlns:p14="http://schemas.microsoft.com/office/powerpoint/2010/main" val="1338980531"/>
+        <p14:creationId xmlns:p14="http://schemas.microsoft.com/office/powerpoint/2010/main" val="991822598"/>
       </p:ext>
     </p:extLst>
   </p:cSld>
@@ -5095,7 +10819,7 @@
         </p:spPr>
         <p:txBody>
           <a:bodyPr>
-            <a:normAutofit fontScale="85000" lnSpcReduction="20000"/>
+            <a:normAutofit fontScale="92500" lnSpcReduction="10000"/>
           </a:bodyPr>
           <a:lstStyle/>
           <a:p>
@@ -5104,500 +10828,132 @@
             </a:pPr>
             <a:r>
               <a:rPr lang="en-US" u="sng" dirty="0" smtClean="0"/>
-              <a:t>Exercise: Identify Variants in Common</a:t>
-            </a:r>
-            <a:endParaRPr lang="en-US" dirty="0" smtClean="0">
-              <a:latin typeface="Courier"/>
-              <a:cs typeface="Courier"/>
-            </a:endParaRPr>
-          </a:p>
-          <a:p>
-            <a:pPr marL="0" indent="0">
-              <a:buNone/>
-            </a:pPr>
-            <a:r>
-              <a:rPr lang="en-US" sz="2400" dirty="0" smtClean="0">
-                <a:latin typeface="Courier"/>
-                <a:cs typeface="Courier"/>
-              </a:rPr>
-              <a:t># Intersect two VCF files</a:t>
-            </a:r>
-          </a:p>
-          <a:p>
-            <a:pPr marL="0" indent="0">
-              <a:buNone/>
-            </a:pPr>
-            <a:r>
-              <a:rPr lang="en-US" sz="2400" dirty="0" smtClean="0">
-                <a:latin typeface="Courier"/>
-                <a:cs typeface="Courier"/>
-              </a:rPr>
-              <a:t>$ </a:t>
-            </a:r>
-            <a:r>
-              <a:rPr lang="en-US" sz="2400" dirty="0" err="1" smtClean="0">
-                <a:latin typeface="Courier"/>
-                <a:cs typeface="Courier"/>
-              </a:rPr>
-              <a:t>bedtools</a:t>
-            </a:r>
-            <a:r>
-              <a:rPr lang="en-US" sz="2400" dirty="0" smtClean="0">
-                <a:latin typeface="Courier"/>
-                <a:cs typeface="Courier"/>
-              </a:rPr>
-              <a:t> intersect </a:t>
-            </a:r>
-            <a:r>
-              <a:rPr lang="en-US" sz="2400" dirty="0">
-                <a:latin typeface="Courier"/>
-                <a:cs typeface="Courier"/>
-              </a:rPr>
-              <a:t>-</a:t>
-            </a:r>
-            <a:r>
-              <a:rPr lang="en-US" sz="2400" dirty="0" smtClean="0">
-                <a:latin typeface="Courier"/>
-                <a:cs typeface="Courier"/>
-              </a:rPr>
-              <a:t>a output/</a:t>
-            </a:r>
-            <a:r>
-              <a:rPr lang="en-US" sz="2400" dirty="0" err="1" smtClean="0">
-                <a:latin typeface="Courier"/>
-                <a:cs typeface="Courier"/>
-              </a:rPr>
-              <a:t>annot.vcf.gz</a:t>
-            </a:r>
-            <a:r>
-              <a:rPr lang="en-US" sz="2400" dirty="0" smtClean="0">
-                <a:latin typeface="Courier"/>
-                <a:cs typeface="Courier"/>
-              </a:rPr>
-              <a:t> </a:t>
-            </a:r>
-            <a:r>
-              <a:rPr lang="en-US" sz="2400" dirty="0">
-                <a:latin typeface="Courier"/>
-                <a:cs typeface="Courier"/>
-              </a:rPr>
-              <a:t>\</a:t>
-            </a:r>
-            <a:endParaRPr lang="en-US" sz="2400" dirty="0" smtClean="0">
-              <a:latin typeface="Courier"/>
-              <a:cs typeface="Courier"/>
-            </a:endParaRPr>
-          </a:p>
-          <a:p>
-            <a:pPr marL="0" indent="0">
-              <a:buNone/>
-            </a:pPr>
-            <a:r>
-              <a:rPr lang="en-US" sz="2400" dirty="0" smtClean="0">
-                <a:latin typeface="Courier"/>
-                <a:cs typeface="Courier"/>
-              </a:rPr>
-              <a:t>-b input/annotation/</a:t>
-            </a:r>
-            <a:r>
-              <a:rPr lang="en-US" sz="2400" dirty="0" err="1" smtClean="0">
-                <a:latin typeface="Courier"/>
-                <a:cs typeface="Courier"/>
-              </a:rPr>
-              <a:t>compare.vcf.gz</a:t>
-            </a:r>
-            <a:r>
-              <a:rPr lang="en-US" sz="2400" dirty="0" smtClean="0">
-                <a:latin typeface="Courier"/>
-                <a:cs typeface="Courier"/>
-              </a:rPr>
-              <a:t> \</a:t>
-            </a:r>
-          </a:p>
-          <a:p>
-            <a:pPr marL="0" indent="0">
-              <a:buNone/>
-            </a:pPr>
-            <a:r>
-              <a:rPr lang="en-US" sz="2400" dirty="0" smtClean="0">
-                <a:latin typeface="Courier"/>
-                <a:cs typeface="Courier"/>
-              </a:rPr>
-              <a:t>| </a:t>
-            </a:r>
-            <a:r>
-              <a:rPr lang="en-US" sz="2400" dirty="0" err="1" smtClean="0">
-                <a:latin typeface="Courier"/>
-                <a:cs typeface="Courier"/>
-              </a:rPr>
-              <a:t>gzip</a:t>
-            </a:r>
-            <a:r>
-              <a:rPr lang="en-US" sz="2400" dirty="0" smtClean="0">
-                <a:latin typeface="Courier"/>
-                <a:cs typeface="Courier"/>
-              </a:rPr>
-              <a:t> &gt; output/</a:t>
-            </a:r>
-            <a:r>
-              <a:rPr lang="en-US" sz="2400" dirty="0" err="1" smtClean="0">
-                <a:latin typeface="Courier"/>
-                <a:cs typeface="Courier"/>
-              </a:rPr>
-              <a:t>intersection.vcf.gz</a:t>
-            </a:r>
-            <a:endParaRPr lang="en-US" sz="2400" dirty="0" smtClean="0">
-              <a:latin typeface="Courier"/>
-              <a:cs typeface="Courier"/>
-            </a:endParaRPr>
-          </a:p>
-          <a:p>
-            <a:pPr marL="0" indent="0">
-              <a:buNone/>
-            </a:pPr>
-            <a:r>
-              <a:rPr lang="en-US" sz="2400" dirty="0" smtClean="0">
-                <a:latin typeface="Courier"/>
-                <a:cs typeface="Courier"/>
-              </a:rPr>
-              <a:t># Look at the results</a:t>
-            </a:r>
-          </a:p>
-          <a:p>
-            <a:pPr marL="0" indent="0">
-              <a:buNone/>
-            </a:pPr>
-            <a:r>
-              <a:rPr lang="en-US" sz="2400" dirty="0" smtClean="0">
-                <a:latin typeface="Courier"/>
-                <a:cs typeface="Courier"/>
-              </a:rPr>
-              <a:t>$ </a:t>
-            </a:r>
-            <a:r>
-              <a:rPr lang="en-US" sz="2400" dirty="0" err="1" smtClean="0">
-                <a:latin typeface="Courier"/>
-                <a:cs typeface="Courier"/>
-              </a:rPr>
-              <a:t>zcat</a:t>
-            </a:r>
-            <a:r>
-              <a:rPr lang="en-US" sz="2400" dirty="0" smtClean="0">
-                <a:latin typeface="Courier"/>
-                <a:cs typeface="Courier"/>
-              </a:rPr>
-              <a:t> output</a:t>
-            </a:r>
-            <a:r>
-              <a:rPr lang="en-US" sz="2400" dirty="0">
-                <a:latin typeface="Courier"/>
-                <a:cs typeface="Courier"/>
-              </a:rPr>
-              <a:t>/</a:t>
-            </a:r>
-            <a:r>
-              <a:rPr lang="en-US" sz="2400" dirty="0" err="1" smtClean="0">
-                <a:latin typeface="Courier"/>
-                <a:cs typeface="Courier"/>
-              </a:rPr>
-              <a:t>intersection.vcf</a:t>
-            </a:r>
-            <a:r>
-              <a:rPr lang="en-US" sz="2400" dirty="0" smtClean="0">
-                <a:latin typeface="Courier"/>
-                <a:cs typeface="Courier"/>
-              </a:rPr>
-              <a:t> | less</a:t>
-            </a:r>
-          </a:p>
-          <a:p>
-            <a:pPr marL="0" indent="0">
-              <a:buNone/>
-            </a:pPr>
-            <a:r>
-              <a:rPr lang="en-US" sz="2400" dirty="0" smtClean="0">
-                <a:latin typeface="Courier"/>
-                <a:cs typeface="Courier"/>
-              </a:rPr>
-              <a:t># Remove false-positive variants identified in</a:t>
-            </a:r>
-          </a:p>
-          <a:p>
-            <a:pPr marL="0" indent="0">
-              <a:buNone/>
-            </a:pPr>
-            <a:r>
-              <a:rPr lang="en-US" sz="2400" dirty="0" smtClean="0">
-                <a:latin typeface="Courier"/>
-                <a:cs typeface="Courier"/>
-              </a:rPr>
-              <a:t># blacklist</a:t>
-            </a:r>
-          </a:p>
-          <a:p>
-            <a:pPr marL="0" indent="0">
-              <a:buNone/>
-            </a:pPr>
-            <a:r>
-              <a:rPr lang="en-US" sz="2400" dirty="0" smtClean="0">
-                <a:latin typeface="Courier"/>
-                <a:cs typeface="Courier"/>
-              </a:rPr>
-              <a:t>$ </a:t>
-            </a:r>
-            <a:r>
-              <a:rPr lang="en-US" sz="2400" dirty="0" err="1" smtClean="0">
-                <a:latin typeface="Courier"/>
-                <a:cs typeface="Courier"/>
-              </a:rPr>
-              <a:t>bedtools</a:t>
-            </a:r>
-            <a:r>
-              <a:rPr lang="en-US" sz="2400" dirty="0" smtClean="0">
-                <a:latin typeface="Courier"/>
-                <a:cs typeface="Courier"/>
-              </a:rPr>
-              <a:t> subtract </a:t>
-            </a:r>
-            <a:r>
-              <a:rPr lang="en-US" sz="2400" dirty="0">
-                <a:latin typeface="Courier"/>
-                <a:cs typeface="Courier"/>
-              </a:rPr>
-              <a:t>-</a:t>
-            </a:r>
-            <a:r>
-              <a:rPr lang="en-US" sz="2400" dirty="0" smtClean="0">
-                <a:latin typeface="Courier"/>
-                <a:cs typeface="Courier"/>
-              </a:rPr>
-              <a:t>a output/</a:t>
-            </a:r>
-            <a:r>
-              <a:rPr lang="en-US" sz="2400" dirty="0" err="1" smtClean="0">
-                <a:latin typeface="Courier"/>
-                <a:cs typeface="Courier"/>
-              </a:rPr>
-              <a:t>annot.vcf.gz</a:t>
-            </a:r>
-            <a:r>
-              <a:rPr lang="en-US" sz="2400" dirty="0" smtClean="0">
-                <a:latin typeface="Courier"/>
-                <a:cs typeface="Courier"/>
-              </a:rPr>
-              <a:t> </a:t>
-            </a:r>
-            <a:r>
-              <a:rPr lang="en-US" sz="2400" i="1" dirty="0" smtClean="0">
-                <a:latin typeface="Courier"/>
-                <a:cs typeface="Courier"/>
-              </a:rPr>
-              <a:t>\</a:t>
-            </a:r>
-          </a:p>
-          <a:p>
-            <a:pPr marL="0" indent="0">
-              <a:buNone/>
-            </a:pPr>
-            <a:r>
-              <a:rPr lang="en-US" sz="2400" dirty="0" smtClean="0">
-                <a:latin typeface="Courier"/>
-                <a:cs typeface="Courier"/>
-              </a:rPr>
-              <a:t>-b resources/</a:t>
-            </a:r>
-            <a:r>
-              <a:rPr lang="en-US" sz="2400" dirty="0" err="1" smtClean="0">
-                <a:latin typeface="Courier"/>
-                <a:cs typeface="Courier"/>
-              </a:rPr>
-              <a:t>blacklist.bed</a:t>
-            </a:r>
-            <a:r>
-              <a:rPr lang="en-US" sz="2400" dirty="0" smtClean="0">
-                <a:latin typeface="Courier"/>
-                <a:cs typeface="Courier"/>
-              </a:rPr>
-              <a:t> | </a:t>
-            </a:r>
-            <a:r>
-              <a:rPr lang="en-US" sz="2400" dirty="0" err="1" smtClean="0">
-                <a:latin typeface="Courier"/>
-                <a:cs typeface="Courier"/>
-              </a:rPr>
-              <a:t>gzip</a:t>
-            </a:r>
-            <a:r>
-              <a:rPr lang="en-US" sz="2400" dirty="0" smtClean="0">
-                <a:latin typeface="Courier"/>
-                <a:cs typeface="Courier"/>
-              </a:rPr>
-              <a:t> &gt; </a:t>
-            </a:r>
-          </a:p>
-          <a:p>
-            <a:pPr marL="0" indent="0">
-              <a:buNone/>
-            </a:pPr>
-            <a:r>
-              <a:rPr lang="en-US" sz="2400" dirty="0" smtClean="0">
-                <a:latin typeface="Courier"/>
-                <a:cs typeface="Courier"/>
-              </a:rPr>
-              <a:t>output/</a:t>
-            </a:r>
-            <a:r>
-              <a:rPr lang="en-US" sz="2400" dirty="0" err="1" smtClean="0">
-                <a:latin typeface="Courier"/>
-                <a:cs typeface="Courier"/>
-              </a:rPr>
-              <a:t>clean.vcf.gz</a:t>
-            </a:r>
-            <a:endParaRPr lang="en-US" sz="2400" dirty="0" smtClean="0">
-              <a:latin typeface="Courier"/>
-              <a:cs typeface="Courier"/>
-            </a:endParaRPr>
-          </a:p>
-          <a:p>
-            <a:pPr marL="0" indent="0">
-              <a:buNone/>
-            </a:pPr>
-            <a:r>
-              <a:rPr lang="en-US" sz="2400" dirty="0" smtClean="0">
-                <a:latin typeface="Courier"/>
-                <a:cs typeface="Courier"/>
-              </a:rPr>
-              <a:t># Compare results to original VCF</a:t>
-            </a:r>
-          </a:p>
-          <a:p>
-            <a:pPr marL="0" indent="0">
-              <a:buNone/>
-            </a:pPr>
-            <a:r>
-              <a:rPr lang="en-US" sz="2400" dirty="0" smtClean="0">
-                <a:latin typeface="Courier"/>
-                <a:cs typeface="Courier"/>
-              </a:rPr>
-              <a:t>$ </a:t>
-            </a:r>
-            <a:r>
-              <a:rPr lang="en-US" sz="2400" dirty="0" err="1" smtClean="0">
-                <a:latin typeface="Courier"/>
-                <a:cs typeface="Courier"/>
-              </a:rPr>
-              <a:t>zcat</a:t>
-            </a:r>
-            <a:r>
-              <a:rPr lang="en-US" sz="2400" dirty="0" smtClean="0">
-                <a:latin typeface="Courier"/>
-                <a:cs typeface="Courier"/>
-              </a:rPr>
-              <a:t> output/</a:t>
-            </a:r>
-            <a:r>
-              <a:rPr lang="en-US" sz="2400" dirty="0" err="1" smtClean="0">
-                <a:latin typeface="Courier"/>
-                <a:cs typeface="Courier"/>
-              </a:rPr>
-              <a:t>annot.vcf.gz</a:t>
-            </a:r>
-            <a:r>
-              <a:rPr lang="en-US" sz="2400" dirty="0" smtClean="0">
-                <a:latin typeface="Courier"/>
-                <a:cs typeface="Courier"/>
-              </a:rPr>
-              <a:t> | </a:t>
-            </a:r>
-            <a:r>
-              <a:rPr lang="en-US" sz="2400" dirty="0" err="1" smtClean="0">
-                <a:latin typeface="Courier"/>
-                <a:cs typeface="Courier"/>
-              </a:rPr>
-              <a:t>wc</a:t>
-            </a:r>
-            <a:r>
-              <a:rPr lang="en-US" sz="2400" dirty="0" smtClean="0">
-                <a:latin typeface="Courier"/>
-                <a:cs typeface="Courier"/>
-              </a:rPr>
-              <a:t> -l</a:t>
-            </a:r>
-          </a:p>
-          <a:p>
-            <a:pPr marL="0" indent="0">
-              <a:buNone/>
-            </a:pPr>
-            <a:r>
-              <a:rPr lang="en-US" sz="2400" dirty="0">
-                <a:latin typeface="Courier"/>
-                <a:cs typeface="Courier"/>
-              </a:rPr>
-              <a:t>$</a:t>
-            </a:r>
-            <a:r>
-              <a:rPr lang="en-US" sz="2400" dirty="0" smtClean="0">
-                <a:latin typeface="Courier"/>
-                <a:cs typeface="Courier"/>
-              </a:rPr>
-              <a:t> </a:t>
-            </a:r>
-            <a:r>
-              <a:rPr lang="en-US" sz="2400" dirty="0" err="1" smtClean="0">
-                <a:latin typeface="Courier"/>
-                <a:cs typeface="Courier"/>
-              </a:rPr>
-              <a:t>zcat</a:t>
-            </a:r>
-            <a:r>
-              <a:rPr lang="en-US" sz="2400" dirty="0" smtClean="0">
-                <a:latin typeface="Courier"/>
-                <a:cs typeface="Courier"/>
-              </a:rPr>
-              <a:t> output</a:t>
-            </a:r>
-            <a:r>
-              <a:rPr lang="en-US" sz="2400" dirty="0">
-                <a:latin typeface="Courier"/>
-                <a:cs typeface="Courier"/>
-              </a:rPr>
-              <a:t>/</a:t>
-            </a:r>
-            <a:r>
-              <a:rPr lang="en-US" sz="2400" dirty="0" err="1" smtClean="0">
-                <a:latin typeface="Courier"/>
-                <a:cs typeface="Courier"/>
-              </a:rPr>
-              <a:t>clean.vcf.gz</a:t>
-            </a:r>
-            <a:r>
-              <a:rPr lang="en-US" sz="2400" dirty="0" smtClean="0">
-                <a:latin typeface="Courier"/>
-                <a:cs typeface="Courier"/>
-              </a:rPr>
-              <a:t> | </a:t>
-            </a:r>
-            <a:r>
-              <a:rPr lang="en-US" sz="2400" dirty="0" err="1">
-                <a:latin typeface="Courier"/>
-                <a:cs typeface="Courier"/>
-              </a:rPr>
-              <a:t>wc</a:t>
-            </a:r>
-            <a:r>
-              <a:rPr lang="en-US" sz="2400" dirty="0">
-                <a:latin typeface="Courier"/>
-                <a:cs typeface="Courier"/>
-              </a:rPr>
-              <a:t> -l </a:t>
-            </a:r>
+              <a:t>Types of Annotations</a:t>
+            </a:r>
+            <a:endParaRPr lang="en-US" u="sng" dirty="0" smtClean="0"/>
+          </a:p>
+          <a:p>
+            <a:r>
+              <a:rPr lang="en-US" dirty="0"/>
+              <a:t>Functional information</a:t>
+            </a:r>
+          </a:p>
+          <a:p>
+            <a:pPr lvl="1"/>
+            <a:r>
+              <a:rPr lang="en-US" dirty="0" smtClean="0"/>
+              <a:t>Gene expression - </a:t>
+            </a:r>
+            <a:r>
+              <a:rPr lang="en-US" dirty="0" err="1" smtClean="0"/>
+              <a:t>GTEx</a:t>
+            </a:r>
+            <a:endParaRPr lang="en-US" dirty="0" smtClean="0"/>
+          </a:p>
+          <a:p>
+            <a:pPr lvl="1"/>
+            <a:r>
+              <a:rPr lang="en-US" dirty="0" smtClean="0"/>
+              <a:t>Predicted changes to protein sequence </a:t>
+            </a:r>
+            <a:r>
+              <a:rPr lang="mr-IN" dirty="0" smtClean="0"/>
+              <a:t>–</a:t>
+            </a:r>
+            <a:r>
+              <a:rPr lang="en-US" dirty="0" smtClean="0"/>
+              <a:t> SIFT, </a:t>
+            </a:r>
+            <a:r>
+              <a:rPr lang="en-US" dirty="0" err="1" smtClean="0"/>
+              <a:t>PolyPhen</a:t>
+            </a:r>
+            <a:endParaRPr lang="en-US" dirty="0" smtClean="0"/>
+          </a:p>
+          <a:p>
+            <a:pPr lvl="1"/>
+            <a:r>
+              <a:rPr lang="en-US" dirty="0" smtClean="0"/>
+              <a:t>Predicted changes to phenotype </a:t>
+            </a:r>
+            <a:r>
+              <a:rPr lang="mr-IN" dirty="0" smtClean="0"/>
+              <a:t>–</a:t>
+            </a:r>
+            <a:r>
+              <a:rPr lang="en-US" dirty="0" smtClean="0"/>
+              <a:t> stop codon, missense mutation, splice disruption</a:t>
+            </a:r>
+          </a:p>
+          <a:p>
+            <a:r>
+              <a:rPr lang="en-US" dirty="0" smtClean="0"/>
+              <a:t>Pathways </a:t>
+            </a:r>
+            <a:r>
+              <a:rPr lang="mr-IN" dirty="0" smtClean="0"/>
+              <a:t>–</a:t>
+            </a:r>
+            <a:r>
+              <a:rPr lang="en-US" dirty="0" smtClean="0"/>
+              <a:t> KEGG, </a:t>
+            </a:r>
+            <a:r>
+              <a:rPr lang="en-US" dirty="0" err="1" smtClean="0"/>
+              <a:t>Reactome</a:t>
+            </a:r>
+            <a:endParaRPr lang="en-US" dirty="0" smtClean="0"/>
+          </a:p>
+          <a:p>
+            <a:r>
+              <a:rPr lang="en-US" dirty="0" smtClean="0"/>
+              <a:t>Phenotypes</a:t>
+            </a:r>
+          </a:p>
+          <a:p>
+            <a:pPr lvl="1"/>
+            <a:r>
+              <a:rPr lang="en-US" dirty="0" smtClean="0"/>
+              <a:t>Literature references</a:t>
+            </a:r>
+          </a:p>
+          <a:p>
+            <a:pPr lvl="1"/>
+            <a:r>
+              <a:rPr lang="en-US" dirty="0" smtClean="0"/>
+              <a:t>Databases </a:t>
+            </a:r>
+            <a:r>
+              <a:rPr lang="mr-IN" dirty="0" smtClean="0"/>
+              <a:t>–</a:t>
+            </a:r>
+            <a:r>
+              <a:rPr lang="en-US" dirty="0" smtClean="0"/>
+              <a:t> OMIM, </a:t>
+            </a:r>
+            <a:r>
+              <a:rPr lang="en-US" dirty="0" err="1" smtClean="0"/>
+              <a:t>ClinVar</a:t>
+            </a:r>
+            <a:endParaRPr lang="en-US" dirty="0" smtClean="0"/>
+          </a:p>
+          <a:p>
+            <a:pPr lvl="1"/>
+            <a:r>
+              <a:rPr lang="en-US" dirty="0" smtClean="0"/>
+              <a:t>GWAS associations</a:t>
+            </a:r>
+          </a:p>
+          <a:p>
+            <a:pPr lvl="1"/>
+            <a:endParaRPr lang="en-US" dirty="0" smtClean="0"/>
           </a:p>
         </p:txBody>
       </p:sp>
     </p:spTree>
     <p:extLst>
       <p:ext uri="{BB962C8B-B14F-4D97-AF65-F5344CB8AC3E}">
-        <p14:creationId xmlns:p14="http://schemas.microsoft.com/office/powerpoint/2010/main" val="1932872986"/>
+        <p14:creationId xmlns:p14="http://schemas.microsoft.com/office/powerpoint/2010/main" val="146799590"/>
       </p:ext>
     </p:extLst>
   </p:cSld>
@@ -5685,102 +11041,52 @@
             </a:pPr>
             <a:r>
               <a:rPr lang="en-US" u="sng" dirty="0" smtClean="0"/>
-              <a:t>ANNOVAR</a:t>
-            </a:r>
-          </a:p>
-          <a:p>
-            <a:r>
-              <a:rPr lang="en-US" dirty="0" smtClean="0"/>
-              <a:t>Apply functional annotations to variants</a:t>
+              <a:t>Types of Annotations</a:t>
+            </a:r>
+            <a:endParaRPr lang="en-US" u="sng" dirty="0" smtClean="0"/>
+          </a:p>
+          <a:p>
+            <a:r>
+              <a:rPr lang="en-US" dirty="0" smtClean="0"/>
+              <a:t>Disease-specific databases</a:t>
             </a:r>
           </a:p>
           <a:p>
             <a:pPr lvl="1"/>
             <a:r>
-              <a:rPr lang="en-US" dirty="0" smtClean="0">
-                <a:cs typeface="Courier"/>
-              </a:rPr>
-              <a:t>Gene-based (</a:t>
-            </a:r>
-            <a:r>
-              <a:rPr lang="en-US" i="1" dirty="0" smtClean="0">
-                <a:cs typeface="Courier"/>
-              </a:rPr>
-              <a:t>e.g. </a:t>
-            </a:r>
-            <a:r>
-              <a:rPr lang="en-US" dirty="0" smtClean="0">
-                <a:cs typeface="Courier"/>
-              </a:rPr>
-              <a:t>coding changes)</a:t>
-            </a:r>
+              <a:rPr lang="en-US" dirty="0" smtClean="0"/>
+              <a:t>General: </a:t>
+            </a:r>
+            <a:r>
+              <a:rPr lang="en-US" dirty="0" err="1" smtClean="0"/>
+              <a:t>ClinVar</a:t>
+            </a:r>
+            <a:endParaRPr lang="en-US" dirty="0" smtClean="0"/>
           </a:p>
           <a:p>
             <a:pPr lvl="1"/>
             <a:r>
-              <a:rPr lang="en-US" dirty="0" smtClean="0">
-                <a:cs typeface="Courier"/>
-              </a:rPr>
-              <a:t>Region-based (</a:t>
-            </a:r>
-            <a:r>
-              <a:rPr lang="en-US" i="1" dirty="0" smtClean="0">
-                <a:cs typeface="Courier"/>
-              </a:rPr>
-              <a:t>e.g. </a:t>
-            </a:r>
-            <a:r>
-              <a:rPr lang="en-US" dirty="0" smtClean="0">
-                <a:cs typeface="Courier"/>
-              </a:rPr>
-              <a:t>conserved regions)</a:t>
+              <a:rPr lang="en-US" dirty="0" smtClean="0"/>
+              <a:t>Cancer: COSMIC</a:t>
             </a:r>
           </a:p>
           <a:p>
             <a:pPr lvl="1"/>
             <a:r>
-              <a:rPr lang="en-US" dirty="0" smtClean="0">
-                <a:cs typeface="Courier"/>
-              </a:rPr>
-              <a:t>Filter-based (</a:t>
-            </a:r>
-            <a:r>
-              <a:rPr lang="en-US" i="1" dirty="0" smtClean="0">
-                <a:cs typeface="Courier"/>
-              </a:rPr>
-              <a:t>e.g.</a:t>
-            </a:r>
-            <a:r>
-              <a:rPr lang="en-US" dirty="0" smtClean="0">
-                <a:cs typeface="Courier"/>
-              </a:rPr>
-              <a:t> does variant appear in </a:t>
-            </a:r>
-            <a:r>
-              <a:rPr lang="en-US" dirty="0" err="1" smtClean="0">
-                <a:cs typeface="Courier"/>
-              </a:rPr>
-              <a:t>dbSNP</a:t>
-            </a:r>
-            <a:r>
-              <a:rPr lang="en-US" dirty="0" smtClean="0">
-                <a:cs typeface="Courier"/>
-              </a:rPr>
-              <a:t>?</a:t>
-            </a:r>
-            <a:r>
-              <a:rPr lang="en-US" dirty="0" smtClean="0">
-                <a:cs typeface="Courier"/>
-              </a:rPr>
-              <a:t>)</a:t>
-            </a:r>
+              <a:rPr lang="en-US" dirty="0" smtClean="0"/>
+              <a:t>Type 2 diabetes: T2D Portal</a:t>
+            </a:r>
+          </a:p>
+          <a:p>
+            <a:pPr lvl="1"/>
+            <a:endParaRPr lang="en-US" dirty="0" smtClean="0"/>
           </a:p>
         </p:txBody>
       </p:sp>
     </p:spTree>
     <p:extLst>
       <p:ext uri="{BB962C8B-B14F-4D97-AF65-F5344CB8AC3E}">
-        <p14:creationId xmlns:p14="http://schemas.microsoft.com/office/powerpoint/2010/main" val="2469449813"/>
+        <p14:creationId xmlns:p14="http://schemas.microsoft.com/office/powerpoint/2010/main" val="10384946"/>
       </p:ext>
     </p:extLst>
   </p:cSld>
@@ -5859,7 +11165,7 @@
         </p:spPr>
         <p:txBody>
           <a:bodyPr>
-            <a:normAutofit fontScale="92500" lnSpcReduction="20000"/>
+            <a:normAutofit/>
           </a:bodyPr>
           <a:lstStyle/>
           <a:p>
@@ -5868,415 +11174,127 @@
             </a:pPr>
             <a:r>
               <a:rPr lang="en-US" u="sng" dirty="0" smtClean="0"/>
-              <a:t>Exercise: Add Gene Annotations with ANNOVAR</a:t>
-            </a:r>
-            <a:endParaRPr lang="en-US" dirty="0" smtClean="0">
-              <a:latin typeface="Courier"/>
-              <a:cs typeface="Courier"/>
-            </a:endParaRPr>
-          </a:p>
-          <a:p>
-            <a:pPr marL="0" indent="0">
-              <a:buNone/>
-            </a:pPr>
-            <a:r>
-              <a:rPr lang="en-US" sz="2400" dirty="0" smtClean="0">
-                <a:latin typeface="Courier"/>
-                <a:cs typeface="Courier"/>
-              </a:rPr>
-              <a:t># Download ANNOVAR annotations (only required</a:t>
-            </a:r>
-          </a:p>
-          <a:p>
-            <a:pPr marL="0" indent="0">
-              <a:buNone/>
-            </a:pPr>
-            <a:r>
-              <a:rPr lang="en-US" sz="2400" dirty="0" smtClean="0">
-                <a:latin typeface="Courier"/>
-                <a:cs typeface="Courier"/>
-              </a:rPr>
-              <a:t># once; already done for you)</a:t>
-            </a:r>
-          </a:p>
-          <a:p>
-            <a:pPr marL="0" indent="0">
-              <a:buNone/>
-            </a:pPr>
-            <a:r>
-              <a:rPr lang="en-US" sz="2400" dirty="0">
-                <a:latin typeface="Courier"/>
-                <a:cs typeface="Courier"/>
-              </a:rPr>
-              <a:t>$ </a:t>
-            </a:r>
-            <a:r>
-              <a:rPr lang="en-US" sz="2400" dirty="0" err="1">
-                <a:latin typeface="Courier"/>
-                <a:cs typeface="Courier"/>
-              </a:rPr>
-              <a:t>annotate_variation.pl</a:t>
-            </a:r>
-            <a:r>
-              <a:rPr lang="en-US" sz="2400" dirty="0">
-                <a:latin typeface="Courier"/>
-                <a:cs typeface="Courier"/>
-              </a:rPr>
-              <a:t> -</a:t>
-            </a:r>
-            <a:r>
-              <a:rPr lang="en-US" sz="2400" dirty="0" err="1" smtClean="0">
-                <a:latin typeface="Courier"/>
-                <a:cs typeface="Courier"/>
-              </a:rPr>
-              <a:t>buildver</a:t>
-            </a:r>
-            <a:r>
-              <a:rPr lang="en-US" sz="2400" dirty="0" smtClean="0">
-                <a:latin typeface="Courier"/>
-                <a:cs typeface="Courier"/>
-              </a:rPr>
-              <a:t> \</a:t>
-            </a:r>
-          </a:p>
-          <a:p>
-            <a:pPr marL="0" indent="0">
-              <a:buNone/>
-            </a:pPr>
-            <a:r>
-              <a:rPr lang="en-US" sz="2400" i="1" dirty="0" smtClean="0">
-                <a:latin typeface="Courier"/>
-                <a:cs typeface="Courier"/>
-              </a:rPr>
-              <a:t>GENOME_VERSION</a:t>
-            </a:r>
-            <a:r>
-              <a:rPr lang="en-US" sz="2400" dirty="0" smtClean="0">
-                <a:latin typeface="Courier"/>
-                <a:cs typeface="Courier"/>
-              </a:rPr>
-              <a:t> -</a:t>
-            </a:r>
-            <a:r>
-              <a:rPr lang="en-US" sz="2400" dirty="0" err="1" smtClean="0">
-                <a:latin typeface="Courier"/>
-                <a:cs typeface="Courier"/>
-              </a:rPr>
-              <a:t>downdb</a:t>
-            </a:r>
-            <a:r>
-              <a:rPr lang="en-US" sz="2400" dirty="0" smtClean="0">
-                <a:latin typeface="Courier"/>
-                <a:cs typeface="Courier"/>
-              </a:rPr>
-              <a:t> -</a:t>
-            </a:r>
-            <a:r>
-              <a:rPr lang="en-US" sz="2400" dirty="0" err="1" smtClean="0">
-                <a:latin typeface="Courier"/>
-                <a:cs typeface="Courier"/>
-              </a:rPr>
-              <a:t>webfrom</a:t>
-            </a:r>
-            <a:r>
-              <a:rPr lang="en-US" sz="2400" dirty="0" smtClean="0">
-                <a:latin typeface="Courier"/>
-                <a:cs typeface="Courier"/>
-              </a:rPr>
-              <a:t> </a:t>
-            </a:r>
-            <a:r>
-              <a:rPr lang="en-US" sz="2400" dirty="0" err="1" smtClean="0">
-                <a:latin typeface="Courier"/>
-                <a:cs typeface="Courier"/>
-              </a:rPr>
-              <a:t>annovar</a:t>
-            </a:r>
-            <a:r>
-              <a:rPr lang="en-US" sz="2400" dirty="0" smtClean="0">
-                <a:latin typeface="Courier"/>
-                <a:cs typeface="Courier"/>
-              </a:rPr>
-              <a:t> \</a:t>
-            </a:r>
-          </a:p>
-          <a:p>
-            <a:pPr marL="0" indent="0">
-              <a:buNone/>
-            </a:pPr>
-            <a:r>
-              <a:rPr lang="en-US" sz="2400" dirty="0" err="1" smtClean="0">
-                <a:latin typeface="Courier"/>
-                <a:cs typeface="Courier"/>
-              </a:rPr>
-              <a:t>refGene</a:t>
-            </a:r>
-            <a:r>
-              <a:rPr lang="en-US" sz="2400" dirty="0" smtClean="0">
-                <a:latin typeface="Courier"/>
-                <a:cs typeface="Courier"/>
-              </a:rPr>
-              <a:t> </a:t>
-            </a:r>
-            <a:r>
-              <a:rPr lang="en-US" sz="2400" i="1" dirty="0" smtClean="0">
-                <a:latin typeface="Courier"/>
-                <a:cs typeface="Courier"/>
-              </a:rPr>
-              <a:t>REFERENCE_DIRECTORY</a:t>
-            </a:r>
-          </a:p>
-          <a:p>
-            <a:pPr marL="0" indent="0">
-              <a:buNone/>
-            </a:pPr>
-            <a:r>
-              <a:rPr lang="en-US" sz="2400" dirty="0" smtClean="0">
-                <a:latin typeface="Courier"/>
-                <a:cs typeface="Courier"/>
-              </a:rPr>
-              <a:t># Convert VCF to ANNOVAR format</a:t>
-            </a:r>
-          </a:p>
-          <a:p>
-            <a:pPr marL="0" indent="0">
-              <a:buNone/>
-            </a:pPr>
-            <a:r>
-              <a:rPr lang="en-US" sz="2400" dirty="0">
-                <a:latin typeface="Courier"/>
-                <a:cs typeface="Courier"/>
-              </a:rPr>
-              <a:t>$ convert2annovar.pl -format vcf4 </a:t>
-            </a:r>
-            <a:r>
-              <a:rPr lang="en-US" sz="2400" dirty="0" smtClean="0">
-                <a:latin typeface="Courier"/>
-                <a:cs typeface="Courier"/>
-              </a:rPr>
-              <a:t>\</a:t>
-            </a:r>
-          </a:p>
-          <a:p>
-            <a:pPr marL="0" indent="0">
-              <a:buNone/>
-            </a:pPr>
-            <a:r>
-              <a:rPr lang="en-US" sz="2400" dirty="0" smtClean="0">
-                <a:latin typeface="Courier"/>
-                <a:cs typeface="Courier"/>
-              </a:rPr>
-              <a:t>output/</a:t>
-            </a:r>
-            <a:r>
-              <a:rPr lang="en-US" sz="2400" dirty="0" err="1" smtClean="0">
-                <a:latin typeface="Courier"/>
-                <a:cs typeface="Courier"/>
-              </a:rPr>
-              <a:t>annot.vzf.gz</a:t>
-            </a:r>
-            <a:r>
-              <a:rPr lang="en-US" sz="2400" dirty="0" smtClean="0">
-                <a:latin typeface="Courier"/>
-                <a:cs typeface="Courier"/>
-              </a:rPr>
-              <a:t> &gt; output/</a:t>
-            </a:r>
-            <a:r>
-              <a:rPr lang="en-US" sz="2400" dirty="0" err="1" smtClean="0">
-                <a:latin typeface="Courier"/>
-                <a:cs typeface="Courier"/>
-              </a:rPr>
-              <a:t>annovar_input</a:t>
-            </a:r>
-            <a:endParaRPr lang="en-US" sz="2400" dirty="0" smtClean="0">
-              <a:latin typeface="Courier"/>
-              <a:cs typeface="Courier"/>
-            </a:endParaRPr>
-          </a:p>
-          <a:p>
-            <a:pPr marL="0" indent="0">
-              <a:buNone/>
-            </a:pPr>
-            <a:r>
-              <a:rPr lang="en-US" sz="2400" dirty="0" smtClean="0">
-                <a:latin typeface="Courier"/>
-                <a:cs typeface="Courier"/>
-              </a:rPr>
-              <a:t># Add annotations</a:t>
-            </a:r>
-          </a:p>
-          <a:p>
-            <a:pPr marL="0" indent="0">
-              <a:buNone/>
-            </a:pPr>
-            <a:r>
-              <a:rPr lang="en-US" sz="2400" dirty="0">
-                <a:latin typeface="Courier"/>
-                <a:cs typeface="Courier"/>
-              </a:rPr>
-              <a:t>$ </a:t>
-            </a:r>
-            <a:r>
-              <a:rPr lang="en-US" sz="2400" dirty="0" err="1">
-                <a:latin typeface="Courier"/>
-                <a:cs typeface="Courier"/>
-              </a:rPr>
-              <a:t>annotate_variation.pl</a:t>
-            </a:r>
-            <a:r>
-              <a:rPr lang="en-US" sz="2400" dirty="0">
-                <a:latin typeface="Courier"/>
-                <a:cs typeface="Courier"/>
-              </a:rPr>
-              <a:t> </a:t>
-            </a:r>
-            <a:r>
-              <a:rPr lang="en-US" sz="2400" dirty="0" smtClean="0">
-                <a:latin typeface="Courier"/>
-                <a:cs typeface="Courier"/>
-              </a:rPr>
-              <a:t>--</a:t>
-            </a:r>
-            <a:r>
-              <a:rPr lang="en-US" sz="2400" dirty="0" err="1" smtClean="0">
-                <a:latin typeface="Courier"/>
-                <a:cs typeface="Courier"/>
-              </a:rPr>
-              <a:t>geneanno</a:t>
-            </a:r>
-            <a:r>
-              <a:rPr lang="en-US" sz="2400" dirty="0" smtClean="0">
-                <a:latin typeface="Courier"/>
-                <a:cs typeface="Courier"/>
-              </a:rPr>
-              <a:t> --</a:t>
-            </a:r>
-            <a:r>
-              <a:rPr lang="en-US" sz="2400" dirty="0" err="1" smtClean="0">
-                <a:latin typeface="Courier"/>
-                <a:cs typeface="Courier"/>
-              </a:rPr>
-              <a:t>buildver</a:t>
-            </a:r>
-            <a:r>
-              <a:rPr lang="en-US" sz="2400" dirty="0" smtClean="0">
-                <a:latin typeface="Courier"/>
-                <a:cs typeface="Courier"/>
-              </a:rPr>
-              <a:t> \</a:t>
-            </a:r>
-          </a:p>
-          <a:p>
-            <a:pPr marL="0" indent="0">
-              <a:buNone/>
-            </a:pPr>
-            <a:r>
-              <a:rPr lang="en-US" sz="2400" dirty="0" smtClean="0">
-                <a:latin typeface="Courier"/>
-                <a:cs typeface="Courier"/>
-              </a:rPr>
-              <a:t>hg38</a:t>
-            </a:r>
-            <a:r>
-              <a:rPr lang="en-US" sz="2400" i="1" dirty="0" smtClean="0">
-                <a:latin typeface="Courier"/>
-                <a:cs typeface="Courier"/>
-              </a:rPr>
-              <a:t> </a:t>
-            </a:r>
-            <a:r>
-              <a:rPr lang="en-US" sz="2400" dirty="0" smtClean="0">
-                <a:latin typeface="Courier"/>
-                <a:cs typeface="Courier"/>
-              </a:rPr>
-              <a:t>-</a:t>
-            </a:r>
-            <a:r>
-              <a:rPr lang="en-US" sz="2400" dirty="0">
-                <a:latin typeface="Courier"/>
-                <a:cs typeface="Courier"/>
-              </a:rPr>
-              <a:t>-</a:t>
-            </a:r>
-            <a:r>
-              <a:rPr lang="en-US" sz="2400" dirty="0" err="1">
-                <a:latin typeface="Courier"/>
-                <a:cs typeface="Courier"/>
-              </a:rPr>
-              <a:t>dbtype</a:t>
-            </a:r>
-            <a:r>
-              <a:rPr lang="en-US" sz="2400" dirty="0">
-                <a:latin typeface="Courier"/>
-                <a:cs typeface="Courier"/>
-              </a:rPr>
-              <a:t> gene output/</a:t>
-            </a:r>
-            <a:r>
-              <a:rPr lang="en-US" sz="2400" dirty="0" err="1">
-                <a:latin typeface="Courier"/>
-                <a:cs typeface="Courier"/>
-              </a:rPr>
-              <a:t>annovar_input</a:t>
-            </a:r>
-            <a:r>
-              <a:rPr lang="en-US" sz="2400" dirty="0">
-                <a:latin typeface="Courier"/>
-                <a:cs typeface="Courier"/>
-              </a:rPr>
-              <a:t> </a:t>
-            </a:r>
-            <a:r>
-              <a:rPr lang="en-US" sz="2400" dirty="0" smtClean="0">
-                <a:latin typeface="Courier"/>
-                <a:cs typeface="Courier"/>
-              </a:rPr>
-              <a:t>\</a:t>
-            </a:r>
-          </a:p>
-          <a:p>
-            <a:pPr marL="0" indent="0">
-              <a:buNone/>
-            </a:pPr>
-            <a:r>
-              <a:rPr lang="en-US" sz="2400" dirty="0">
-                <a:latin typeface="Courier"/>
-                <a:cs typeface="Courier"/>
-              </a:rPr>
-              <a:t>r</a:t>
-            </a:r>
-            <a:r>
-              <a:rPr lang="en-US" sz="2400" dirty="0" smtClean="0">
-                <a:latin typeface="Courier"/>
-                <a:cs typeface="Courier"/>
-              </a:rPr>
-              <a:t>esources/</a:t>
-            </a:r>
-            <a:r>
-              <a:rPr lang="en-US" sz="2400" dirty="0" err="1" smtClean="0">
-                <a:latin typeface="Courier"/>
-                <a:cs typeface="Courier"/>
-              </a:rPr>
-              <a:t>humandb</a:t>
-            </a:r>
-            <a:endParaRPr lang="en-US" sz="2400" dirty="0" smtClean="0"/>
-          </a:p>
-          <a:p>
-            <a:pPr marL="0" indent="0">
-              <a:buNone/>
-            </a:pPr>
-            <a:endParaRPr lang="en-US" sz="2400" dirty="0">
-              <a:latin typeface="Courier"/>
-              <a:cs typeface="Courier"/>
-            </a:endParaRPr>
+              <a:t>*</a:t>
+            </a:r>
+            <a:r>
+              <a:rPr lang="en-US" u="sng" dirty="0" err="1" smtClean="0"/>
+              <a:t>ome</a:t>
+            </a:r>
+            <a:r>
+              <a:rPr lang="en-US" u="sng" dirty="0" smtClean="0"/>
+              <a:t> Browsers</a:t>
+            </a:r>
+            <a:endParaRPr lang="en-US" u="sng" dirty="0" smtClean="0"/>
+          </a:p>
+          <a:p>
+            <a:r>
+              <a:rPr lang="en-US" dirty="0" smtClean="0"/>
+              <a:t>First stop for small number of variants/genes</a:t>
+            </a:r>
+          </a:p>
+          <a:p>
+            <a:pPr lvl="1"/>
+            <a:r>
+              <a:rPr lang="en-US" dirty="0"/>
+              <a:t>Integrates lots of data </a:t>
+            </a:r>
+            <a:r>
+              <a:rPr lang="en-US" dirty="0" smtClean="0"/>
+              <a:t>from, and links to, </a:t>
+            </a:r>
+            <a:r>
+              <a:rPr lang="en-US" dirty="0"/>
+              <a:t>public resources</a:t>
+            </a:r>
+          </a:p>
+          <a:p>
+            <a:pPr lvl="1"/>
+            <a:r>
+              <a:rPr lang="en-US" dirty="0"/>
+              <a:t>Export data </a:t>
+            </a:r>
+            <a:r>
+              <a:rPr lang="en-US" dirty="0" smtClean="0"/>
+              <a:t>in standard formats</a:t>
+            </a:r>
+          </a:p>
+          <a:p>
+            <a:r>
+              <a:rPr lang="en-US" dirty="0" smtClean="0"/>
+              <a:t>Genome: </a:t>
+            </a:r>
+            <a:r>
+              <a:rPr lang="en-US" dirty="0" smtClean="0"/>
+              <a:t>UCSC or </a:t>
+            </a:r>
+            <a:r>
+              <a:rPr lang="en-US" dirty="0" err="1" smtClean="0"/>
+              <a:t>Ensembl</a:t>
+            </a:r>
+            <a:endParaRPr lang="en-US" dirty="0" smtClean="0"/>
+          </a:p>
+          <a:p>
+            <a:r>
+              <a:rPr lang="en-US" dirty="0" smtClean="0"/>
+              <a:t>Epigenome: </a:t>
+            </a:r>
+            <a:r>
+              <a:rPr lang="en-US" dirty="0" smtClean="0"/>
+              <a:t>UCSC</a:t>
+            </a:r>
+            <a:r>
+              <a:rPr lang="en-US" dirty="0"/>
+              <a:t>, </a:t>
+            </a:r>
+            <a:r>
+              <a:rPr lang="en-US" dirty="0" err="1" smtClean="0"/>
+              <a:t>WashU</a:t>
+            </a:r>
+            <a:r>
+              <a:rPr lang="en-US" dirty="0" smtClean="0"/>
+              <a:t>, </a:t>
+            </a:r>
+            <a:r>
+              <a:rPr lang="en-US" dirty="0"/>
+              <a:t>FANTOM</a:t>
+            </a:r>
+            <a:endParaRPr lang="en-US" dirty="0" smtClean="0"/>
+          </a:p>
+          <a:p>
+            <a:r>
+              <a:rPr lang="en-US" dirty="0" smtClean="0"/>
+              <a:t>Transcriptome: </a:t>
+            </a:r>
+            <a:r>
+              <a:rPr lang="en-US" dirty="0" err="1" smtClean="0"/>
+              <a:t>GTEx</a:t>
+            </a:r>
+            <a:r>
+              <a:rPr lang="en-US" dirty="0" smtClean="0"/>
+              <a:t>, FANTOM</a:t>
+            </a:r>
+          </a:p>
+          <a:p>
+            <a:r>
+              <a:rPr lang="en-US" dirty="0" err="1" smtClean="0"/>
+              <a:t>Reactome</a:t>
+            </a:r>
+            <a:r>
+              <a:rPr lang="en-US" dirty="0" smtClean="0"/>
+              <a:t> (pathways): </a:t>
+            </a:r>
+            <a:r>
+              <a:rPr lang="en-US" dirty="0" err="1" smtClean="0"/>
+              <a:t>Reactome.org</a:t>
+            </a:r>
+            <a:endParaRPr lang="en-US" dirty="0" smtClean="0"/>
           </a:p>
         </p:txBody>
       </p:sp>
     </p:spTree>
     <p:extLst>
       <p:ext uri="{BB962C8B-B14F-4D97-AF65-F5344CB8AC3E}">
-        <p14:creationId xmlns:p14="http://schemas.microsoft.com/office/powerpoint/2010/main" val="1640310557"/>
+        <p14:creationId xmlns:p14="http://schemas.microsoft.com/office/powerpoint/2010/main" val="1012350312"/>
       </p:ext>
     </p:extLst>
   </p:cSld>
@@ -6350,12 +11368,12 @@
         <p:spPr>
           <a:xfrm>
             <a:off x="152400" y="1574800"/>
-            <a:ext cx="8864600" cy="635000"/>
+            <a:ext cx="8864600" cy="5156200"/>
           </a:xfrm>
         </p:spPr>
         <p:txBody>
           <a:bodyPr>
-            <a:normAutofit/>
+            <a:normAutofit fontScale="92500" lnSpcReduction="20000"/>
           </a:bodyPr>
           <a:lstStyle/>
           <a:p>
@@ -6364,116 +11382,128 @@
             </a:pPr>
             <a:r>
               <a:rPr lang="en-US" u="sng" dirty="0" smtClean="0"/>
-              <a:t>ANNOVAR Output</a:t>
-            </a:r>
-            <a:endParaRPr lang="en-US" dirty="0" smtClean="0">
-              <a:cs typeface="Courier"/>
-            </a:endParaRPr>
-          </a:p>
-          <a:p>
-            <a:pPr marL="0" indent="0">
-              <a:buNone/>
-            </a:pPr>
-            <a:endParaRPr lang="en-US" sz="2400" dirty="0" smtClean="0">
-              <a:latin typeface="Courier"/>
-              <a:cs typeface="Courier"/>
-            </a:endParaRPr>
-          </a:p>
-        </p:txBody>
-      </p:sp>
-      <p:sp>
-        <p:nvSpPr>
-          <p:cNvPr id="4" name="TextBox 3"/>
-          <p:cNvSpPr txBox="1"/>
-          <p:nvPr/>
-        </p:nvSpPr>
-        <p:spPr>
-          <a:xfrm>
-            <a:off x="63500" y="2197100"/>
-            <a:ext cx="9017000" cy="3416320"/>
-          </a:xfrm>
-          <a:prstGeom prst="rect">
-            <a:avLst/>
-          </a:prstGeom>
-          <a:noFill/>
-          <a:ln w="28575" cmpd="sng">
-            <a:solidFill>
-              <a:srgbClr val="FF0000"/>
-            </a:solidFill>
-          </a:ln>
-        </p:spPr>
-        <p:txBody>
-          <a:bodyPr wrap="square" rtlCol="0">
-            <a:spAutoFit/>
-          </a:bodyPr>
-          <a:lstStyle/>
-          <a:p>
+              <a:t>Whole VCF Tools</a:t>
+            </a:r>
+            <a:endParaRPr lang="en-US" u="sng" dirty="0" smtClean="0"/>
+          </a:p>
+          <a:p>
+            <a:r>
+              <a:rPr lang="en-US" dirty="0" smtClean="0"/>
+              <a:t>Filter VCF: </a:t>
+            </a:r>
             <a:r>
               <a:rPr lang="en-US" dirty="0" err="1" smtClean="0"/>
-              <a:t>nonsynonymous</a:t>
-            </a:r>
-            <a:r>
-              <a:rPr lang="en-US" dirty="0" smtClean="0"/>
-              <a:t> </a:t>
-            </a:r>
-            <a:r>
-              <a:rPr lang="en-US" dirty="0"/>
-              <a:t>SNV IL23R:NM_144701:exon9:c.G1142A:p.R381Q, 1 67705958 67705958 G A comments: rs11209026 (R381Q), a SNP in IL23R associated with </a:t>
-            </a:r>
-            <a:r>
-              <a:rPr lang="en-US" dirty="0" err="1"/>
-              <a:t>Crohn's</a:t>
-            </a:r>
-            <a:r>
-              <a:rPr lang="en-US" dirty="0"/>
-              <a:t> disease</a:t>
-            </a:r>
-          </a:p>
-          <a:p>
+              <a:t>VCFtools</a:t>
+            </a:r>
+            <a:endParaRPr lang="en-US" dirty="0" smtClean="0"/>
+          </a:p>
+          <a:p>
+            <a:r>
+              <a:rPr lang="en-US" dirty="0" smtClean="0"/>
+              <a:t>A</a:t>
+            </a:r>
+            <a:r>
+              <a:rPr lang="en-US" dirty="0" smtClean="0"/>
+              <a:t>dd annotations to VCF: </a:t>
+            </a:r>
             <a:r>
               <a:rPr lang="en-US" dirty="0" err="1" smtClean="0"/>
-              <a:t>nonsynonymous</a:t>
-            </a:r>
-            <a:r>
-              <a:rPr lang="en-US" dirty="0" smtClean="0"/>
-              <a:t> </a:t>
-            </a:r>
-            <a:r>
-              <a:rPr lang="en-US" dirty="0"/>
-              <a:t>SNV ATG16L1:NM_001190267:exon9:c.A550G:p.T184A,ATG16L1:NM_017974:exon8:c.A841G:p.T281A,ATG16L1:NM_001190266:exon9:c.A646G:p.T216A,ATG16L1:NM_030803:exon9:c.A898G:p.T300A,ATG16L1:NM_198890:exon5:c.A409G:p.T137A, 2 234183368 234183368 A G comments: rs2241880 (T300A), a SNP in the ATG16L1 associated with </a:t>
-            </a:r>
-            <a:r>
-              <a:rPr lang="en-US" dirty="0" err="1"/>
-              <a:t>Crohn's</a:t>
-            </a:r>
-            <a:r>
-              <a:rPr lang="en-US" dirty="0"/>
-              <a:t> disease</a:t>
-            </a:r>
-          </a:p>
-          <a:p>
+              <a:t>VCFTools</a:t>
+            </a:r>
+            <a:r>
+              <a:rPr lang="en-US" dirty="0" smtClean="0"/>
+              <a:t>, </a:t>
+            </a:r>
             <a:r>
               <a:rPr lang="en-US" dirty="0" err="1" smtClean="0"/>
-              <a:t>nonsynonymous</a:t>
-            </a:r>
-            <a:r>
-              <a:rPr lang="en-US" dirty="0" smtClean="0"/>
-              <a:t> </a:t>
-            </a:r>
-            <a:r>
-              <a:rPr lang="en-US" dirty="0"/>
-              <a:t>SNV NOD2:NM_022162:exon4:c.C2104T:p.R702W,NOD2:NM_001293557:exon3:c.C2023T:p.R675W, 16 50745926 50745926 C comments: rs2066844 (R702W), a non-synonymous SNP in NOD2</a:t>
-            </a:r>
-          </a:p>
-          <a:p>
-            <a:endParaRPr lang="en-US" dirty="0"/>
+              <a:t>vcfanno</a:t>
+            </a:r>
+            <a:r>
+              <a:rPr lang="en-US" dirty="0" smtClean="0"/>
+              <a:t>, </a:t>
+            </a:r>
+            <a:r>
+              <a:rPr lang="en-US" dirty="0" err="1" smtClean="0"/>
+              <a:t>BCFTools</a:t>
+            </a:r>
+            <a:endParaRPr lang="en-US" dirty="0" smtClean="0"/>
+          </a:p>
+          <a:p>
+            <a:r>
+              <a:rPr lang="en-US" dirty="0" smtClean="0"/>
+              <a:t>Identify overlaps with annotation sets: </a:t>
+            </a:r>
+            <a:r>
+              <a:rPr lang="en-US" dirty="0" err="1" smtClean="0"/>
+              <a:t>BEDTools</a:t>
+            </a:r>
+            <a:endParaRPr lang="en-US" dirty="0" smtClean="0"/>
+          </a:p>
+          <a:p>
+            <a:r>
+              <a:rPr lang="en-US" dirty="0" smtClean="0"/>
+              <a:t>Query VCF annotations: Gemini</a:t>
+            </a:r>
+          </a:p>
+          <a:p>
+            <a:r>
+              <a:rPr lang="en-US" dirty="0" smtClean="0"/>
+              <a:t>Predict variant effects: VEP, </a:t>
+            </a:r>
+            <a:r>
+              <a:rPr lang="en-US" dirty="0" err="1" smtClean="0"/>
+              <a:t>HaploReg</a:t>
+            </a:r>
+            <a:endParaRPr lang="en-US" dirty="0" smtClean="0"/>
+          </a:p>
+          <a:p>
+            <a:r>
+              <a:rPr lang="en-US" dirty="0" smtClean="0"/>
+              <a:t>Annotate genes/regions: </a:t>
+            </a:r>
+            <a:r>
+              <a:rPr lang="en-US" dirty="0" err="1" smtClean="0"/>
+              <a:t>Annovar</a:t>
+            </a:r>
+            <a:endParaRPr lang="en-US" dirty="0" smtClean="0"/>
+          </a:p>
+          <a:p>
+            <a:r>
+              <a:rPr lang="en-US" dirty="0" smtClean="0"/>
+              <a:t>Compute enrichment of variants in annotated genomic regions: GREGOR, VSE</a:t>
+            </a:r>
+          </a:p>
+          <a:p>
+            <a:r>
+              <a:rPr lang="en-US" dirty="0" smtClean="0"/>
+              <a:t>Prioritize variants (</a:t>
+            </a:r>
+            <a:r>
+              <a:rPr lang="en-US" dirty="0" err="1" smtClean="0"/>
+              <a:t>FunSeq</a:t>
+            </a:r>
+            <a:r>
+              <a:rPr lang="en-US" dirty="0" smtClean="0"/>
+              <a:t>, GWAVA)</a:t>
+            </a:r>
+          </a:p>
+          <a:p>
+            <a:r>
+              <a:rPr lang="en-US" dirty="0" smtClean="0"/>
+              <a:t>Extract annotations from VCF: </a:t>
+            </a:r>
+            <a:r>
+              <a:rPr lang="en-US" dirty="0" err="1" smtClean="0"/>
+              <a:t>BCFTools</a:t>
+            </a:r>
+            <a:endParaRPr lang="en-US" dirty="0" smtClean="0"/>
           </a:p>
         </p:txBody>
       </p:sp>
     </p:spTree>
     <p:extLst>
       <p:ext uri="{BB962C8B-B14F-4D97-AF65-F5344CB8AC3E}">
-        <p14:creationId xmlns:p14="http://schemas.microsoft.com/office/powerpoint/2010/main" val="4031934804"/>
+        <p14:creationId xmlns:p14="http://schemas.microsoft.com/office/powerpoint/2010/main" val="517040103"/>
       </p:ext>
     </p:extLst>
   </p:cSld>

--- a/development/AdvancedDNASeq/slides/Part6_Annotation.pptx
+++ b/development/AdvancedDNASeq/slides/Part6_Annotation.pptx
@@ -3976,6 +3976,13 @@
   <p:clrMapOvr>
     <a:masterClrMapping/>
   </p:clrMapOvr>
+  <p:timing>
+    <p:tnLst>
+      <p:par>
+        <p:cTn id="1" dur="indefinite" restart="never" nodeType="tmRoot"/>
+      </p:par>
+    </p:tnLst>
+  </p:timing>
 </p:sld>
 </file>
 
@@ -4156,6 +4163,13 @@
       <p:transition xmlns:p14="http://schemas.microsoft.com/office/powerpoint/2010/main" spd="slow"/>
     </mc:Fallback>
   </mc:AlternateContent>
+  <p:timing>
+    <p:tnLst>
+      <p:par>
+        <p:cTn id="1" dur="indefinite" restart="never" nodeType="tmRoot"/>
+      </p:par>
+    </p:tnLst>
+  </p:timing>
 </p:sld>
 </file>
 
@@ -4427,6 +4441,13 @@
       <p:transition xmlns:p14="http://schemas.microsoft.com/office/powerpoint/2010/main" spd="slow"/>
     </mc:Fallback>
   </mc:AlternateContent>
+  <p:timing>
+    <p:tnLst>
+      <p:par>
+        <p:cTn id="1" dur="indefinite" restart="never" nodeType="tmRoot"/>
+      </p:par>
+    </p:tnLst>
+  </p:timing>
 </p:sld>
 </file>
 
@@ -4639,6 +4660,13 @@
       <p:transition xmlns:p14="http://schemas.microsoft.com/office/powerpoint/2010/main" spd="slow"/>
     </mc:Fallback>
   </mc:AlternateContent>
+  <p:timing>
+    <p:tnLst>
+      <p:par>
+        <p:cTn id="1" dur="indefinite" restart="never" nodeType="tmRoot"/>
+      </p:par>
+    </p:tnLst>
+  </p:timing>
 </p:sld>
 </file>
 
@@ -5002,6 +5030,13 @@
       <p:transition xmlns:p14="http://schemas.microsoft.com/office/powerpoint/2010/main" spd="slow"/>
     </mc:Fallback>
   </mc:AlternateContent>
+  <p:timing>
+    <p:tnLst>
+      <p:par>
+        <p:cTn id="1" dur="indefinite" restart="never" nodeType="tmRoot"/>
+      </p:par>
+    </p:tnLst>
+  </p:timing>
 </p:sld>
 </file>
 
@@ -5620,6 +5655,13 @@
       <p:transition xmlns:p14="http://schemas.microsoft.com/office/powerpoint/2010/main" spd="slow"/>
     </mc:Fallback>
   </mc:AlternateContent>
+  <p:timing>
+    <p:tnLst>
+      <p:par>
+        <p:cTn id="1" dur="indefinite" restart="never" nodeType="tmRoot"/>
+      </p:par>
+    </p:tnLst>
+  </p:timing>
 </p:sld>
 </file>
 
@@ -5760,6 +5802,13 @@
       <p:transition xmlns:p14="http://schemas.microsoft.com/office/powerpoint/2010/main" spd="slow"/>
     </mc:Fallback>
   </mc:AlternateContent>
+  <p:timing>
+    <p:tnLst>
+      <p:par>
+        <p:cTn id="1" dur="indefinite" restart="never" nodeType="tmRoot"/>
+      </p:par>
+    </p:tnLst>
+  </p:timing>
 </p:sld>
 </file>
 
@@ -6114,6 +6163,13 @@
       <p:transition xmlns:p14="http://schemas.microsoft.com/office/powerpoint/2010/main" spd="slow"/>
     </mc:Fallback>
   </mc:AlternateContent>
+  <p:timing>
+    <p:tnLst>
+      <p:par>
+        <p:cTn id="1" dur="indefinite" restart="never" nodeType="tmRoot"/>
+      </p:par>
+    </p:tnLst>
+  </p:timing>
 </p:sld>
 </file>
 
@@ -6523,6 +6579,13 @@
       <p:transition xmlns:p14="http://schemas.microsoft.com/office/powerpoint/2010/main" spd="slow"/>
     </mc:Fallback>
   </mc:AlternateContent>
+  <p:timing>
+    <p:tnLst>
+      <p:par>
+        <p:cTn id="1" dur="indefinite" restart="never" nodeType="tmRoot"/>
+      </p:par>
+    </p:tnLst>
+  </p:timing>
 </p:sld>
 </file>
 
@@ -6670,6 +6733,13 @@
       <p:transition xmlns:p14="http://schemas.microsoft.com/office/powerpoint/2010/main" spd="slow"/>
     </mc:Fallback>
   </mc:AlternateContent>
+  <p:timing>
+    <p:tnLst>
+      <p:par>
+        <p:cTn id="1" dur="indefinite" restart="never" nodeType="tmRoot"/>
+      </p:par>
+    </p:tnLst>
+  </p:timing>
 </p:sld>
 </file>
 
@@ -6847,6 +6917,13 @@
       <p:transition xmlns:p14="http://schemas.microsoft.com/office/powerpoint/2010/main" spd="slow"/>
     </mc:Fallback>
   </mc:AlternateContent>
+  <p:timing>
+    <p:tnLst>
+      <p:par>
+        <p:cTn id="1" dur="indefinite" restart="never" nodeType="tmRoot"/>
+      </p:par>
+    </p:tnLst>
+  </p:timing>
 </p:sld>
 </file>
 
@@ -6999,6 +7076,13 @@
       <p:transition xmlns:p14="http://schemas.microsoft.com/office/powerpoint/2010/main" spd="slow"/>
     </mc:Fallback>
   </mc:AlternateContent>
+  <p:timing>
+    <p:tnLst>
+      <p:par>
+        <p:cTn id="1" dur="indefinite" restart="never" nodeType="tmRoot"/>
+      </p:par>
+    </p:tnLst>
+  </p:timing>
 </p:sld>
 </file>
 
@@ -7534,6 +7618,13 @@
       <p:transition xmlns:p14="http://schemas.microsoft.com/office/powerpoint/2010/main" spd="slow"/>
     </mc:Fallback>
   </mc:AlternateContent>
+  <p:timing>
+    <p:tnLst>
+      <p:par>
+        <p:cTn id="1" dur="indefinite" restart="never" nodeType="tmRoot"/>
+      </p:par>
+    </p:tnLst>
+  </p:timing>
 </p:sld>
 </file>
 
@@ -7731,6 +7822,13 @@
       <p:transition xmlns:p14="http://schemas.microsoft.com/office/powerpoint/2010/main" spd="slow"/>
     </mc:Fallback>
   </mc:AlternateContent>
+  <p:timing>
+    <p:tnLst>
+      <p:par>
+        <p:cTn id="1" dur="indefinite" restart="never" nodeType="tmRoot"/>
+      </p:par>
+    </p:tnLst>
+  </p:timing>
 </p:sld>
 </file>
 
@@ -7839,6 +7937,13 @@
       <p:transition xmlns:p14="http://schemas.microsoft.com/office/powerpoint/2010/main" spd="slow"/>
     </mc:Fallback>
   </mc:AlternateContent>
+  <p:timing>
+    <p:tnLst>
+      <p:par>
+        <p:cTn id="1" dur="indefinite" restart="never" nodeType="tmRoot"/>
+      </p:par>
+    </p:tnLst>
+  </p:timing>
 </p:sld>
 </file>
 
@@ -7989,6 +8094,13 @@
       <p:transition xmlns:p14="http://schemas.microsoft.com/office/powerpoint/2010/main" spd="slow"/>
     </mc:Fallback>
   </mc:AlternateContent>
+  <p:timing>
+    <p:tnLst>
+      <p:par>
+        <p:cTn id="1" dur="indefinite" restart="never" nodeType="tmRoot"/>
+      </p:par>
+    </p:tnLst>
+  </p:timing>
 </p:sld>
 </file>
 
@@ -8146,6 +8258,13 @@
       <p:transition xmlns:p14="http://schemas.microsoft.com/office/powerpoint/2010/main" spd="slow"/>
     </mc:Fallback>
   </mc:AlternateContent>
+  <p:timing>
+    <p:tnLst>
+      <p:par>
+        <p:cTn id="1" dur="indefinite" restart="never" nodeType="tmRoot"/>
+      </p:par>
+    </p:tnLst>
+  </p:timing>
 </p:sld>
 </file>
 
@@ -8287,6 +8406,13 @@
       <p:transition xmlns:p14="http://schemas.microsoft.com/office/powerpoint/2010/main" spd="slow"/>
     </mc:Fallback>
   </mc:AlternateContent>
+  <p:timing>
+    <p:tnLst>
+      <p:par>
+        <p:cTn id="1" dur="indefinite" restart="never" nodeType="tmRoot"/>
+      </p:par>
+    </p:tnLst>
+  </p:timing>
 </p:sld>
 </file>
 
@@ -8459,6 +8585,13 @@
       <p:transition xmlns:p14="http://schemas.microsoft.com/office/powerpoint/2010/main" spd="slow"/>
     </mc:Fallback>
   </mc:AlternateContent>
+  <p:timing>
+    <p:tnLst>
+      <p:par>
+        <p:cTn id="1" dur="indefinite" restart="never" nodeType="tmRoot"/>
+      </p:par>
+    </p:tnLst>
+  </p:timing>
 </p:sld>
 </file>
 
@@ -8651,6 +8784,13 @@
       <p:transition xmlns:p14="http://schemas.microsoft.com/office/powerpoint/2010/main" spd="slow"/>
     </mc:Fallback>
   </mc:AlternateContent>
+  <p:timing>
+    <p:tnLst>
+      <p:par>
+        <p:cTn id="1" dur="indefinite" restart="never" nodeType="tmRoot"/>
+      </p:par>
+    </p:tnLst>
+  </p:timing>
 </p:sld>
 </file>
 
@@ -8814,6 +8954,13 @@
       <p:transition xmlns:p14="http://schemas.microsoft.com/office/powerpoint/2010/main" spd="slow"/>
     </mc:Fallback>
   </mc:AlternateContent>
+  <p:timing>
+    <p:tnLst>
+      <p:par>
+        <p:cTn id="1" dur="indefinite" restart="never" nodeType="tmRoot"/>
+      </p:par>
+    </p:tnLst>
+  </p:timing>
 </p:sld>
 </file>
 
@@ -9058,6 +9205,13 @@
       <p:transition xmlns:p14="http://schemas.microsoft.com/office/powerpoint/2010/main" spd="slow"/>
     </mc:Fallback>
   </mc:AlternateContent>
+  <p:timing>
+    <p:tnLst>
+      <p:par>
+        <p:cTn id="1" dur="indefinite" restart="never" nodeType="tmRoot"/>
+      </p:par>
+    </p:tnLst>
+  </p:timing>
 </p:sld>
 </file>
 
@@ -9274,6 +9428,13 @@
       <p:transition xmlns:p14="http://schemas.microsoft.com/office/powerpoint/2010/main" spd="slow"/>
     </mc:Fallback>
   </mc:AlternateContent>
+  <p:timing>
+    <p:tnLst>
+      <p:par>
+        <p:cTn id="1" dur="indefinite" restart="never" nodeType="tmRoot"/>
+      </p:par>
+    </p:tnLst>
+  </p:timing>
 </p:sld>
 </file>
 
@@ -9572,11 +9733,18 @@
               <a:t> </a:t>
             </a:r>
             <a:r>
-              <a:rPr lang="en-US" sz="2400" dirty="0" smtClean="0">
-                <a:latin typeface="Courier"/>
-                <a:cs typeface="Courier"/>
-              </a:rPr>
-              <a:t>CHR \</a:t>
+              <a:rPr lang="en-US" sz="2400" i="1" dirty="0" smtClean="0">
+                <a:latin typeface="Courier"/>
+                <a:cs typeface="Courier"/>
+              </a:rPr>
+              <a:t>CHR</a:t>
+            </a:r>
+            <a:r>
+              <a:rPr lang="en-US" sz="2400" dirty="0" smtClean="0">
+                <a:latin typeface="Courier"/>
+                <a:cs typeface="Courier"/>
+              </a:rPr>
+              <a:t> \</a:t>
             </a:r>
             <a:endParaRPr lang="en-US" sz="2400" dirty="0">
               <a:latin typeface="Courier"/>
@@ -9613,9 +9781,16 @@
                 <a:latin typeface="Courier"/>
                 <a:cs typeface="Courier"/>
               </a:rPr>
-              <a:t> POS</a:t>
-            </a:r>
-            <a:endParaRPr lang="en-US" sz="2400" dirty="0" smtClean="0">
+              <a:t> </a:t>
+            </a:r>
+            <a:r>
+              <a:rPr lang="en-US" sz="2400" i="1" dirty="0">
+                <a:latin typeface="Courier"/>
+                <a:cs typeface="Courier"/>
+              </a:rPr>
+              <a:t>POS</a:t>
+            </a:r>
+            <a:endParaRPr lang="en-US" sz="2400" i="1" dirty="0" smtClean="0">
               <a:latin typeface="Courier"/>
               <a:cs typeface="Courier"/>
             </a:endParaRPr>
@@ -9640,6 +9815,13 @@
       <p:transition xmlns:p14="http://schemas.microsoft.com/office/powerpoint/2010/main" spd="slow"/>
     </mc:Fallback>
   </mc:AlternateContent>
+  <p:timing>
+    <p:tnLst>
+      <p:par>
+        <p:cTn id="1" dur="indefinite" restart="never" nodeType="tmRoot"/>
+      </p:par>
+    </p:tnLst>
+  </p:timing>
 </p:sld>
 </file>
 
@@ -10541,6 +10723,13 @@
       <p:transition xmlns:p14="http://schemas.microsoft.com/office/powerpoint/2010/main" spd="slow"/>
     </mc:Fallback>
   </mc:AlternateContent>
+  <p:timing>
+    <p:tnLst>
+      <p:par>
+        <p:cTn id="1" dur="indefinite" restart="never" nodeType="tmRoot"/>
+      </p:par>
+    </p:tnLst>
+  </p:timing>
 </p:sld>
 </file>
 
@@ -10755,6 +10944,13 @@
       <p:transition xmlns:p14="http://schemas.microsoft.com/office/powerpoint/2010/main" spd="slow"/>
     </mc:Fallback>
   </mc:AlternateContent>
+  <p:timing>
+    <p:tnLst>
+      <p:par>
+        <p:cTn id="1" dur="indefinite" restart="never" nodeType="tmRoot"/>
+      </p:par>
+    </p:tnLst>
+  </p:timing>
 </p:sld>
 </file>
 
@@ -10968,6 +11164,13 @@
       <p:transition xmlns:p14="http://schemas.microsoft.com/office/powerpoint/2010/main" spd="slow"/>
     </mc:Fallback>
   </mc:AlternateContent>
+  <p:timing>
+    <p:tnLst>
+      <p:par>
+        <p:cTn id="1" dur="indefinite" restart="never" nodeType="tmRoot"/>
+      </p:par>
+    </p:tnLst>
+  </p:timing>
 </p:sld>
 </file>
 
@@ -11101,6 +11304,13 @@
       <p:transition xmlns:p14="http://schemas.microsoft.com/office/powerpoint/2010/main" spd="slow"/>
     </mc:Fallback>
   </mc:AlternateContent>
+  <p:timing>
+    <p:tnLst>
+      <p:par>
+        <p:cTn id="1" dur="indefinite" restart="never" nodeType="tmRoot"/>
+      </p:par>
+    </p:tnLst>
+  </p:timing>
 </p:sld>
 </file>
 
@@ -11309,6 +11519,13 @@
       <p:transition xmlns:p14="http://schemas.microsoft.com/office/powerpoint/2010/main" spd="slow"/>
     </mc:Fallback>
   </mc:AlternateContent>
+  <p:timing>
+    <p:tnLst>
+      <p:par>
+        <p:cTn id="1" dur="indefinite" restart="never" nodeType="tmRoot"/>
+      </p:par>
+    </p:tnLst>
+  </p:timing>
 </p:sld>
 </file>
 
@@ -11518,6 +11735,13 @@
       <p:transition xmlns:p14="http://schemas.microsoft.com/office/powerpoint/2010/main" spd="slow"/>
     </mc:Fallback>
   </mc:AlternateContent>
+  <p:timing>
+    <p:tnLst>
+      <p:par>
+        <p:cTn id="1" dur="indefinite" restart="never" nodeType="tmRoot"/>
+      </p:par>
+    </p:tnLst>
+  </p:timing>
 </p:sld>
 </file>
 
